--- a/Agile Fundamentals for Product Owner/06-Visibility and communication.pptx
+++ b/Agile Fundamentals for Product Owner/06-Visibility and communication.pptx
@@ -1,37 +1,137 @@
 
 <file path=ppt/presentation.xml><?xml version="1.0" encoding="utf-8"?>
-<p:presentation xmlns:a="http://schemas.openxmlformats.org/drawingml/2006/main" xmlns:p="http://schemas.openxmlformats.org/presentationml/2006/main" xmlns:r="http://schemas.openxmlformats.org/officeDocument/2006/relationships">
+<p:presentation xmlns:a="http://schemas.openxmlformats.org/drawingml/2006/main" xmlns:r="http://schemas.openxmlformats.org/officeDocument/2006/relationships" xmlns:p="http://schemas.openxmlformats.org/presentationml/2006/main" saveSubsetFonts="1">
   <p:sldMasterIdLst>
-    <p:sldMasterId id="2147483648" r:id="rId2"/>
-    <p:sldMasterId id="2147483661" r:id="rId3"/>
-    <p:sldMasterId id="2147483674" r:id="rId4"/>
-    <p:sldMasterId id="2147483687" r:id="rId5"/>
+    <p:sldMasterId id="2147483648" r:id="rId1"/>
+    <p:sldMasterId id="2147483661" r:id="rId2"/>
+    <p:sldMasterId id="2147483674" r:id="rId3"/>
+    <p:sldMasterId id="2147483687" r:id="rId4"/>
   </p:sldMasterIdLst>
   <p:notesMasterIdLst>
-    <p:notesMasterId r:id="rId6"/>
+    <p:notesMasterId r:id="rId12"/>
   </p:notesMasterIdLst>
   <p:sldIdLst>
-    <p:sldId id="256" r:id="rId7"/>
-    <p:sldId id="257" r:id="rId8"/>
-    <p:sldId id="258" r:id="rId9"/>
-    <p:sldId id="259" r:id="rId10"/>
-    <p:sldId id="260" r:id="rId11"/>
-    <p:sldId id="261" r:id="rId12"/>
-    <p:sldId id="262" r:id="rId13"/>
+    <p:sldId id="256" r:id="rId5"/>
+    <p:sldId id="257" r:id="rId6"/>
+    <p:sldId id="258" r:id="rId7"/>
+    <p:sldId id="259" r:id="rId8"/>
+    <p:sldId id="260" r:id="rId9"/>
+    <p:sldId id="261" r:id="rId10"/>
+    <p:sldId id="262" r:id="rId11"/>
   </p:sldIdLst>
-  <p:sldSz cx="9144000" cy="6858000"/>
+  <p:sldSz cx="9144000" cy="6858000" type="screen4x3"/>
   <p:notesSz cx="6858000" cy="9144000"/>
+  <p:defaultTextStyle>
+    <a:defPPr>
+      <a:defRPr lang="en-US"/>
+    </a:defPPr>
+    <a:lvl1pPr marL="0" algn="l" defTabSz="914400" rtl="0" eaLnBrk="1" latinLnBrk="0" hangingPunct="1">
+      <a:defRPr sz="1800" kern="1200">
+        <a:solidFill>
+          <a:schemeClr val="tx1"/>
+        </a:solidFill>
+        <a:latin typeface="+mn-lt"/>
+        <a:ea typeface="+mn-ea"/>
+        <a:cs typeface="+mn-cs"/>
+      </a:defRPr>
+    </a:lvl1pPr>
+    <a:lvl2pPr marL="457200" algn="l" defTabSz="914400" rtl="0" eaLnBrk="1" latinLnBrk="0" hangingPunct="1">
+      <a:defRPr sz="1800" kern="1200">
+        <a:solidFill>
+          <a:schemeClr val="tx1"/>
+        </a:solidFill>
+        <a:latin typeface="+mn-lt"/>
+        <a:ea typeface="+mn-ea"/>
+        <a:cs typeface="+mn-cs"/>
+      </a:defRPr>
+    </a:lvl2pPr>
+    <a:lvl3pPr marL="914400" algn="l" defTabSz="914400" rtl="0" eaLnBrk="1" latinLnBrk="0" hangingPunct="1">
+      <a:defRPr sz="1800" kern="1200">
+        <a:solidFill>
+          <a:schemeClr val="tx1"/>
+        </a:solidFill>
+        <a:latin typeface="+mn-lt"/>
+        <a:ea typeface="+mn-ea"/>
+        <a:cs typeface="+mn-cs"/>
+      </a:defRPr>
+    </a:lvl3pPr>
+    <a:lvl4pPr marL="1371600" algn="l" defTabSz="914400" rtl="0" eaLnBrk="1" latinLnBrk="0" hangingPunct="1">
+      <a:defRPr sz="1800" kern="1200">
+        <a:solidFill>
+          <a:schemeClr val="tx1"/>
+        </a:solidFill>
+        <a:latin typeface="+mn-lt"/>
+        <a:ea typeface="+mn-ea"/>
+        <a:cs typeface="+mn-cs"/>
+      </a:defRPr>
+    </a:lvl4pPr>
+    <a:lvl5pPr marL="1828800" algn="l" defTabSz="914400" rtl="0" eaLnBrk="1" latinLnBrk="0" hangingPunct="1">
+      <a:defRPr sz="1800" kern="1200">
+        <a:solidFill>
+          <a:schemeClr val="tx1"/>
+        </a:solidFill>
+        <a:latin typeface="+mn-lt"/>
+        <a:ea typeface="+mn-ea"/>
+        <a:cs typeface="+mn-cs"/>
+      </a:defRPr>
+    </a:lvl5pPr>
+    <a:lvl6pPr marL="2286000" algn="l" defTabSz="914400" rtl="0" eaLnBrk="1" latinLnBrk="0" hangingPunct="1">
+      <a:defRPr sz="1800" kern="1200">
+        <a:solidFill>
+          <a:schemeClr val="tx1"/>
+        </a:solidFill>
+        <a:latin typeface="+mn-lt"/>
+        <a:ea typeface="+mn-ea"/>
+        <a:cs typeface="+mn-cs"/>
+      </a:defRPr>
+    </a:lvl6pPr>
+    <a:lvl7pPr marL="2743200" algn="l" defTabSz="914400" rtl="0" eaLnBrk="1" latinLnBrk="0" hangingPunct="1">
+      <a:defRPr sz="1800" kern="1200">
+        <a:solidFill>
+          <a:schemeClr val="tx1"/>
+        </a:solidFill>
+        <a:latin typeface="+mn-lt"/>
+        <a:ea typeface="+mn-ea"/>
+        <a:cs typeface="+mn-cs"/>
+      </a:defRPr>
+    </a:lvl7pPr>
+    <a:lvl8pPr marL="3200400" algn="l" defTabSz="914400" rtl="0" eaLnBrk="1" latinLnBrk="0" hangingPunct="1">
+      <a:defRPr sz="1800" kern="1200">
+        <a:solidFill>
+          <a:schemeClr val="tx1"/>
+        </a:solidFill>
+        <a:latin typeface="+mn-lt"/>
+        <a:ea typeface="+mn-ea"/>
+        <a:cs typeface="+mn-cs"/>
+      </a:defRPr>
+    </a:lvl8pPr>
+    <a:lvl9pPr marL="3657600" algn="l" defTabSz="914400" rtl="0" eaLnBrk="1" latinLnBrk="0" hangingPunct="1">
+      <a:defRPr sz="1800" kern="1200">
+        <a:solidFill>
+          <a:schemeClr val="tx1"/>
+        </a:solidFill>
+        <a:latin typeface="+mn-lt"/>
+        <a:ea typeface="+mn-ea"/>
+        <a:cs typeface="+mn-cs"/>
+      </a:defRPr>
+    </a:lvl9pPr>
+  </p:defaultTextStyle>
 </p:presentation>
 </file>
 
-<file path=ppt/charts/chart2.xml><?xml version="1.0" encoding="utf-8"?>
-<c:chartSpace xmlns:a="http://schemas.openxmlformats.org/drawingml/2006/main" xmlns:c="http://schemas.openxmlformats.org/drawingml/2006/chart" xmlns:r="http://schemas.openxmlformats.org/officeDocument/2006/relationships">
+<file path=ppt/charts/chart1.xml><?xml version="1.0" encoding="utf-8"?>
+<c:chartSpace xmlns:c="http://schemas.openxmlformats.org/drawingml/2006/chart" xmlns:a="http://schemas.openxmlformats.org/drawingml/2006/main" xmlns:r="http://schemas.openxmlformats.org/officeDocument/2006/relationships">
+  <c:date1904 val="1"/>
   <c:lang val="en-US"/>
+  <c:roundedCorners val="1"/>
+  <c:style val="18"/>
   <c:chart>
+    <c:autoTitleDeleted val="1"/>
     <c:plotArea>
       <c:layout/>
       <c:lineChart>
         <c:grouping val="standard"/>
+        <c:varyColors val="1"/>
         <c:ser>
           <c:idx val="0"/>
           <c:order val="0"/>
@@ -47,17 +147,15 @@
             </c:strRef>
           </c:tx>
           <c:spPr>
-            <a:solidFill>
-              <a:srgbClr val="4a7ebb"/>
-            </a:solidFill>
             <a:ln w="28440">
               <a:solidFill>
-                <a:srgbClr val="4a7ebb"/>
+                <a:srgbClr val="4A7EBB"/>
               </a:solidFill>
               <a:round/>
             </a:ln>
           </c:spPr>
           <c:marker>
+            <c:symbol val="diamond"/>
             <c:size val="4"/>
           </c:marker>
           <c:dLbls>
@@ -69,7 +167,11 @@
               <c:showCatName val="0"/>
               <c:showSerName val="0"/>
               <c:showPercent val="0"/>
+              <c:showBubbleSize val="1"/>
               <c:separator>; </c:separator>
+              <c:extLst>
+                <c:ext xmlns:c15="http://schemas.microsoft.com/office/drawing/2012/chart" uri="{CE6537A1-D6FC-4f65-9D91-7224C49458BB}"/>
+              </c:extLst>
             </c:dLbl>
             <c:dLbl>
               <c:idx val="1"/>
@@ -79,7 +181,11 @@
               <c:showCatName val="0"/>
               <c:showSerName val="0"/>
               <c:showPercent val="0"/>
+              <c:showBubbleSize val="1"/>
               <c:separator>; </c:separator>
+              <c:extLst>
+                <c:ext xmlns:c15="http://schemas.microsoft.com/office/drawing/2012/chart" uri="{CE6537A1-D6FC-4f65-9D91-7224C49458BB}"/>
+              </c:extLst>
             </c:dLbl>
             <c:dLbl>
               <c:idx val="2"/>
@@ -89,7 +195,11 @@
               <c:showCatName val="0"/>
               <c:showSerName val="0"/>
               <c:showPercent val="0"/>
+              <c:showBubbleSize val="1"/>
               <c:separator>; </c:separator>
+              <c:extLst>
+                <c:ext xmlns:c15="http://schemas.microsoft.com/office/drawing/2012/chart" uri="{CE6537A1-D6FC-4f65-9D91-7224C49458BB}"/>
+              </c:extLst>
             </c:dLbl>
             <c:dLbl>
               <c:idx val="3"/>
@@ -99,7 +209,11 @@
               <c:showCatName val="0"/>
               <c:showSerName val="0"/>
               <c:showPercent val="0"/>
+              <c:showBubbleSize val="1"/>
               <c:separator>; </c:separator>
+              <c:extLst>
+                <c:ext xmlns:c15="http://schemas.microsoft.com/office/drawing/2012/chart" uri="{CE6537A1-D6FC-4f65-9D91-7224C49458BB}"/>
+              </c:extLst>
             </c:dLbl>
             <c:dLbl>
               <c:idx val="4"/>
@@ -109,7 +223,11 @@
               <c:showCatName val="0"/>
               <c:showSerName val="0"/>
               <c:showPercent val="0"/>
+              <c:showBubbleSize val="1"/>
               <c:separator>; </c:separator>
+              <c:extLst>
+                <c:ext xmlns:c15="http://schemas.microsoft.com/office/drawing/2012/chart" uri="{CE6537A1-D6FC-4f65-9D91-7224C49458BB}"/>
+              </c:extLst>
             </c:dLbl>
             <c:dLbl>
               <c:idx val="5"/>
@@ -119,7 +237,11 @@
               <c:showCatName val="0"/>
               <c:showSerName val="0"/>
               <c:showPercent val="0"/>
+              <c:showBubbleSize val="1"/>
               <c:separator>; </c:separator>
+              <c:extLst>
+                <c:ext xmlns:c15="http://schemas.microsoft.com/office/drawing/2012/chart" uri="{CE6537A1-D6FC-4f65-9D91-7224C49458BB}"/>
+              </c:extLst>
             </c:dLbl>
             <c:dLbl>
               <c:idx val="6"/>
@@ -129,7 +251,11 @@
               <c:showCatName val="0"/>
               <c:showSerName val="0"/>
               <c:showPercent val="0"/>
+              <c:showBubbleSize val="1"/>
               <c:separator>; </c:separator>
+              <c:extLst>
+                <c:ext xmlns:c15="http://schemas.microsoft.com/office/drawing/2012/chart" uri="{CE6537A1-D6FC-4f65-9D91-7224C49458BB}"/>
+              </c:extLst>
             </c:dLbl>
             <c:dLbl>
               <c:idx val="7"/>
@@ -139,7 +265,11 @@
               <c:showCatName val="0"/>
               <c:showSerName val="0"/>
               <c:showPercent val="0"/>
+              <c:showBubbleSize val="1"/>
               <c:separator>; </c:separator>
+              <c:extLst>
+                <c:ext xmlns:c15="http://schemas.microsoft.com/office/drawing/2012/chart" uri="{CE6537A1-D6FC-4f65-9D91-7224C49458BB}"/>
+              </c:extLst>
             </c:dLbl>
             <c:dLbl>
               <c:idx val="8"/>
@@ -149,7 +279,11 @@
               <c:showCatName val="0"/>
               <c:showSerName val="0"/>
               <c:showPercent val="0"/>
+              <c:showBubbleSize val="1"/>
               <c:separator>; </c:separator>
+              <c:extLst>
+                <c:ext xmlns:c15="http://schemas.microsoft.com/office/drawing/2012/chart" uri="{CE6537A1-D6FC-4f65-9D91-7224C49458BB}"/>
+              </c:extLst>
             </c:dLbl>
             <c:dLbl>
               <c:idx val="9"/>
@@ -159,8 +293,31 @@
               <c:showCatName val="0"/>
               <c:showSerName val="0"/>
               <c:showPercent val="0"/>
+              <c:showBubbleSize val="1"/>
               <c:separator>; </c:separator>
+              <c:extLst>
+                <c:ext xmlns:c15="http://schemas.microsoft.com/office/drawing/2012/chart" uri="{CE6537A1-D6FC-4f65-9D91-7224C49458BB}"/>
+              </c:extLst>
             </c:dLbl>
+            <c:spPr>
+              <a:noFill/>
+              <a:ln>
+                <a:noFill/>
+              </a:ln>
+              <a:effectLst/>
+            </c:spPr>
+            <c:showLegendKey val="1"/>
+            <c:showVal val="1"/>
+            <c:showCatName val="1"/>
+            <c:showSerName val="1"/>
+            <c:showPercent val="1"/>
+            <c:showBubbleSize val="1"/>
+            <c:showLeaderLines val="0"/>
+            <c:extLst>
+              <c:ext xmlns:c15="http://schemas.microsoft.com/office/drawing/2012/chart" uri="{CE6537A1-D6FC-4f65-9D91-7224C49458BB}">
+                <c15:showLeaderLines val="0"/>
+              </c:ext>
+            </c:extLst>
           </c:dLbls>
           <c:val>
             <c:numRef>
@@ -169,38 +326,39 @@
                 <c:formatCode>General</c:formatCode>
                 <c:ptCount val="10"/>
                 <c:pt idx="0">
-                  <c:v>178</c:v>
+                  <c:v>178.0</c:v>
                 </c:pt>
                 <c:pt idx="1">
-                  <c:v>178</c:v>
+                  <c:v>178.0</c:v>
                 </c:pt>
                 <c:pt idx="2">
-                  <c:v>184</c:v>
+                  <c:v>184.0</c:v>
                 </c:pt>
                 <c:pt idx="3">
-                  <c:v>184</c:v>
+                  <c:v>184.0</c:v>
                 </c:pt>
                 <c:pt idx="4">
-                  <c:v>184</c:v>
+                  <c:v>184.0</c:v>
                 </c:pt>
                 <c:pt idx="5">
-                  <c:v>184</c:v>
+                  <c:v>184.0</c:v>
                 </c:pt>
                 <c:pt idx="6">
-                  <c:v>192</c:v>
+                  <c:v>192.0</c:v>
                 </c:pt>
                 <c:pt idx="7">
-                  <c:v>192</c:v>
+                  <c:v>192.0</c:v>
                 </c:pt>
                 <c:pt idx="8">
-                  <c:v>192</c:v>
+                  <c:v>192.0</c:v>
                 </c:pt>
                 <c:pt idx="9">
-                  <c:v>192</c:v>
+                  <c:v>192.0</c:v>
                 </c:pt>
               </c:numCache>
             </c:numRef>
           </c:val>
+          <c:smooth val="1"/>
         </c:ser>
         <c:ser>
           <c:idx val="1"/>
@@ -217,17 +375,15 @@
             </c:strRef>
           </c:tx>
           <c:spPr>
-            <a:solidFill>
-              <a:srgbClr val="be4b48"/>
-            </a:solidFill>
             <a:ln w="28440">
               <a:solidFill>
-                <a:srgbClr val="be4b48"/>
+                <a:srgbClr val="BE4B48"/>
               </a:solidFill>
               <a:round/>
             </a:ln>
           </c:spPr>
           <c:marker>
+            <c:symbol val="square"/>
             <c:size val="4"/>
           </c:marker>
           <c:dLbls>
@@ -239,7 +395,11 @@
               <c:showCatName val="0"/>
               <c:showSerName val="0"/>
               <c:showPercent val="0"/>
+              <c:showBubbleSize val="1"/>
               <c:separator>; </c:separator>
+              <c:extLst>
+                <c:ext xmlns:c15="http://schemas.microsoft.com/office/drawing/2012/chart" uri="{CE6537A1-D6FC-4f65-9D91-7224C49458BB}"/>
+              </c:extLst>
             </c:dLbl>
             <c:dLbl>
               <c:idx val="1"/>
@@ -249,7 +409,11 @@
               <c:showCatName val="0"/>
               <c:showSerName val="0"/>
               <c:showPercent val="0"/>
+              <c:showBubbleSize val="1"/>
               <c:separator>; </c:separator>
+              <c:extLst>
+                <c:ext xmlns:c15="http://schemas.microsoft.com/office/drawing/2012/chart" uri="{CE6537A1-D6FC-4f65-9D91-7224C49458BB}"/>
+              </c:extLst>
             </c:dLbl>
             <c:dLbl>
               <c:idx val="2"/>
@@ -259,7 +423,11 @@
               <c:showCatName val="0"/>
               <c:showSerName val="0"/>
               <c:showPercent val="0"/>
+              <c:showBubbleSize val="1"/>
               <c:separator>; </c:separator>
+              <c:extLst>
+                <c:ext xmlns:c15="http://schemas.microsoft.com/office/drawing/2012/chart" uri="{CE6537A1-D6FC-4f65-9D91-7224C49458BB}"/>
+              </c:extLst>
             </c:dLbl>
             <c:dLbl>
               <c:idx val="3"/>
@@ -269,7 +437,11 @@
               <c:showCatName val="0"/>
               <c:showSerName val="0"/>
               <c:showPercent val="0"/>
+              <c:showBubbleSize val="1"/>
               <c:separator>; </c:separator>
+              <c:extLst>
+                <c:ext xmlns:c15="http://schemas.microsoft.com/office/drawing/2012/chart" uri="{CE6537A1-D6FC-4f65-9D91-7224C49458BB}"/>
+              </c:extLst>
             </c:dLbl>
             <c:dLbl>
               <c:idx val="4"/>
@@ -279,7 +451,11 @@
               <c:showCatName val="0"/>
               <c:showSerName val="0"/>
               <c:showPercent val="0"/>
+              <c:showBubbleSize val="1"/>
               <c:separator>; </c:separator>
+              <c:extLst>
+                <c:ext xmlns:c15="http://schemas.microsoft.com/office/drawing/2012/chart" uri="{CE6537A1-D6FC-4f65-9D91-7224C49458BB}"/>
+              </c:extLst>
             </c:dLbl>
             <c:dLbl>
               <c:idx val="5"/>
@@ -289,7 +465,11 @@
               <c:showCatName val="0"/>
               <c:showSerName val="0"/>
               <c:showPercent val="0"/>
+              <c:showBubbleSize val="1"/>
               <c:separator>; </c:separator>
+              <c:extLst>
+                <c:ext xmlns:c15="http://schemas.microsoft.com/office/drawing/2012/chart" uri="{CE6537A1-D6FC-4f65-9D91-7224C49458BB}"/>
+              </c:extLst>
             </c:dLbl>
             <c:dLbl>
               <c:idx val="6"/>
@@ -299,7 +479,11 @@
               <c:showCatName val="0"/>
               <c:showSerName val="0"/>
               <c:showPercent val="0"/>
+              <c:showBubbleSize val="1"/>
               <c:separator>; </c:separator>
+              <c:extLst>
+                <c:ext xmlns:c15="http://schemas.microsoft.com/office/drawing/2012/chart" uri="{CE6537A1-D6FC-4f65-9D91-7224C49458BB}"/>
+              </c:extLst>
             </c:dLbl>
             <c:dLbl>
               <c:idx val="7"/>
@@ -309,7 +493,11 @@
               <c:showCatName val="0"/>
               <c:showSerName val="0"/>
               <c:showPercent val="0"/>
+              <c:showBubbleSize val="1"/>
               <c:separator>; </c:separator>
+              <c:extLst>
+                <c:ext xmlns:c15="http://schemas.microsoft.com/office/drawing/2012/chart" uri="{CE6537A1-D6FC-4f65-9D91-7224C49458BB}"/>
+              </c:extLst>
             </c:dLbl>
             <c:dLbl>
               <c:idx val="8"/>
@@ -319,7 +507,11 @@
               <c:showCatName val="0"/>
               <c:showSerName val="0"/>
               <c:showPercent val="0"/>
+              <c:showBubbleSize val="1"/>
               <c:separator>; </c:separator>
+              <c:extLst>
+                <c:ext xmlns:c15="http://schemas.microsoft.com/office/drawing/2012/chart" uri="{CE6537A1-D6FC-4f65-9D91-7224C49458BB}"/>
+              </c:extLst>
             </c:dLbl>
             <c:dLbl>
               <c:idx val="9"/>
@@ -329,8 +521,31 @@
               <c:showCatName val="0"/>
               <c:showSerName val="0"/>
               <c:showPercent val="0"/>
+              <c:showBubbleSize val="1"/>
               <c:separator>; </c:separator>
+              <c:extLst>
+                <c:ext xmlns:c15="http://schemas.microsoft.com/office/drawing/2012/chart" uri="{CE6537A1-D6FC-4f65-9D91-7224C49458BB}"/>
+              </c:extLst>
             </c:dLbl>
+            <c:spPr>
+              <a:noFill/>
+              <a:ln>
+                <a:noFill/>
+              </a:ln>
+              <a:effectLst/>
+            </c:spPr>
+            <c:showLegendKey val="1"/>
+            <c:showVal val="1"/>
+            <c:showCatName val="1"/>
+            <c:showSerName val="1"/>
+            <c:showPercent val="1"/>
+            <c:showBubbleSize val="1"/>
+            <c:showLeaderLines val="0"/>
+            <c:extLst>
+              <c:ext xmlns:c15="http://schemas.microsoft.com/office/drawing/2012/chart" uri="{CE6537A1-D6FC-4f65-9D91-7224C49458BB}">
+                <c15:showLeaderLines val="0"/>
+              </c:ext>
+            </c:extLst>
           </c:dLbls>
           <c:val>
             <c:numRef>
@@ -339,45 +554,55 @@
                 <c:formatCode>General</c:formatCode>
                 <c:ptCount val="10"/>
                 <c:pt idx="0">
-                  <c:v>0</c:v>
+                  <c:v>0.0</c:v>
                 </c:pt>
                 <c:pt idx="1">
-                  <c:v>8</c:v>
+                  <c:v>8.0</c:v>
                 </c:pt>
                 <c:pt idx="2">
-                  <c:v>16</c:v>
+                  <c:v>16.0</c:v>
                 </c:pt>
                 <c:pt idx="3">
-                  <c:v>37</c:v>
+                  <c:v>37.0</c:v>
                 </c:pt>
                 <c:pt idx="4">
-                  <c:v>68</c:v>
+                  <c:v>68.0</c:v>
                 </c:pt>
                 <c:pt idx="5">
-                  <c:v>75</c:v>
+                  <c:v>75.0</c:v>
                 </c:pt>
                 <c:pt idx="6">
-                  <c:v>108</c:v>
+                  <c:v>108.0</c:v>
                 </c:pt>
                 <c:pt idx="7">
-                  <c:v>136</c:v>
+                  <c:v>136.0</c:v>
                 </c:pt>
                 <c:pt idx="8">
-                  <c:v>156</c:v>
+                  <c:v>156.0</c:v>
                 </c:pt>
                 <c:pt idx="9">
-                  <c:v>180</c:v>
+                  <c:v>180.0</c:v>
                 </c:pt>
               </c:numCache>
             </c:numRef>
           </c:val>
+          <c:smooth val="1"/>
         </c:ser>
+        <c:dLbls>
+          <c:showLegendKey val="0"/>
+          <c:showVal val="0"/>
+          <c:showCatName val="0"/>
+          <c:showSerName val="0"/>
+          <c:showPercent val="0"/>
+          <c:showBubbleSize val="0"/>
+        </c:dLbls>
         <c:marker val="1"/>
-        <c:axId val="30037153"/>
-        <c:axId val="61730582"/>
+        <c:smooth val="0"/>
+        <c:axId val="-2017504384"/>
+        <c:axId val="-2034411280"/>
       </c:lineChart>
       <c:catAx>
-        <c:axId val="30037153"/>
+        <c:axId val="-2017504384"/>
         <c:scaling>
           <c:orientation val="minMax"/>
         </c:scaling>
@@ -386,44 +611,31 @@
         <c:majorTickMark val="out"/>
         <c:minorTickMark val="none"/>
         <c:tickLblPos val="nextTo"/>
-        <c:spPr>
-          <a:ln w="9360">
-            <a:solidFill>
-              <a:srgbClr val="878787"/>
-            </a:solidFill>
-            <a:round/>
-          </a:ln>
-        </c:spPr>
-        <c:crossAx val="61730582"/>
-        <c:crossesAt val="0"/>
+        <c:crossAx val="-2034411280"/>
+        <c:crossesAt val="0.0"/>
         <c:auto val="1"/>
         <c:lblAlgn val="ctr"/>
         <c:lblOffset val="100"/>
+        <c:noMultiLvlLbl val="1"/>
       </c:catAx>
       <c:valAx>
-        <c:axId val="61730582"/>
+        <c:axId val="-2034411280"/>
         <c:scaling>
           <c:orientation val="minMax"/>
         </c:scaling>
         <c:delete val="1"/>
         <c:axPos val="l"/>
+        <c:numFmt formatCode="General" sourceLinked="0"/>
         <c:majorTickMark val="out"/>
         <c:minorTickMark val="none"/>
         <c:tickLblPos val="nextTo"/>
-        <c:spPr>
-          <a:ln w="9360">
-            <a:solidFill>
-              <a:srgbClr val="878787"/>
-            </a:solidFill>
-            <a:round/>
-          </a:ln>
-        </c:spPr>
-        <c:crossAx val="30037153"/>
-        <c:crossesAt val="0"/>
+        <c:crossAx val="-2017504384"/>
+        <c:crossesAt val="0.0"/>
+        <c:crossBetween val="between"/>
       </c:valAx>
       <c:spPr>
         <a:solidFill>
-          <a:srgbClr val="ffffff"/>
+          <a:srgbClr val="FFFFFF"/>
         </a:solidFill>
         <a:ln>
           <a:noFill/>
@@ -432,6 +644,7 @@
     </c:plotArea>
     <c:legend>
       <c:legendPos val="r"/>
+      <c:layout/>
       <c:overlay val="0"/>
       <c:spPr>
         <a:noFill/>
@@ -441,6 +654,8 @@
       </c:spPr>
     </c:legend>
     <c:plotVisOnly val="1"/>
+    <c:dispBlanksAs val="zero"/>
+    <c:showDLblsOverMax val="1"/>
   </c:chart>
   <c:spPr>
     <a:noFill/>
@@ -452,7 +667,289 @@
 </file>
 
 <file path=ppt/notesMasters/notesMaster1.xml><?xml version="1.0" encoding="utf-8"?>
-<p:notesMaster xmlns:a="http://schemas.openxmlformats.org/drawingml/2006/main" xmlns:p="http://schemas.openxmlformats.org/presentationml/2006/main" xmlns:r="http://schemas.openxmlformats.org/officeDocument/2006/relationships">
+<p:notesMaster xmlns:a="http://schemas.openxmlformats.org/drawingml/2006/main" xmlns:r="http://schemas.openxmlformats.org/officeDocument/2006/relationships" xmlns:p="http://schemas.openxmlformats.org/presentationml/2006/main">
+  <p:cSld>
+    <p:bg>
+      <p:bgRef idx="1001">
+        <a:schemeClr val="bg1"/>
+      </p:bgRef>
+    </p:bg>
+    <p:spTree>
+      <p:nvGrpSpPr>
+        <p:cNvPr id="1" name=""/>
+        <p:cNvGrpSpPr/>
+        <p:nvPr/>
+      </p:nvGrpSpPr>
+      <p:grpSpPr>
+        <a:xfrm>
+          <a:off x="0" y="0"/>
+          <a:ext cx="0" cy="0"/>
+          <a:chOff x="0" y="0"/>
+          <a:chExt cx="0" cy="0"/>
+        </a:xfrm>
+      </p:grpSpPr>
+      <p:sp>
+        <p:nvSpPr>
+          <p:cNvPr id="154" name="PlaceHolder 1"/>
+          <p:cNvSpPr>
+            <a:spLocks noGrp="1"/>
+          </p:cNvSpPr>
+          <p:nvPr>
+            <p:ph type="body"/>
+          </p:nvPr>
+        </p:nvSpPr>
+        <p:spPr>
+          <a:xfrm>
+            <a:off x="777240" y="4777560"/>
+            <a:ext cx="6217560" cy="4525920"/>
+          </a:xfrm>
+          <a:prstGeom prst="rect">
+            <a:avLst/>
+          </a:prstGeom>
+        </p:spPr>
+        <p:txBody>
+          <a:bodyPr wrap="none" lIns="0" tIns="0" rIns="0" bIns="0"/>
+          <a:lstStyle/>
+          <a:p>
+            <a:r>
+              <a:rPr lang="en-US"/>
+              <a:t>Click to edit the notes format</a:t>
+            </a:r>
+            <a:endParaRPr/>
+          </a:p>
+        </p:txBody>
+      </p:sp>
+      <p:sp>
+        <p:nvSpPr>
+          <p:cNvPr id="155" name="PlaceHolder 2"/>
+          <p:cNvSpPr>
+            <a:spLocks noGrp="1"/>
+          </p:cNvSpPr>
+          <p:nvPr>
+            <p:ph type="hdr"/>
+          </p:nvPr>
+        </p:nvSpPr>
+        <p:spPr>
+          <a:xfrm>
+            <a:off x="0" y="0"/>
+            <a:ext cx="3372840" cy="502560"/>
+          </a:xfrm>
+          <a:prstGeom prst="rect">
+            <a:avLst/>
+          </a:prstGeom>
+        </p:spPr>
+        <p:txBody>
+          <a:bodyPr wrap="none" lIns="0" tIns="0" rIns="0" bIns="0"/>
+          <a:lstStyle/>
+          <a:p>
+            <a:r>
+              <a:rPr lang="en-US"/>
+              <a:t>&lt;header&gt;</a:t>
+            </a:r>
+            <a:endParaRPr/>
+          </a:p>
+        </p:txBody>
+      </p:sp>
+      <p:sp>
+        <p:nvSpPr>
+          <p:cNvPr id="156" name="PlaceHolder 3"/>
+          <p:cNvSpPr>
+            <a:spLocks noGrp="1"/>
+          </p:cNvSpPr>
+          <p:nvPr>
+            <p:ph type="dt"/>
+          </p:nvPr>
+        </p:nvSpPr>
+        <p:spPr>
+          <a:xfrm>
+            <a:off x="4399200" y="0"/>
+            <a:ext cx="3372840" cy="502560"/>
+          </a:xfrm>
+          <a:prstGeom prst="rect">
+            <a:avLst/>
+          </a:prstGeom>
+        </p:spPr>
+        <p:txBody>
+          <a:bodyPr wrap="none" lIns="0" tIns="0" rIns="0" bIns="0"/>
+          <a:lstStyle/>
+          <a:p>
+            <a:pPr algn="r"/>
+            <a:r>
+              <a:rPr lang="en-US"/>
+              <a:t>&lt;date/time&gt;</a:t>
+            </a:r>
+            <a:endParaRPr/>
+          </a:p>
+        </p:txBody>
+      </p:sp>
+      <p:sp>
+        <p:nvSpPr>
+          <p:cNvPr id="157" name="PlaceHolder 4"/>
+          <p:cNvSpPr>
+            <a:spLocks noGrp="1"/>
+          </p:cNvSpPr>
+          <p:nvPr>
+            <p:ph type="ftr"/>
+          </p:nvPr>
+        </p:nvSpPr>
+        <p:spPr>
+          <a:xfrm>
+            <a:off x="0" y="9555480"/>
+            <a:ext cx="3372840" cy="502560"/>
+          </a:xfrm>
+          <a:prstGeom prst="rect">
+            <a:avLst/>
+          </a:prstGeom>
+        </p:spPr>
+        <p:txBody>
+          <a:bodyPr wrap="none" lIns="0" tIns="0" rIns="0" bIns="0" anchor="b"/>
+          <a:lstStyle/>
+          <a:p>
+            <a:r>
+              <a:rPr lang="en-US"/>
+              <a:t>&lt;footer&gt;</a:t>
+            </a:r>
+            <a:endParaRPr/>
+          </a:p>
+        </p:txBody>
+      </p:sp>
+      <p:sp>
+        <p:nvSpPr>
+          <p:cNvPr id="158" name="PlaceHolder 5"/>
+          <p:cNvSpPr>
+            <a:spLocks noGrp="1"/>
+          </p:cNvSpPr>
+          <p:nvPr>
+            <p:ph type="sldNum"/>
+          </p:nvPr>
+        </p:nvSpPr>
+        <p:spPr>
+          <a:xfrm>
+            <a:off x="4399200" y="9555480"/>
+            <a:ext cx="3372840" cy="502560"/>
+          </a:xfrm>
+          <a:prstGeom prst="rect">
+            <a:avLst/>
+          </a:prstGeom>
+        </p:spPr>
+        <p:txBody>
+          <a:bodyPr wrap="none" lIns="0" tIns="0" rIns="0" bIns="0" anchor="b"/>
+          <a:lstStyle/>
+          <a:p>
+            <a:pPr algn="r"/>
+            <a:fld id="{5171EFF9-03E9-45AA-845D-C37BA574A231}" type="slidenum">
+              <a:rPr lang="en-US"/>
+              <a:t>‹#›</a:t>
+            </a:fld>
+            <a:endParaRPr/>
+          </a:p>
+        </p:txBody>
+      </p:sp>
+    </p:spTree>
+    <p:extLst>
+      <p:ext uri="{BB962C8B-B14F-4D97-AF65-F5344CB8AC3E}">
+        <p14:creationId xmlns:p14="http://schemas.microsoft.com/office/powerpoint/2010/main" val="461425024"/>
+      </p:ext>
+    </p:extLst>
+  </p:cSld>
+  <p:clrMap bg1="lt1" tx1="dk1" bg2="lt2" tx2="dk2" accent1="accent1" accent2="accent2" accent3="accent3" accent4="accent4" accent5="accent5" accent6="accent6" hlink="hlink" folHlink="folHlink"/>
+  <p:notesStyle>
+    <a:lvl1pPr marL="0" algn="l" defTabSz="914400" rtl="0" eaLnBrk="1" latinLnBrk="0" hangingPunct="1">
+      <a:defRPr sz="1200" kern="1200">
+        <a:solidFill>
+          <a:schemeClr val="tx1"/>
+        </a:solidFill>
+        <a:latin typeface="+mn-lt"/>
+        <a:ea typeface="+mn-ea"/>
+        <a:cs typeface="+mn-cs"/>
+      </a:defRPr>
+    </a:lvl1pPr>
+    <a:lvl2pPr marL="457200" algn="l" defTabSz="914400" rtl="0" eaLnBrk="1" latinLnBrk="0" hangingPunct="1">
+      <a:defRPr sz="1200" kern="1200">
+        <a:solidFill>
+          <a:schemeClr val="tx1"/>
+        </a:solidFill>
+        <a:latin typeface="+mn-lt"/>
+        <a:ea typeface="+mn-ea"/>
+        <a:cs typeface="+mn-cs"/>
+      </a:defRPr>
+    </a:lvl2pPr>
+    <a:lvl3pPr marL="914400" algn="l" defTabSz="914400" rtl="0" eaLnBrk="1" latinLnBrk="0" hangingPunct="1">
+      <a:defRPr sz="1200" kern="1200">
+        <a:solidFill>
+          <a:schemeClr val="tx1"/>
+        </a:solidFill>
+        <a:latin typeface="+mn-lt"/>
+        <a:ea typeface="+mn-ea"/>
+        <a:cs typeface="+mn-cs"/>
+      </a:defRPr>
+    </a:lvl3pPr>
+    <a:lvl4pPr marL="1371600" algn="l" defTabSz="914400" rtl="0" eaLnBrk="1" latinLnBrk="0" hangingPunct="1">
+      <a:defRPr sz="1200" kern="1200">
+        <a:solidFill>
+          <a:schemeClr val="tx1"/>
+        </a:solidFill>
+        <a:latin typeface="+mn-lt"/>
+        <a:ea typeface="+mn-ea"/>
+        <a:cs typeface="+mn-cs"/>
+      </a:defRPr>
+    </a:lvl4pPr>
+    <a:lvl5pPr marL="1828800" algn="l" defTabSz="914400" rtl="0" eaLnBrk="1" latinLnBrk="0" hangingPunct="1">
+      <a:defRPr sz="1200" kern="1200">
+        <a:solidFill>
+          <a:schemeClr val="tx1"/>
+        </a:solidFill>
+        <a:latin typeface="+mn-lt"/>
+        <a:ea typeface="+mn-ea"/>
+        <a:cs typeface="+mn-cs"/>
+      </a:defRPr>
+    </a:lvl5pPr>
+    <a:lvl6pPr marL="2286000" algn="l" defTabSz="914400" rtl="0" eaLnBrk="1" latinLnBrk="0" hangingPunct="1">
+      <a:defRPr sz="1200" kern="1200">
+        <a:solidFill>
+          <a:schemeClr val="tx1"/>
+        </a:solidFill>
+        <a:latin typeface="+mn-lt"/>
+        <a:ea typeface="+mn-ea"/>
+        <a:cs typeface="+mn-cs"/>
+      </a:defRPr>
+    </a:lvl6pPr>
+    <a:lvl7pPr marL="2743200" algn="l" defTabSz="914400" rtl="0" eaLnBrk="1" latinLnBrk="0" hangingPunct="1">
+      <a:defRPr sz="1200" kern="1200">
+        <a:solidFill>
+          <a:schemeClr val="tx1"/>
+        </a:solidFill>
+        <a:latin typeface="+mn-lt"/>
+        <a:ea typeface="+mn-ea"/>
+        <a:cs typeface="+mn-cs"/>
+      </a:defRPr>
+    </a:lvl7pPr>
+    <a:lvl8pPr marL="3200400" algn="l" defTabSz="914400" rtl="0" eaLnBrk="1" latinLnBrk="0" hangingPunct="1">
+      <a:defRPr sz="1200" kern="1200">
+        <a:solidFill>
+          <a:schemeClr val="tx1"/>
+        </a:solidFill>
+        <a:latin typeface="+mn-lt"/>
+        <a:ea typeface="+mn-ea"/>
+        <a:cs typeface="+mn-cs"/>
+      </a:defRPr>
+    </a:lvl8pPr>
+    <a:lvl9pPr marL="3657600" algn="l" defTabSz="914400" rtl="0" eaLnBrk="1" latinLnBrk="0" hangingPunct="1">
+      <a:defRPr sz="1200" kern="1200">
+        <a:solidFill>
+          <a:schemeClr val="tx1"/>
+        </a:solidFill>
+        <a:latin typeface="+mn-lt"/>
+        <a:ea typeface="+mn-ea"/>
+        <a:cs typeface="+mn-cs"/>
+      </a:defRPr>
+    </a:lvl9pPr>
+  </p:notesStyle>
+</p:notesMaster>
+</file>
+
+<file path=ppt/notesSlides/notesSlide1.xml><?xml version="1.0" encoding="utf-8"?>
+<p:notes xmlns:a="http://schemas.openxmlformats.org/drawingml/2006/main" xmlns:r="http://schemas.openxmlformats.org/officeDocument/2006/relationships" xmlns:p="http://schemas.openxmlformats.org/presentationml/2006/main">
   <p:cSld>
     <p:spTree>
       <p:nvGrpSpPr>
@@ -470,7 +967,7 @@
       </p:grpSpPr>
       <p:sp>
         <p:nvSpPr>
-          <p:cNvPr id="154" name="PlaceHolder 1"/>
+          <p:cNvPr id="197" name="PlaceHolder 1"/>
           <p:cNvSpPr>
             <a:spLocks noGrp="1"/>
           </p:cNvSpPr>
@@ -480,154 +977,214 @@
         </p:nvSpPr>
         <p:spPr>
           <a:xfrm>
-            <a:off x="777240" y="4777560"/>
-            <a:ext cx="6217560" cy="4525920"/>
-          </a:xfrm>
-          <a:prstGeom prst="rect">
-            <a:avLst/>
-          </a:prstGeom>
-        </p:spPr>
-        <p:txBody>
-          <a:bodyPr bIns="0" lIns="0" rIns="0" tIns="0" wrap="none"/>
-          <a:p>
+            <a:off x="685800" y="4343400"/>
+            <a:ext cx="5486040" cy="4114440"/>
+          </a:xfrm>
+          <a:prstGeom prst="rect">
+            <a:avLst/>
+          </a:prstGeom>
+        </p:spPr>
+        <p:txBody>
+          <a:bodyPr/>
+          <a:lstStyle/>
+          <a:p>
+            <a:pPr>
+              <a:lnSpc>
+                <a:spcPct val="100000"/>
+              </a:lnSpc>
+            </a:pPr>
             <a:r>
-              <a:rPr lang="en-US"/>
-              <a:t>Click to edit the notes format</a:t>
+              <a:rPr lang="en-US">
+                <a:ea typeface="ＭＳ Ｐゴシック"/>
+              </a:rPr>
+              <a:t>Plan, execute and report on Agile projects</a:t>
             </a:r>
             <a:endParaRPr/>
           </a:p>
-        </p:txBody>
-      </p:sp>
-      <p:sp>
-        <p:nvSpPr>
-          <p:cNvPr id="155" name="PlaceHolder 2"/>
-          <p:cNvSpPr>
-            <a:spLocks noGrp="1"/>
-          </p:cNvSpPr>
-          <p:nvPr>
-            <p:ph type="hdr"/>
-          </p:nvPr>
-        </p:nvSpPr>
-        <p:spPr>
-          <a:xfrm>
-            <a:off x="0" y="0"/>
-            <a:ext cx="3372840" cy="502560"/>
-          </a:xfrm>
-          <a:prstGeom prst="rect">
-            <a:avLst/>
-          </a:prstGeom>
-        </p:spPr>
-        <p:txBody>
-          <a:bodyPr bIns="0" lIns="0" rIns="0" tIns="0" wrap="none"/>
-          <a:p>
+          <a:p>
+            <a:pPr>
+              <a:lnSpc>
+                <a:spcPct val="100000"/>
+              </a:lnSpc>
+            </a:pPr>
+            <a:endParaRPr/>
+          </a:p>
+          <a:p>
+            <a:pPr>
+              <a:lnSpc>
+                <a:spcPct val="100000"/>
+              </a:lnSpc>
+            </a:pPr>
+            <a:endParaRPr/>
+          </a:p>
+          <a:p>
+            <a:pPr>
+              <a:lnSpc>
+                <a:spcPct val="100000"/>
+              </a:lnSpc>
+            </a:pPr>
             <a:r>
-              <a:rPr lang="en-US"/>
-              <a:t>&lt;header&gt;</a:t>
+              <a:rPr lang="en-US">
+                <a:ea typeface="ＭＳ Ｐゴシック"/>
+              </a:rPr>
+              <a:t>--------------------------------------------------------------------------------------------------------------------</a:t>
             </a:r>
             <a:endParaRPr/>
           </a:p>
-        </p:txBody>
-      </p:sp>
-      <p:sp>
-        <p:nvSpPr>
-          <p:cNvPr id="156" name="PlaceHolder 3"/>
-          <p:cNvSpPr>
-            <a:spLocks noGrp="1"/>
-          </p:cNvSpPr>
-          <p:nvPr>
-            <p:ph type="dt"/>
-          </p:nvPr>
-        </p:nvSpPr>
-        <p:spPr>
-          <a:xfrm>
-            <a:off x="4399200" y="0"/>
-            <a:ext cx="3372840" cy="502560"/>
-          </a:xfrm>
-          <a:prstGeom prst="rect">
-            <a:avLst/>
-          </a:prstGeom>
-        </p:spPr>
-        <p:txBody>
-          <a:bodyPr bIns="0" lIns="0" rIns="0" tIns="0" wrap="none"/>
-          <a:p>
-            <a:pPr algn="r"/>
+          <a:p>
+            <a:pPr>
+              <a:lnSpc>
+                <a:spcPct val="100000"/>
+              </a:lnSpc>
+            </a:pPr>
+            <a:endParaRPr/>
+          </a:p>
+          <a:p>
+            <a:pPr>
+              <a:lnSpc>
+                <a:spcPct val="100000"/>
+              </a:lnSpc>
+            </a:pPr>
             <a:r>
-              <a:rPr lang="en-US"/>
-              <a:t>&lt;date/time&gt;</a:t>
+              <a:rPr lang="en-US">
+                <a:ea typeface="ＭＳ Ｐゴシック"/>
+              </a:rPr>
+              <a:t>In this module, we’ll explore the practices that help Managers and Project Managers plan, execute, and report on Agile projects.</a:t>
             </a:r>
             <a:endParaRPr/>
           </a:p>
-        </p:txBody>
-      </p:sp>
-      <p:sp>
-        <p:nvSpPr>
-          <p:cNvPr id="157" name="PlaceHolder 4"/>
-          <p:cNvSpPr>
-            <a:spLocks noGrp="1"/>
-          </p:cNvSpPr>
-          <p:nvPr>
-            <p:ph type="ftr"/>
-          </p:nvPr>
-        </p:nvSpPr>
-        <p:spPr>
-          <a:xfrm>
-            <a:off x="0" y="9555480"/>
-            <a:ext cx="3372840" cy="502560"/>
-          </a:xfrm>
-          <a:prstGeom prst="rect">
-            <a:avLst/>
-          </a:prstGeom>
-        </p:spPr>
-        <p:txBody>
-          <a:bodyPr anchor="b" bIns="0" lIns="0" rIns="0" tIns="0" wrap="none"/>
-          <a:p>
+          <a:p>
+            <a:pPr>
+              <a:lnSpc>
+                <a:spcPct val="100000"/>
+              </a:lnSpc>
+            </a:pPr>
+            <a:endParaRPr/>
+          </a:p>
+          <a:p>
+            <a:pPr>
+              <a:lnSpc>
+                <a:spcPct val="100000"/>
+              </a:lnSpc>
+            </a:pPr>
+            <a:endParaRPr/>
+          </a:p>
+        </p:txBody>
+      </p:sp>
+      <p:sp>
+        <p:nvSpPr>
+          <p:cNvPr id="198" name="TextShape 2"/>
+          <p:cNvSpPr txBox="1"/>
+          <p:nvPr/>
+        </p:nvSpPr>
+        <p:spPr>
+          <a:xfrm>
+            <a:off x="3884760" y="8685360"/>
+            <a:ext cx="2971440" cy="456840"/>
+          </a:xfrm>
+          <a:prstGeom prst="rect">
+            <a:avLst/>
+          </a:prstGeom>
+        </p:spPr>
+        <p:txBody>
+          <a:bodyPr anchor="b"/>
+          <a:lstStyle/>
+          <a:p>
+            <a:pPr algn="r">
+              <a:lnSpc>
+                <a:spcPct val="100000"/>
+              </a:lnSpc>
+            </a:pPr>
+            <a:fld id="{BE74BDE1-727F-4836-93F5-BF044273B3C9}" type="slidenum">
+              <a:rPr lang="en-US" sz="1200">
+                <a:solidFill>
+                  <a:srgbClr val="000000"/>
+                </a:solidFill>
+                <a:latin typeface="Arial"/>
+                <a:ea typeface="Arial"/>
+              </a:rPr>
+              <a:t>1</a:t>
+            </a:fld>
+            <a:endParaRPr/>
+          </a:p>
+        </p:txBody>
+      </p:sp>
+      <p:sp>
+        <p:nvSpPr>
+          <p:cNvPr id="199" name="TextShape 3"/>
+          <p:cNvSpPr txBox="1"/>
+          <p:nvPr/>
+        </p:nvSpPr>
+        <p:spPr>
+          <a:xfrm>
+            <a:off x="3884760" y="0"/>
+            <a:ext cx="2971440" cy="456840"/>
+          </a:xfrm>
+          <a:prstGeom prst="rect">
+            <a:avLst/>
+          </a:prstGeom>
+        </p:spPr>
+        <p:txBody>
+          <a:bodyPr/>
+          <a:lstStyle/>
+          <a:p>
+            <a:endParaRPr/>
+          </a:p>
+        </p:txBody>
+      </p:sp>
+      <p:sp>
+        <p:nvSpPr>
+          <p:cNvPr id="200" name="TextShape 4"/>
+          <p:cNvSpPr txBox="1"/>
+          <p:nvPr/>
+        </p:nvSpPr>
+        <p:spPr>
+          <a:xfrm>
+            <a:off x="0" y="8685360"/>
+            <a:ext cx="2971440" cy="456840"/>
+          </a:xfrm>
+          <a:prstGeom prst="rect">
+            <a:avLst/>
+          </a:prstGeom>
+        </p:spPr>
+        <p:txBody>
+          <a:bodyPr anchor="b"/>
+          <a:lstStyle/>
+          <a:p>
+            <a:pPr>
+              <a:lnSpc>
+                <a:spcPct val="100000"/>
+              </a:lnSpc>
+            </a:pPr>
             <a:r>
-              <a:rPr lang="en-US"/>
-              <a:t>&lt;footer&gt;</a:t>
+              <a:rPr lang="en-US" sz="1200">
+                <a:solidFill>
+                  <a:srgbClr val="000000"/>
+                </a:solidFill>
+                <a:latin typeface="Arial"/>
+                <a:ea typeface="Arial"/>
+              </a:rPr>
+              <a:t>Visibility and Communication</a:t>
             </a:r>
             <a:endParaRPr/>
           </a:p>
         </p:txBody>
       </p:sp>
-      <p:sp>
-        <p:nvSpPr>
-          <p:cNvPr id="158" name="PlaceHolder 5"/>
-          <p:cNvSpPr>
-            <a:spLocks noGrp="1"/>
-          </p:cNvSpPr>
-          <p:nvPr>
-            <p:ph type="sldNum"/>
-          </p:nvPr>
-        </p:nvSpPr>
-        <p:spPr>
-          <a:xfrm>
-            <a:off x="4399200" y="9555480"/>
-            <a:ext cx="3372840" cy="502560"/>
-          </a:xfrm>
-          <a:prstGeom prst="rect">
-            <a:avLst/>
-          </a:prstGeom>
-        </p:spPr>
-        <p:txBody>
-          <a:bodyPr anchor="b" bIns="0" lIns="0" rIns="0" tIns="0" wrap="none"/>
-          <a:p>
-            <a:pPr algn="r"/>
-            <a:fld id="{5171EFF9-03E9-45AA-845D-C37BA574A231}" type="slidenum">
-              <a:rPr lang="en-US"/>
-              <a:t>&lt;number&gt;</a:t>
-            </a:fld>
-            <a:endParaRPr/>
-          </a:p>
-        </p:txBody>
-      </p:sp>
     </p:spTree>
+    <p:extLst>
+      <p:ext uri="{BB962C8B-B14F-4D97-AF65-F5344CB8AC3E}">
+        <p14:creationId xmlns:p14="http://schemas.microsoft.com/office/powerpoint/2010/main" val="606929051"/>
+      </p:ext>
+    </p:extLst>
   </p:cSld>
-  <p:clrMap accent1="accent1" accent2="accent2" accent3="accent3" accent4="accent4" accent5="accent5" accent6="accent6" bg1="lt1" bg2="lt2" folHlink="folHlink" hlink="hlink" tx1="dk1" tx2="dk2"/>
-</p:notesMaster>
+  <p:clrMapOvr>
+    <a:masterClrMapping/>
+  </p:clrMapOvr>
+</p:notes>
 </file>
 
-<file path=ppt/notesSlides/notesSlide1.xml><?xml version="1.0" encoding="utf-8"?>
-<p:notes xmlns:a="http://schemas.openxmlformats.org/drawingml/2006/main" xmlns:p="http://schemas.openxmlformats.org/presentationml/2006/main" xmlns:r="http://schemas.openxmlformats.org/officeDocument/2006/relationships">
+<file path=ppt/notesSlides/notesSlide2.xml><?xml version="1.0" encoding="utf-8"?>
+<p:notes xmlns:a="http://schemas.openxmlformats.org/drawingml/2006/main" xmlns:r="http://schemas.openxmlformats.org/officeDocument/2006/relationships" xmlns:p="http://schemas.openxmlformats.org/presentationml/2006/main">
   <p:cSld>
     <p:spTree>
       <p:nvGrpSpPr>
@@ -645,7 +1202,7 @@
       </p:grpSpPr>
       <p:sp>
         <p:nvSpPr>
-          <p:cNvPr id="197" name="PlaceHolder 1"/>
+          <p:cNvPr id="201" name="PlaceHolder 1"/>
           <p:cNvSpPr>
             <a:spLocks noGrp="1"/>
           </p:cNvSpPr>
@@ -664,122 +1221,85 @@
         </p:spPr>
         <p:txBody>
           <a:bodyPr/>
+          <a:lstStyle/>
+          <a:p>
+            <a:r>
+              <a:rPr lang="en-US">
+                <a:latin typeface="Arial"/>
+                <a:ea typeface="ＭＳ Ｐゴシック"/>
+              </a:rPr>
+              <a:t>3 of these meetings can be done distributedly.</a:t>
+            </a:r>
+            <a:endParaRPr/>
+          </a:p>
+          <a:p>
+            <a:r>
+              <a:rPr lang="en-US">
+                <a:latin typeface="Arial"/>
+                <a:ea typeface="ＭＳ Ｐゴシック"/>
+              </a:rPr>
+              <a:t>We discourage distributed Release Planning.</a:t>
+            </a:r>
+            <a:endParaRPr/>
+          </a:p>
+          <a:p>
+            <a:endParaRPr/>
+          </a:p>
+          <a:p>
+            <a:r>
+              <a:rPr lang="en-US">
+                <a:latin typeface="Arial"/>
+                <a:ea typeface="ＭＳ Ｐゴシック"/>
+              </a:rPr>
+              <a:t>Mountain goat software has distributed Planning Poker.</a:t>
+            </a:r>
+            <a:endParaRPr/>
+          </a:p>
+          <a:p>
+            <a:r>
+              <a:rPr lang="en-US">
+                <a:latin typeface="Arial"/>
+                <a:ea typeface="ＭＳ Ｐゴシック"/>
+              </a:rPr>
+              <a:t>Ideaboardz and Edistorm are good for distributed Retrospectives.</a:t>
+            </a:r>
+            <a:endParaRPr/>
+          </a:p>
+        </p:txBody>
+      </p:sp>
+      <p:sp>
+        <p:nvSpPr>
+          <p:cNvPr id="202" name="TextShape 2"/>
+          <p:cNvSpPr txBox="1"/>
+          <p:nvPr/>
+        </p:nvSpPr>
+        <p:spPr>
+          <a:xfrm>
+            <a:off x="3884760" y="8685360"/>
+            <a:ext cx="2971440" cy="456840"/>
+          </a:xfrm>
+          <a:prstGeom prst="rect">
+            <a:avLst/>
+          </a:prstGeom>
+        </p:spPr>
+        <p:txBody>
+          <a:bodyPr anchor="b"/>
+          <a:lstStyle/>
           <a:p>
             <a:pPr>
               <a:lnSpc>
                 <a:spcPct val="100000"/>
               </a:lnSpc>
             </a:pPr>
-            <a:r>
-              <a:rPr lang="en-US">
-                <a:ea typeface="ＭＳ Ｐゴシック"/>
-              </a:rPr>
-              <a:t>Plan, execute and report on Agile projects</a:t>
-            </a:r>
-            <a:endParaRPr/>
-          </a:p>
-          <a:p>
-            <a:pPr>
-              <a:lnSpc>
-                <a:spcPct val="100000"/>
-              </a:lnSpc>
-            </a:pPr>
-            <a:endParaRPr/>
-          </a:p>
-          <a:p>
-            <a:pPr>
-              <a:lnSpc>
-                <a:spcPct val="100000"/>
-              </a:lnSpc>
-            </a:pPr>
-            <a:endParaRPr/>
-          </a:p>
-          <a:p>
-            <a:pPr>
-              <a:lnSpc>
-                <a:spcPct val="100000"/>
-              </a:lnSpc>
-            </a:pPr>
-            <a:r>
-              <a:rPr lang="en-US">
-                <a:ea typeface="ＭＳ Ｐゴシック"/>
-              </a:rPr>
-              <a:t>--------------------------------------------------------------------------------------------------------------------</a:t>
-            </a:r>
-            <a:endParaRPr/>
-          </a:p>
-          <a:p>
-            <a:pPr>
-              <a:lnSpc>
-                <a:spcPct val="100000"/>
-              </a:lnSpc>
-            </a:pPr>
-            <a:endParaRPr/>
-          </a:p>
-          <a:p>
-            <a:pPr>
-              <a:lnSpc>
-                <a:spcPct val="100000"/>
-              </a:lnSpc>
-            </a:pPr>
-            <a:r>
-              <a:rPr lang="en-US">
-                <a:ea typeface="ＭＳ Ｐゴシック"/>
-              </a:rPr>
-              <a:t>In this module, we’ll explore the practices that help Managers and Project Managers plan, execute, and report on Agile projects.</a:t>
-            </a:r>
-            <a:endParaRPr/>
-          </a:p>
-          <a:p>
-            <a:pPr>
-              <a:lnSpc>
-                <a:spcPct val="100000"/>
-              </a:lnSpc>
-            </a:pPr>
-            <a:endParaRPr/>
-          </a:p>
-          <a:p>
-            <a:pPr>
-              <a:lnSpc>
-                <a:spcPct val="100000"/>
-              </a:lnSpc>
-            </a:pPr>
-            <a:endParaRPr/>
-          </a:p>
-        </p:txBody>
-      </p:sp>
-      <p:sp>
-        <p:nvSpPr>
-          <p:cNvPr id="198" name="TextShape 2"/>
-          <p:cNvSpPr txBox="1"/>
-          <p:nvPr/>
-        </p:nvSpPr>
-        <p:spPr>
-          <a:xfrm>
-            <a:off x="3884760" y="8685360"/>
-            <a:ext cx="2971440" cy="456840"/>
-          </a:xfrm>
-          <a:prstGeom prst="rect">
-            <a:avLst/>
-          </a:prstGeom>
-        </p:spPr>
-        <p:txBody>
-          <a:bodyPr anchor="b"/>
-          <a:p>
-            <a:pPr algn="r">
-              <a:lnSpc>
-                <a:spcPct val="100000"/>
-              </a:lnSpc>
-            </a:pPr>
-            <a:fld id="{BE74BDE1-727F-4836-93F5-BF044273B3C9}" type="slidenum">
+            <a:fld id="{67C51D89-A012-482A-9E07-9348F896C446}" type="slidenum">
               <a:rPr lang="en-US" sz="1200">
                 <a:solidFill>
                   <a:srgbClr val="000000"/>
                 </a:solidFill>
                 <a:latin typeface="Arial"/>
-                <a:ea typeface="Arial"/>
+                <a:ea typeface="ＭＳ Ｐゴシック"/>
               </a:rPr>
-              <a:t>&lt;number&gt;</a:t>
+              <a:t>2</a:t>
             </a:fld>
             <a:endParaRPr/>
           </a:p>
@@ -787,7 +1307,7 @@
       </p:sp>
       <p:sp>
         <p:nvSpPr>
-          <p:cNvPr id="199" name="TextShape 3"/>
+          <p:cNvPr id="203" name="TextShape 3"/>
           <p:cNvSpPr txBox="1"/>
           <p:nvPr/>
         </p:nvSpPr>
@@ -802,14 +1322,15 @@
         </p:spPr>
         <p:txBody>
           <a:bodyPr/>
-          <a:p>
-            <a:endParaRPr/>
-          </a:p>
-        </p:txBody>
-      </p:sp>
-      <p:sp>
-        <p:nvSpPr>
-          <p:cNvPr id="200" name="TextShape 4"/>
+          <a:lstStyle/>
+          <a:p>
+            <a:endParaRPr/>
+          </a:p>
+        </p:txBody>
+      </p:sp>
+      <p:sp>
+        <p:nvSpPr>
+          <p:cNvPr id="204" name="TextShape 4"/>
           <p:cNvSpPr txBox="1"/>
           <p:nvPr/>
         </p:nvSpPr>
@@ -824,6 +1345,7 @@
         </p:spPr>
         <p:txBody>
           <a:bodyPr anchor="b"/>
+          <a:lstStyle/>
           <a:p>
             <a:pPr>
               <a:lnSpc>
@@ -845,12 +1367,20 @@
         </p:txBody>
       </p:sp>
     </p:spTree>
+    <p:extLst>
+      <p:ext uri="{BB962C8B-B14F-4D97-AF65-F5344CB8AC3E}">
+        <p14:creationId xmlns:p14="http://schemas.microsoft.com/office/powerpoint/2010/main" val="109236907"/>
+      </p:ext>
+    </p:extLst>
   </p:cSld>
+  <p:clrMapOvr>
+    <a:masterClrMapping/>
+  </p:clrMapOvr>
 </p:notes>
 </file>
 
-<file path=ppt/notesSlides/notesSlide2.xml><?xml version="1.0" encoding="utf-8"?>
-<p:notes xmlns:a="http://schemas.openxmlformats.org/drawingml/2006/main" xmlns:p="http://schemas.openxmlformats.org/presentationml/2006/main" xmlns:r="http://schemas.openxmlformats.org/officeDocument/2006/relationships">
+<file path=ppt/notesSlides/notesSlide3.xml><?xml version="1.0" encoding="utf-8"?>
+<p:notes xmlns:a="http://schemas.openxmlformats.org/drawingml/2006/main" xmlns:r="http://schemas.openxmlformats.org/officeDocument/2006/relationships" xmlns:p="http://schemas.openxmlformats.org/presentationml/2006/main">
   <p:cSld>
     <p:spTree>
       <p:nvGrpSpPr>
@@ -868,7 +1398,7 @@
       </p:grpSpPr>
       <p:sp>
         <p:nvSpPr>
-          <p:cNvPr id="201" name="PlaceHolder 1"/>
+          <p:cNvPr id="205" name="PlaceHolder 1"/>
           <p:cNvSpPr>
             <a:spLocks noGrp="1"/>
           </p:cNvSpPr>
@@ -887,190 +1417,7 @@
         </p:spPr>
         <p:txBody>
           <a:bodyPr/>
-          <a:p>
-            <a:r>
-              <a:rPr lang="en-US">
-                <a:latin typeface="Arial"/>
-                <a:ea typeface="ＭＳ Ｐゴシック"/>
-              </a:rPr>
-              <a:t>3 of these meetings can be done distributedly.</a:t>
-            </a:r>
-            <a:endParaRPr/>
-          </a:p>
-          <a:p>
-            <a:r>
-              <a:rPr lang="en-US">
-                <a:latin typeface="Arial"/>
-                <a:ea typeface="ＭＳ Ｐゴシック"/>
-              </a:rPr>
-              <a:t>We discourage distributed Release Planning.</a:t>
-            </a:r>
-            <a:endParaRPr/>
-          </a:p>
-          <a:p>
-            <a:endParaRPr/>
-          </a:p>
-          <a:p>
-            <a:r>
-              <a:rPr lang="en-US">
-                <a:latin typeface="Arial"/>
-                <a:ea typeface="ＭＳ Ｐゴシック"/>
-              </a:rPr>
-              <a:t>Mountain goat software has distributed Planning Poker.</a:t>
-            </a:r>
-            <a:endParaRPr/>
-          </a:p>
-          <a:p>
-            <a:r>
-              <a:rPr lang="en-US">
-                <a:latin typeface="Arial"/>
-                <a:ea typeface="ＭＳ Ｐゴシック"/>
-              </a:rPr>
-              <a:t>Ideaboardz and Edistorm are good for distributed Retrospectives.</a:t>
-            </a:r>
-            <a:endParaRPr/>
-          </a:p>
-        </p:txBody>
-      </p:sp>
-      <p:sp>
-        <p:nvSpPr>
-          <p:cNvPr id="202" name="TextShape 2"/>
-          <p:cNvSpPr txBox="1"/>
-          <p:nvPr/>
-        </p:nvSpPr>
-        <p:spPr>
-          <a:xfrm>
-            <a:off x="3884760" y="8685360"/>
-            <a:ext cx="2971440" cy="456840"/>
-          </a:xfrm>
-          <a:prstGeom prst="rect">
-            <a:avLst/>
-          </a:prstGeom>
-        </p:spPr>
-        <p:txBody>
-          <a:bodyPr anchor="b"/>
-          <a:p>
-            <a:pPr>
-              <a:lnSpc>
-                <a:spcPct val="100000"/>
-              </a:lnSpc>
-            </a:pPr>
-            <a:fld id="{67C51D89-A012-482A-9E07-9348F896C446}" type="slidenum">
-              <a:rPr lang="en-US" sz="1200">
-                <a:solidFill>
-                  <a:srgbClr val="000000"/>
-                </a:solidFill>
-                <a:latin typeface="Arial"/>
-                <a:ea typeface="ＭＳ Ｐゴシック"/>
-              </a:rPr>
-              <a:t>&lt;number&gt;</a:t>
-            </a:fld>
-            <a:endParaRPr/>
-          </a:p>
-        </p:txBody>
-      </p:sp>
-      <p:sp>
-        <p:nvSpPr>
-          <p:cNvPr id="203" name="TextShape 3"/>
-          <p:cNvSpPr txBox="1"/>
-          <p:nvPr/>
-        </p:nvSpPr>
-        <p:spPr>
-          <a:xfrm>
-            <a:off x="3884760" y="0"/>
-            <a:ext cx="2971440" cy="456840"/>
-          </a:xfrm>
-          <a:prstGeom prst="rect">
-            <a:avLst/>
-          </a:prstGeom>
-        </p:spPr>
-        <p:txBody>
-          <a:bodyPr/>
-          <a:p>
-            <a:endParaRPr/>
-          </a:p>
-        </p:txBody>
-      </p:sp>
-      <p:sp>
-        <p:nvSpPr>
-          <p:cNvPr id="204" name="TextShape 4"/>
-          <p:cNvSpPr txBox="1"/>
-          <p:nvPr/>
-        </p:nvSpPr>
-        <p:spPr>
-          <a:xfrm>
-            <a:off x="0" y="8685360"/>
-            <a:ext cx="2971440" cy="456840"/>
-          </a:xfrm>
-          <a:prstGeom prst="rect">
-            <a:avLst/>
-          </a:prstGeom>
-        </p:spPr>
-        <p:txBody>
-          <a:bodyPr anchor="b"/>
-          <a:p>
-            <a:pPr>
-              <a:lnSpc>
-                <a:spcPct val="100000"/>
-              </a:lnSpc>
-            </a:pPr>
-            <a:r>
-              <a:rPr lang="en-US" sz="1200">
-                <a:solidFill>
-                  <a:srgbClr val="000000"/>
-                </a:solidFill>
-                <a:latin typeface="Arial"/>
-                <a:ea typeface="Arial"/>
-              </a:rPr>
-              <a:t>Visibility and Communication</a:t>
-            </a:r>
-            <a:endParaRPr/>
-          </a:p>
-        </p:txBody>
-      </p:sp>
-    </p:spTree>
-  </p:cSld>
-</p:notes>
-</file>
-
-<file path=ppt/notesSlides/notesSlide3.xml><?xml version="1.0" encoding="utf-8"?>
-<p:notes xmlns:a="http://schemas.openxmlformats.org/drawingml/2006/main" xmlns:p="http://schemas.openxmlformats.org/presentationml/2006/main" xmlns:r="http://schemas.openxmlformats.org/officeDocument/2006/relationships">
-  <p:cSld>
-    <p:spTree>
-      <p:nvGrpSpPr>
-        <p:cNvPr id="1" name=""/>
-        <p:cNvGrpSpPr/>
-        <p:nvPr/>
-      </p:nvGrpSpPr>
-      <p:grpSpPr>
-        <a:xfrm>
-          <a:off x="0" y="0"/>
-          <a:ext cx="0" cy="0"/>
-          <a:chOff x="0" y="0"/>
-          <a:chExt cx="0" cy="0"/>
-        </a:xfrm>
-      </p:grpSpPr>
-      <p:sp>
-        <p:nvSpPr>
-          <p:cNvPr id="205" name="PlaceHolder 1"/>
-          <p:cNvSpPr>
-            <a:spLocks noGrp="1"/>
-          </p:cNvSpPr>
-          <p:nvPr>
-            <p:ph type="body"/>
-          </p:nvPr>
-        </p:nvSpPr>
-        <p:spPr>
-          <a:xfrm>
-            <a:off x="685800" y="4343400"/>
-            <a:ext cx="5486040" cy="4114440"/>
-          </a:xfrm>
-          <a:prstGeom prst="rect">
-            <a:avLst/>
-          </a:prstGeom>
-        </p:spPr>
-        <p:txBody>
-          <a:bodyPr/>
+          <a:lstStyle/>
           <a:p>
             <a:pPr>
               <a:lnSpc>
@@ -1182,6 +1529,7 @@
         </p:spPr>
         <p:txBody>
           <a:bodyPr anchor="b"/>
+          <a:lstStyle/>
           <a:p>
             <a:pPr>
               <a:lnSpc>
@@ -1196,7 +1544,7 @@
                 <a:latin typeface="Gill Sans"/>
                 <a:ea typeface="ヒラギノ角ゴ ProN W3"/>
               </a:rPr>
-              <a:t>&lt;number&gt;</a:t>
+              <a:t>3</a:t>
             </a:fld>
             <a:endParaRPr/>
           </a:p>
@@ -1219,6 +1567,7 @@
         </p:spPr>
         <p:txBody>
           <a:bodyPr/>
+          <a:lstStyle/>
           <a:p>
             <a:endParaRPr/>
           </a:p>
@@ -1241,6 +1590,7 @@
         </p:spPr>
         <p:txBody>
           <a:bodyPr anchor="b"/>
+          <a:lstStyle/>
           <a:p>
             <a:pPr>
               <a:lnSpc>
@@ -1262,12 +1612,20 @@
         </p:txBody>
       </p:sp>
     </p:spTree>
+    <p:extLst>
+      <p:ext uri="{BB962C8B-B14F-4D97-AF65-F5344CB8AC3E}">
+        <p14:creationId xmlns:p14="http://schemas.microsoft.com/office/powerpoint/2010/main" val="1993661411"/>
+      </p:ext>
+    </p:extLst>
   </p:cSld>
+  <p:clrMapOvr>
+    <a:masterClrMapping/>
+  </p:clrMapOvr>
 </p:notes>
 </file>
 
 <file path=ppt/notesSlides/notesSlide4.xml><?xml version="1.0" encoding="utf-8"?>
-<p:notes xmlns:a="http://schemas.openxmlformats.org/drawingml/2006/main" xmlns:p="http://schemas.openxmlformats.org/presentationml/2006/main" xmlns:r="http://schemas.openxmlformats.org/officeDocument/2006/relationships">
+<p:notes xmlns:a="http://schemas.openxmlformats.org/drawingml/2006/main" xmlns:r="http://schemas.openxmlformats.org/officeDocument/2006/relationships" xmlns:p="http://schemas.openxmlformats.org/presentationml/2006/main">
   <p:cSld>
     <p:spTree>
       <p:nvGrpSpPr>
@@ -1304,6 +1662,7 @@
         </p:spPr>
         <p:txBody>
           <a:bodyPr/>
+          <a:lstStyle/>
           <a:p>
             <a:pPr>
               <a:lnSpc>
@@ -1543,6 +1902,7 @@
         </p:spPr>
         <p:txBody>
           <a:bodyPr anchor="b"/>
+          <a:lstStyle/>
           <a:p>
             <a:pPr>
               <a:lnSpc>
@@ -1557,7 +1917,7 @@
                 <a:latin typeface="Gill Sans"/>
                 <a:ea typeface="ヒラギノ角ゴ ProN W3"/>
               </a:rPr>
-              <a:t>&lt;number&gt;</a:t>
+              <a:t>4</a:t>
             </a:fld>
             <a:endParaRPr/>
           </a:p>
@@ -1580,6 +1940,7 @@
         </p:spPr>
         <p:txBody>
           <a:bodyPr/>
+          <a:lstStyle/>
           <a:p>
             <a:endParaRPr/>
           </a:p>
@@ -1602,6 +1963,7 @@
         </p:spPr>
         <p:txBody>
           <a:bodyPr anchor="b"/>
+          <a:lstStyle/>
           <a:p>
             <a:pPr>
               <a:lnSpc>
@@ -1623,12 +1985,20 @@
         </p:txBody>
       </p:sp>
     </p:spTree>
+    <p:extLst>
+      <p:ext uri="{BB962C8B-B14F-4D97-AF65-F5344CB8AC3E}">
+        <p14:creationId xmlns:p14="http://schemas.microsoft.com/office/powerpoint/2010/main" val="279990536"/>
+      </p:ext>
+    </p:extLst>
   </p:cSld>
+  <p:clrMapOvr>
+    <a:masterClrMapping/>
+  </p:clrMapOvr>
 </p:notes>
 </file>
 
 <file path=ppt/notesSlides/notesSlide5.xml><?xml version="1.0" encoding="utf-8"?>
-<p:notes xmlns:a="http://schemas.openxmlformats.org/drawingml/2006/main" xmlns:p="http://schemas.openxmlformats.org/presentationml/2006/main" xmlns:r="http://schemas.openxmlformats.org/officeDocument/2006/relationships">
+<p:notes xmlns:a="http://schemas.openxmlformats.org/drawingml/2006/main" xmlns:r="http://schemas.openxmlformats.org/officeDocument/2006/relationships" xmlns:p="http://schemas.openxmlformats.org/presentationml/2006/main">
   <p:cSld>
     <p:spTree>
       <p:nvGrpSpPr>
@@ -1665,6 +2035,7 @@
         </p:spPr>
         <p:txBody>
           <a:bodyPr/>
+          <a:lstStyle/>
           <a:p>
             <a:pPr>
               <a:lnSpc>
@@ -1784,7 +2155,7 @@
               <a:t>Showing </a:t>
             </a:r>
             <a:r>
-              <a:rPr b="1" lang="en-US" sz="1200">
+              <a:rPr lang="en-US" sz="1200" b="1">
                 <a:solidFill>
                   <a:srgbClr val="000000"/>
                 </a:solidFill>
@@ -1824,7 +2195,7 @@
               <a:t>Some cards in next iteration – </a:t>
             </a:r>
             <a:r>
-              <a:rPr b="1" lang="en-US" sz="1200">
+              <a:rPr lang="en-US" sz="1200" b="1">
                 <a:solidFill>
                   <a:srgbClr val="000000"/>
                 </a:solidFill>
@@ -1854,7 +2225,7 @@
               <a:t>Clearly see the </a:t>
             </a:r>
             <a:r>
-              <a:rPr b="1" lang="en-US" sz="1200">
+              <a:rPr lang="en-US" sz="1200" b="1">
                 <a:solidFill>
                   <a:srgbClr val="000000"/>
                 </a:solidFill>
@@ -2016,6 +2387,7 @@
         </p:spPr>
         <p:txBody>
           <a:bodyPr anchor="b"/>
+          <a:lstStyle/>
           <a:p>
             <a:pPr>
               <a:lnSpc>
@@ -2030,7 +2402,7 @@
                 <a:latin typeface="Gill Sans"/>
                 <a:ea typeface="ヒラギノ角ゴ ProN W3"/>
               </a:rPr>
-              <a:t>&lt;number&gt;</a:t>
+              <a:t>5</a:t>
             </a:fld>
             <a:endParaRPr/>
           </a:p>
@@ -2053,6 +2425,7 @@
         </p:spPr>
         <p:txBody>
           <a:bodyPr/>
+          <a:lstStyle/>
           <a:p>
             <a:endParaRPr/>
           </a:p>
@@ -2075,6 +2448,7 @@
         </p:spPr>
         <p:txBody>
           <a:bodyPr anchor="b"/>
+          <a:lstStyle/>
           <a:p>
             <a:pPr>
               <a:lnSpc>
@@ -2096,12 +2470,20 @@
         </p:txBody>
       </p:sp>
     </p:spTree>
+    <p:extLst>
+      <p:ext uri="{BB962C8B-B14F-4D97-AF65-F5344CB8AC3E}">
+        <p14:creationId xmlns:p14="http://schemas.microsoft.com/office/powerpoint/2010/main" val="664267975"/>
+      </p:ext>
+    </p:extLst>
   </p:cSld>
+  <p:clrMapOvr>
+    <a:masterClrMapping/>
+  </p:clrMapOvr>
 </p:notes>
 </file>
 
 <file path=ppt/notesSlides/notesSlide6.xml><?xml version="1.0" encoding="utf-8"?>
-<p:notes xmlns:a="http://schemas.openxmlformats.org/drawingml/2006/main" xmlns:p="http://schemas.openxmlformats.org/presentationml/2006/main" xmlns:r="http://schemas.openxmlformats.org/officeDocument/2006/relationships">
+<p:notes xmlns:a="http://schemas.openxmlformats.org/drawingml/2006/main" xmlns:r="http://schemas.openxmlformats.org/officeDocument/2006/relationships" xmlns:p="http://schemas.openxmlformats.org/presentationml/2006/main">
   <p:cSld>
     <p:spTree>
       <p:nvGrpSpPr>
@@ -2138,6 +2520,7 @@
         </p:spPr>
         <p:txBody>
           <a:bodyPr/>
+          <a:lstStyle/>
           <a:p>
             <a:pPr>
               <a:lnSpc>
@@ -2191,6 +2574,7 @@
         </p:spPr>
         <p:txBody>
           <a:bodyPr/>
+          <a:lstStyle/>
           <a:p>
             <a:endParaRPr/>
           </a:p>
@@ -2213,6 +2597,7 @@
         </p:spPr>
         <p:txBody>
           <a:bodyPr anchor="b"/>
+          <a:lstStyle/>
           <a:p>
             <a:pPr>
               <a:lnSpc>
@@ -2234,12 +2619,20 @@
         </p:txBody>
       </p:sp>
     </p:spTree>
+    <p:extLst>
+      <p:ext uri="{BB962C8B-B14F-4D97-AF65-F5344CB8AC3E}">
+        <p14:creationId xmlns:p14="http://schemas.microsoft.com/office/powerpoint/2010/main" val="1731858719"/>
+      </p:ext>
+    </p:extLst>
   </p:cSld>
+  <p:clrMapOvr>
+    <a:masterClrMapping/>
+  </p:clrMapOvr>
 </p:notes>
 </file>
 
 <file path=ppt/notesSlides/notesSlide7.xml><?xml version="1.0" encoding="utf-8"?>
-<p:notes xmlns:a="http://schemas.openxmlformats.org/drawingml/2006/main" xmlns:p="http://schemas.openxmlformats.org/presentationml/2006/main" xmlns:r="http://schemas.openxmlformats.org/officeDocument/2006/relationships">
+<p:notes xmlns:a="http://schemas.openxmlformats.org/drawingml/2006/main" xmlns:r="http://schemas.openxmlformats.org/officeDocument/2006/relationships" xmlns:p="http://schemas.openxmlformats.org/presentationml/2006/main">
   <p:cSld>
     <p:spTree>
       <p:nvGrpSpPr>
@@ -2276,6 +2669,7 @@
         </p:spPr>
         <p:txBody>
           <a:bodyPr/>
+          <a:lstStyle/>
           <a:p>
             <a:endParaRPr/>
           </a:p>
@@ -2298,6 +2692,7 @@
         </p:spPr>
         <p:txBody>
           <a:bodyPr anchor="b"/>
+          <a:lstStyle/>
           <a:p>
             <a:pPr>
               <a:lnSpc>
@@ -2312,7 +2707,7 @@
                 <a:latin typeface="Gill Sans"/>
                 <a:ea typeface="ヒラギノ角ゴ ProN W3"/>
               </a:rPr>
-              <a:t>&lt;number&gt;</a:t>
+              <a:t>7</a:t>
             </a:fld>
             <a:endParaRPr/>
           </a:p>
@@ -2335,6 +2730,7 @@
         </p:spPr>
         <p:txBody>
           <a:bodyPr/>
+          <a:lstStyle/>
           <a:p>
             <a:endParaRPr/>
           </a:p>
@@ -2357,6 +2753,7 @@
         </p:spPr>
         <p:txBody>
           <a:bodyPr anchor="b"/>
+          <a:lstStyle/>
           <a:p>
             <a:pPr>
               <a:lnSpc>
@@ -2378,12 +2775,20 @@
         </p:txBody>
       </p:sp>
     </p:spTree>
+    <p:extLst>
+      <p:ext uri="{BB962C8B-B14F-4D97-AF65-F5344CB8AC3E}">
+        <p14:creationId xmlns:p14="http://schemas.microsoft.com/office/powerpoint/2010/main" val="356138795"/>
+      </p:ext>
+    </p:extLst>
   </p:cSld>
+  <p:clrMapOvr>
+    <a:masterClrMapping/>
+  </p:clrMapOvr>
 </p:notes>
 </file>
 
 <file path=ppt/slideLayouts/slideLayout1.xml><?xml version="1.0" encoding="utf-8"?>
-<p:sldLayout xmlns:a="http://schemas.openxmlformats.org/drawingml/2006/main" xmlns:p="http://schemas.openxmlformats.org/presentationml/2006/main" xmlns:r="http://schemas.openxmlformats.org/officeDocument/2006/relationships" preserve="1" type="blank">
+<p:sldLayout xmlns:a="http://schemas.openxmlformats.org/drawingml/2006/main" xmlns:r="http://schemas.openxmlformats.org/officeDocument/2006/relationships" xmlns:p="http://schemas.openxmlformats.org/presentationml/2006/main" type="blank" preserve="1">
   <p:cSld name="Blank Slide">
     <p:spTree>
       <p:nvGrpSpPr>
@@ -2401,11 +2806,14 @@
       </p:grpSpPr>
     </p:spTree>
   </p:cSld>
+  <p:clrMapOvr>
+    <a:masterClrMapping/>
+  </p:clrMapOvr>
 </p:sldLayout>
 </file>
 
 <file path=ppt/slideLayouts/slideLayout10.xml><?xml version="1.0" encoding="utf-8"?>
-<p:sldLayout xmlns:a="http://schemas.openxmlformats.org/drawingml/2006/main" xmlns:p="http://schemas.openxmlformats.org/presentationml/2006/main" xmlns:r="http://schemas.openxmlformats.org/officeDocument/2006/relationships" preserve="1" type="objOverTx">
+<p:sldLayout xmlns:a="http://schemas.openxmlformats.org/drawingml/2006/main" xmlns:r="http://schemas.openxmlformats.org/officeDocument/2006/relationships" xmlns:p="http://schemas.openxmlformats.org/presentationml/2006/main" type="objOverTx" preserve="1">
   <p:cSld name="Title, Content over Content">
     <p:spTree>
       <p:nvGrpSpPr>
@@ -2441,7 +2849,8 @@
           </a:prstGeom>
         </p:spPr>
         <p:txBody>
-          <a:bodyPr anchor="ctr" bIns="0" lIns="0" rIns="0" tIns="0" wrap="none"/>
+          <a:bodyPr wrap="none" lIns="0" tIns="0" rIns="0" bIns="0" anchor="ctr"/>
+          <a:lstStyle/>
           <a:p>
             <a:endParaRPr/>
           </a:p>
@@ -2467,7 +2876,8 @@
           </a:prstGeom>
         </p:spPr>
         <p:txBody>
-          <a:bodyPr bIns="0" lIns="0" rIns="0" tIns="0" wrap="none"/>
+          <a:bodyPr wrap="none" lIns="0" tIns="0" rIns="0" bIns="0"/>
+          <a:lstStyle/>
           <a:p>
             <a:endParaRPr/>
           </a:p>
@@ -2493,7 +2903,8 @@
           </a:prstGeom>
         </p:spPr>
         <p:txBody>
-          <a:bodyPr bIns="0" lIns="0" rIns="0" tIns="0" wrap="none"/>
+          <a:bodyPr wrap="none" lIns="0" tIns="0" rIns="0" bIns="0"/>
+          <a:lstStyle/>
           <a:p>
             <a:endParaRPr/>
           </a:p>
@@ -2501,11 +2912,14 @@
       </p:sp>
     </p:spTree>
   </p:cSld>
+  <p:clrMapOvr>
+    <a:masterClrMapping/>
+  </p:clrMapOvr>
 </p:sldLayout>
 </file>
 
 <file path=ppt/slideLayouts/slideLayout11.xml><?xml version="1.0" encoding="utf-8"?>
-<p:sldLayout xmlns:a="http://schemas.openxmlformats.org/drawingml/2006/main" xmlns:p="http://schemas.openxmlformats.org/presentationml/2006/main" xmlns:r="http://schemas.openxmlformats.org/officeDocument/2006/relationships" preserve="1" type="fourObj">
+<p:sldLayout xmlns:a="http://schemas.openxmlformats.org/drawingml/2006/main" xmlns:r="http://schemas.openxmlformats.org/officeDocument/2006/relationships" xmlns:p="http://schemas.openxmlformats.org/presentationml/2006/main" type="fourObj" preserve="1">
   <p:cSld name="Title, 4 Content">
     <p:spTree>
       <p:nvGrpSpPr>
@@ -2541,7 +2955,8 @@
           </a:prstGeom>
         </p:spPr>
         <p:txBody>
-          <a:bodyPr anchor="ctr" bIns="0" lIns="0" rIns="0" tIns="0" wrap="none"/>
+          <a:bodyPr wrap="none" lIns="0" tIns="0" rIns="0" bIns="0" anchor="ctr"/>
+          <a:lstStyle/>
           <a:p>
             <a:endParaRPr/>
           </a:p>
@@ -2567,7 +2982,8 @@
           </a:prstGeom>
         </p:spPr>
         <p:txBody>
-          <a:bodyPr bIns="0" lIns="0" rIns="0" tIns="0" wrap="none"/>
+          <a:bodyPr wrap="none" lIns="0" tIns="0" rIns="0" bIns="0"/>
+          <a:lstStyle/>
           <a:p>
             <a:endParaRPr/>
           </a:p>
@@ -2593,7 +3009,8 @@
           </a:prstGeom>
         </p:spPr>
         <p:txBody>
-          <a:bodyPr bIns="0" lIns="0" rIns="0" tIns="0" wrap="none"/>
+          <a:bodyPr wrap="none" lIns="0" tIns="0" rIns="0" bIns="0"/>
+          <a:lstStyle/>
           <a:p>
             <a:endParaRPr/>
           </a:p>
@@ -2619,7 +3036,8 @@
           </a:prstGeom>
         </p:spPr>
         <p:txBody>
-          <a:bodyPr bIns="0" lIns="0" rIns="0" tIns="0" wrap="none"/>
+          <a:bodyPr wrap="none" lIns="0" tIns="0" rIns="0" bIns="0"/>
+          <a:lstStyle/>
           <a:p>
             <a:endParaRPr/>
           </a:p>
@@ -2645,7 +3063,8 @@
           </a:prstGeom>
         </p:spPr>
         <p:txBody>
-          <a:bodyPr bIns="0" lIns="0" rIns="0" tIns="0" wrap="none"/>
+          <a:bodyPr wrap="none" lIns="0" tIns="0" rIns="0" bIns="0"/>
+          <a:lstStyle/>
           <a:p>
             <a:endParaRPr/>
           </a:p>
@@ -2653,11 +3072,14 @@
       </p:sp>
     </p:spTree>
   </p:cSld>
+  <p:clrMapOvr>
+    <a:masterClrMapping/>
+  </p:clrMapOvr>
 </p:sldLayout>
 </file>
 
 <file path=ppt/slideLayouts/slideLayout12.xml><?xml version="1.0" encoding="utf-8"?>
-<p:sldLayout xmlns:a="http://schemas.openxmlformats.org/drawingml/2006/main" xmlns:p="http://schemas.openxmlformats.org/presentationml/2006/main" xmlns:r="http://schemas.openxmlformats.org/officeDocument/2006/relationships" preserve="1" type="blank">
+<p:sldLayout xmlns:a="http://schemas.openxmlformats.org/drawingml/2006/main" xmlns:r="http://schemas.openxmlformats.org/officeDocument/2006/relationships" xmlns:p="http://schemas.openxmlformats.org/presentationml/2006/main" type="blank" preserve="1">
   <p:cSld name="Title, 6 Content">
     <p:spTree>
       <p:nvGrpSpPr>
@@ -2693,7 +3115,8 @@
           </a:prstGeom>
         </p:spPr>
         <p:txBody>
-          <a:bodyPr anchor="ctr" bIns="0" lIns="0" rIns="0" tIns="0" wrap="none"/>
+          <a:bodyPr wrap="none" lIns="0" tIns="0" rIns="0" bIns="0" anchor="ctr"/>
+          <a:lstStyle/>
           <a:p>
             <a:endParaRPr/>
           </a:p>
@@ -2719,7 +3142,8 @@
           </a:prstGeom>
         </p:spPr>
         <p:txBody>
-          <a:bodyPr bIns="0" lIns="0" rIns="0" tIns="0" wrap="none"/>
+          <a:bodyPr wrap="none" lIns="0" tIns="0" rIns="0" bIns="0"/>
+          <a:lstStyle/>
           <a:p>
             <a:endParaRPr/>
           </a:p>
@@ -2745,7 +3169,8 @@
           </a:prstGeom>
         </p:spPr>
         <p:txBody>
-          <a:bodyPr bIns="0" lIns="0" rIns="0" tIns="0" wrap="none"/>
+          <a:bodyPr wrap="none" lIns="0" tIns="0" rIns="0" bIns="0"/>
+          <a:lstStyle/>
           <a:p>
             <a:endParaRPr/>
           </a:p>
@@ -2753,7 +3178,7 @@
       </p:sp>
       <p:pic>
         <p:nvPicPr>
-          <p:cNvPr descr="" id="36" name=""/>
+          <p:cNvPr id="36" name="Picture 35"/>
           <p:cNvPicPr/>
           <p:nvPr/>
         </p:nvPicPr>
@@ -2778,12 +3203,12 @@
       </p:pic>
       <p:pic>
         <p:nvPicPr>
-          <p:cNvPr descr="" id="37" name=""/>
+          <p:cNvPr id="37" name="Picture 36"/>
           <p:cNvPicPr/>
           <p:nvPr/>
         </p:nvPicPr>
         <p:blipFill>
-          <a:blip r:embed="rId3"/>
+          <a:blip r:embed="rId2"/>
           <a:stretch>
             <a:fillRect/>
           </a:stretch>
@@ -2803,11 +3228,14 @@
       </p:pic>
     </p:spTree>
   </p:cSld>
+  <p:clrMapOvr>
+    <a:masterClrMapping/>
+  </p:clrMapOvr>
 </p:sldLayout>
 </file>
 
 <file path=ppt/slideLayouts/slideLayout13.xml><?xml version="1.0" encoding="utf-8"?>
-<p:sldLayout xmlns:a="http://schemas.openxmlformats.org/drawingml/2006/main" xmlns:p="http://schemas.openxmlformats.org/presentationml/2006/main" xmlns:r="http://schemas.openxmlformats.org/officeDocument/2006/relationships" preserve="1" type="blank">
+<p:sldLayout xmlns:a="http://schemas.openxmlformats.org/drawingml/2006/main" xmlns:r="http://schemas.openxmlformats.org/officeDocument/2006/relationships" xmlns:p="http://schemas.openxmlformats.org/presentationml/2006/main" type="blank" preserve="1">
   <p:cSld name="Blank Slide">
     <p:spTree>
       <p:nvGrpSpPr>
@@ -2825,11 +3253,14 @@
       </p:grpSpPr>
     </p:spTree>
   </p:cSld>
+  <p:clrMapOvr>
+    <a:masterClrMapping/>
+  </p:clrMapOvr>
 </p:sldLayout>
 </file>
 
 <file path=ppt/slideLayouts/slideLayout14.xml><?xml version="1.0" encoding="utf-8"?>
-<p:sldLayout xmlns:a="http://schemas.openxmlformats.org/drawingml/2006/main" xmlns:p="http://schemas.openxmlformats.org/presentationml/2006/main" xmlns:r="http://schemas.openxmlformats.org/officeDocument/2006/relationships" preserve="1" type="tx">
+<p:sldLayout xmlns:a="http://schemas.openxmlformats.org/drawingml/2006/main" xmlns:r="http://schemas.openxmlformats.org/officeDocument/2006/relationships" xmlns:p="http://schemas.openxmlformats.org/presentationml/2006/main" type="tx" preserve="1">
   <p:cSld name="Title Slide">
     <p:spTree>
       <p:nvGrpSpPr>
@@ -2865,7 +3296,8 @@
           </a:prstGeom>
         </p:spPr>
         <p:txBody>
-          <a:bodyPr anchor="ctr" bIns="0" lIns="0" rIns="0" tIns="0" wrap="none"/>
+          <a:bodyPr wrap="none" lIns="0" tIns="0" rIns="0" bIns="0" anchor="ctr"/>
+          <a:lstStyle/>
           <a:p>
             <a:endParaRPr/>
           </a:p>
@@ -2891,7 +3323,8 @@
           </a:prstGeom>
         </p:spPr>
         <p:txBody>
-          <a:bodyPr anchor="ctr" bIns="0" lIns="0" rIns="0" tIns="0" wrap="none"/>
+          <a:bodyPr wrap="none" lIns="0" tIns="0" rIns="0" bIns="0" anchor="ctr"/>
+          <a:lstStyle/>
           <a:p>
             <a:pPr algn="ctr"/>
             <a:endParaRPr/>
@@ -2900,11 +3333,14 @@
       </p:sp>
     </p:spTree>
   </p:cSld>
+  <p:clrMapOvr>
+    <a:masterClrMapping/>
+  </p:clrMapOvr>
 </p:sldLayout>
 </file>
 
 <file path=ppt/slideLayouts/slideLayout15.xml><?xml version="1.0" encoding="utf-8"?>
-<p:sldLayout xmlns:a="http://schemas.openxmlformats.org/drawingml/2006/main" xmlns:p="http://schemas.openxmlformats.org/presentationml/2006/main" xmlns:r="http://schemas.openxmlformats.org/officeDocument/2006/relationships" preserve="1" type="obj">
+<p:sldLayout xmlns:a="http://schemas.openxmlformats.org/drawingml/2006/main" xmlns:r="http://schemas.openxmlformats.org/officeDocument/2006/relationships" xmlns:p="http://schemas.openxmlformats.org/presentationml/2006/main" type="obj" preserve="1">
   <p:cSld name="Title, Content">
     <p:spTree>
       <p:nvGrpSpPr>
@@ -2940,7 +3376,8 @@
           </a:prstGeom>
         </p:spPr>
         <p:txBody>
-          <a:bodyPr anchor="ctr" bIns="0" lIns="0" rIns="0" tIns="0" wrap="none"/>
+          <a:bodyPr wrap="none" lIns="0" tIns="0" rIns="0" bIns="0" anchor="ctr"/>
+          <a:lstStyle/>
           <a:p>
             <a:endParaRPr/>
           </a:p>
@@ -2966,7 +3403,8 @@
           </a:prstGeom>
         </p:spPr>
         <p:txBody>
-          <a:bodyPr bIns="0" lIns="0" rIns="0" tIns="0" wrap="none"/>
+          <a:bodyPr wrap="none" lIns="0" tIns="0" rIns="0" bIns="0"/>
+          <a:lstStyle/>
           <a:p>
             <a:endParaRPr/>
           </a:p>
@@ -2974,11 +3412,14 @@
       </p:sp>
     </p:spTree>
   </p:cSld>
+  <p:clrMapOvr>
+    <a:masterClrMapping/>
+  </p:clrMapOvr>
 </p:sldLayout>
 </file>
 
 <file path=ppt/slideLayouts/slideLayout16.xml><?xml version="1.0" encoding="utf-8"?>
-<p:sldLayout xmlns:a="http://schemas.openxmlformats.org/drawingml/2006/main" xmlns:p="http://schemas.openxmlformats.org/presentationml/2006/main" xmlns:r="http://schemas.openxmlformats.org/officeDocument/2006/relationships" preserve="1" type="twoObj">
+<p:sldLayout xmlns:a="http://schemas.openxmlformats.org/drawingml/2006/main" xmlns:r="http://schemas.openxmlformats.org/officeDocument/2006/relationships" xmlns:p="http://schemas.openxmlformats.org/presentationml/2006/main" type="twoObj" preserve="1">
   <p:cSld name="Title, 2 Content">
     <p:spTree>
       <p:nvGrpSpPr>
@@ -3014,7 +3455,8 @@
           </a:prstGeom>
         </p:spPr>
         <p:txBody>
-          <a:bodyPr anchor="ctr" bIns="0" lIns="0" rIns="0" tIns="0" wrap="none"/>
+          <a:bodyPr wrap="none" lIns="0" tIns="0" rIns="0" bIns="0" anchor="ctr"/>
+          <a:lstStyle/>
           <a:p>
             <a:endParaRPr/>
           </a:p>
@@ -3040,7 +3482,8 @@
           </a:prstGeom>
         </p:spPr>
         <p:txBody>
-          <a:bodyPr bIns="0" lIns="0" rIns="0" tIns="0" wrap="none"/>
+          <a:bodyPr wrap="none" lIns="0" tIns="0" rIns="0" bIns="0"/>
+          <a:lstStyle/>
           <a:p>
             <a:endParaRPr/>
           </a:p>
@@ -3066,7 +3509,8 @@
           </a:prstGeom>
         </p:spPr>
         <p:txBody>
-          <a:bodyPr bIns="0" lIns="0" rIns="0" tIns="0" wrap="none"/>
+          <a:bodyPr wrap="none" lIns="0" tIns="0" rIns="0" bIns="0"/>
+          <a:lstStyle/>
           <a:p>
             <a:endParaRPr/>
           </a:p>
@@ -3074,11 +3518,14 @@
       </p:sp>
     </p:spTree>
   </p:cSld>
+  <p:clrMapOvr>
+    <a:masterClrMapping/>
+  </p:clrMapOvr>
 </p:sldLayout>
 </file>
 
 <file path=ppt/slideLayouts/slideLayout17.xml><?xml version="1.0" encoding="utf-8"?>
-<p:sldLayout xmlns:a="http://schemas.openxmlformats.org/drawingml/2006/main" xmlns:p="http://schemas.openxmlformats.org/presentationml/2006/main" xmlns:r="http://schemas.openxmlformats.org/officeDocument/2006/relationships" preserve="1" type="titleOnly">
+<p:sldLayout xmlns:a="http://schemas.openxmlformats.org/drawingml/2006/main" xmlns:r="http://schemas.openxmlformats.org/officeDocument/2006/relationships" xmlns:p="http://schemas.openxmlformats.org/presentationml/2006/main" type="titleOnly" preserve="1">
   <p:cSld name="Title Only">
     <p:spTree>
       <p:nvGrpSpPr>
@@ -3114,7 +3561,8 @@
           </a:prstGeom>
         </p:spPr>
         <p:txBody>
-          <a:bodyPr anchor="ctr" bIns="0" lIns="0" rIns="0" tIns="0" wrap="none"/>
+          <a:bodyPr wrap="none" lIns="0" tIns="0" rIns="0" bIns="0" anchor="ctr"/>
+          <a:lstStyle/>
           <a:p>
             <a:endParaRPr/>
           </a:p>
@@ -3122,11 +3570,14 @@
       </p:sp>
     </p:spTree>
   </p:cSld>
+  <p:clrMapOvr>
+    <a:masterClrMapping/>
+  </p:clrMapOvr>
 </p:sldLayout>
 </file>
 
 <file path=ppt/slideLayouts/slideLayout18.xml><?xml version="1.0" encoding="utf-8"?>
-<p:sldLayout xmlns:a="http://schemas.openxmlformats.org/drawingml/2006/main" xmlns:p="http://schemas.openxmlformats.org/presentationml/2006/main" xmlns:r="http://schemas.openxmlformats.org/officeDocument/2006/relationships" preserve="1" type="objOnly">
+<p:sldLayout xmlns:a="http://schemas.openxmlformats.org/drawingml/2006/main" xmlns:r="http://schemas.openxmlformats.org/officeDocument/2006/relationships" xmlns:p="http://schemas.openxmlformats.org/presentationml/2006/main" type="objOnly" preserve="1">
   <p:cSld name="Centered Text">
     <p:spTree>
       <p:nvGrpSpPr>
@@ -3162,7 +3613,8 @@
           </a:prstGeom>
         </p:spPr>
         <p:txBody>
-          <a:bodyPr anchor="ctr" bIns="0" lIns="0" rIns="0" tIns="0" wrap="none"/>
+          <a:bodyPr wrap="none" lIns="0" tIns="0" rIns="0" bIns="0" anchor="ctr"/>
+          <a:lstStyle/>
           <a:p>
             <a:pPr algn="ctr"/>
             <a:endParaRPr/>
@@ -3171,11 +3623,14 @@
       </p:sp>
     </p:spTree>
   </p:cSld>
+  <p:clrMapOvr>
+    <a:masterClrMapping/>
+  </p:clrMapOvr>
 </p:sldLayout>
 </file>
 
 <file path=ppt/slideLayouts/slideLayout19.xml><?xml version="1.0" encoding="utf-8"?>
-<p:sldLayout xmlns:a="http://schemas.openxmlformats.org/drawingml/2006/main" xmlns:p="http://schemas.openxmlformats.org/presentationml/2006/main" xmlns:r="http://schemas.openxmlformats.org/officeDocument/2006/relationships" preserve="1" type="twoObjAndObj">
+<p:sldLayout xmlns:a="http://schemas.openxmlformats.org/drawingml/2006/main" xmlns:r="http://schemas.openxmlformats.org/officeDocument/2006/relationships" xmlns:p="http://schemas.openxmlformats.org/presentationml/2006/main" type="twoObjAndObj" preserve="1">
   <p:cSld name="Title, 2 Content and Content">
     <p:spTree>
       <p:nvGrpSpPr>
@@ -3211,7 +3666,8 @@
           </a:prstGeom>
         </p:spPr>
         <p:txBody>
-          <a:bodyPr anchor="ctr" bIns="0" lIns="0" rIns="0" tIns="0" wrap="none"/>
+          <a:bodyPr wrap="none" lIns="0" tIns="0" rIns="0" bIns="0" anchor="ctr"/>
+          <a:lstStyle/>
           <a:p>
             <a:endParaRPr/>
           </a:p>
@@ -3237,7 +3693,8 @@
           </a:prstGeom>
         </p:spPr>
         <p:txBody>
-          <a:bodyPr bIns="0" lIns="0" rIns="0" tIns="0" wrap="none"/>
+          <a:bodyPr wrap="none" lIns="0" tIns="0" rIns="0" bIns="0"/>
+          <a:lstStyle/>
           <a:p>
             <a:endParaRPr/>
           </a:p>
@@ -3263,7 +3720,8 @@
           </a:prstGeom>
         </p:spPr>
         <p:txBody>
-          <a:bodyPr bIns="0" lIns="0" rIns="0" tIns="0" wrap="none"/>
+          <a:bodyPr wrap="none" lIns="0" tIns="0" rIns="0" bIns="0"/>
+          <a:lstStyle/>
           <a:p>
             <a:endParaRPr/>
           </a:p>
@@ -3289,7 +3747,8 @@
           </a:prstGeom>
         </p:spPr>
         <p:txBody>
-          <a:bodyPr bIns="0" lIns="0" rIns="0" tIns="0" wrap="none"/>
+          <a:bodyPr wrap="none" lIns="0" tIns="0" rIns="0" bIns="0"/>
+          <a:lstStyle/>
           <a:p>
             <a:endParaRPr/>
           </a:p>
@@ -3297,11 +3756,14 @@
       </p:sp>
     </p:spTree>
   </p:cSld>
+  <p:clrMapOvr>
+    <a:masterClrMapping/>
+  </p:clrMapOvr>
 </p:sldLayout>
 </file>
 
 <file path=ppt/slideLayouts/slideLayout2.xml><?xml version="1.0" encoding="utf-8"?>
-<p:sldLayout xmlns:a="http://schemas.openxmlformats.org/drawingml/2006/main" xmlns:p="http://schemas.openxmlformats.org/presentationml/2006/main" xmlns:r="http://schemas.openxmlformats.org/officeDocument/2006/relationships" preserve="1" type="tx">
+<p:sldLayout xmlns:a="http://schemas.openxmlformats.org/drawingml/2006/main" xmlns:r="http://schemas.openxmlformats.org/officeDocument/2006/relationships" xmlns:p="http://schemas.openxmlformats.org/presentationml/2006/main" type="tx" preserve="1">
   <p:cSld name="Title Slide">
     <p:spTree>
       <p:nvGrpSpPr>
@@ -3337,7 +3799,8 @@
           </a:prstGeom>
         </p:spPr>
         <p:txBody>
-          <a:bodyPr anchor="ctr" bIns="0" lIns="0" rIns="0" tIns="0" wrap="none"/>
+          <a:bodyPr wrap="none" lIns="0" tIns="0" rIns="0" bIns="0" anchor="ctr"/>
+          <a:lstStyle/>
           <a:p>
             <a:endParaRPr/>
           </a:p>
@@ -3363,7 +3826,8 @@
           </a:prstGeom>
         </p:spPr>
         <p:txBody>
-          <a:bodyPr anchor="ctr" bIns="0" lIns="0" rIns="0" tIns="0" wrap="none"/>
+          <a:bodyPr wrap="none" lIns="0" tIns="0" rIns="0" bIns="0" anchor="ctr"/>
+          <a:lstStyle/>
           <a:p>
             <a:pPr algn="ctr"/>
             <a:endParaRPr/>
@@ -3372,11 +3836,14 @@
       </p:sp>
     </p:spTree>
   </p:cSld>
+  <p:clrMapOvr>
+    <a:masterClrMapping/>
+  </p:clrMapOvr>
 </p:sldLayout>
 </file>
 
 <file path=ppt/slideLayouts/slideLayout20.xml><?xml version="1.0" encoding="utf-8"?>
-<p:sldLayout xmlns:a="http://schemas.openxmlformats.org/drawingml/2006/main" xmlns:p="http://schemas.openxmlformats.org/presentationml/2006/main" xmlns:r="http://schemas.openxmlformats.org/officeDocument/2006/relationships" preserve="1" type="objAndTwoObj">
+<p:sldLayout xmlns:a="http://schemas.openxmlformats.org/drawingml/2006/main" xmlns:r="http://schemas.openxmlformats.org/officeDocument/2006/relationships" xmlns:p="http://schemas.openxmlformats.org/presentationml/2006/main" type="objAndTwoObj" preserve="1">
   <p:cSld name="Title Content and 2 Content">
     <p:spTree>
       <p:nvGrpSpPr>
@@ -3412,7 +3879,8 @@
           </a:prstGeom>
         </p:spPr>
         <p:txBody>
-          <a:bodyPr anchor="ctr" bIns="0" lIns="0" rIns="0" tIns="0" wrap="none"/>
+          <a:bodyPr wrap="none" lIns="0" tIns="0" rIns="0" bIns="0" anchor="ctr"/>
+          <a:lstStyle/>
           <a:p>
             <a:endParaRPr/>
           </a:p>
@@ -3438,7 +3906,8 @@
           </a:prstGeom>
         </p:spPr>
         <p:txBody>
-          <a:bodyPr bIns="0" lIns="0" rIns="0" tIns="0" wrap="none"/>
+          <a:bodyPr wrap="none" lIns="0" tIns="0" rIns="0" bIns="0"/>
+          <a:lstStyle/>
           <a:p>
             <a:endParaRPr/>
           </a:p>
@@ -3464,7 +3933,8 @@
           </a:prstGeom>
         </p:spPr>
         <p:txBody>
-          <a:bodyPr bIns="0" lIns="0" rIns="0" tIns="0" wrap="none"/>
+          <a:bodyPr wrap="none" lIns="0" tIns="0" rIns="0" bIns="0"/>
+          <a:lstStyle/>
           <a:p>
             <a:endParaRPr/>
           </a:p>
@@ -3490,7 +3960,8 @@
           </a:prstGeom>
         </p:spPr>
         <p:txBody>
-          <a:bodyPr bIns="0" lIns="0" rIns="0" tIns="0" wrap="none"/>
+          <a:bodyPr wrap="none" lIns="0" tIns="0" rIns="0" bIns="0"/>
+          <a:lstStyle/>
           <a:p>
             <a:endParaRPr/>
           </a:p>
@@ -3498,11 +3969,14 @@
       </p:sp>
     </p:spTree>
   </p:cSld>
+  <p:clrMapOvr>
+    <a:masterClrMapping/>
+  </p:clrMapOvr>
 </p:sldLayout>
 </file>
 
 <file path=ppt/slideLayouts/slideLayout21.xml><?xml version="1.0" encoding="utf-8"?>
-<p:sldLayout xmlns:a="http://schemas.openxmlformats.org/drawingml/2006/main" xmlns:p="http://schemas.openxmlformats.org/presentationml/2006/main" xmlns:r="http://schemas.openxmlformats.org/officeDocument/2006/relationships" preserve="1" type="twoObjOverTx">
+<p:sldLayout xmlns:a="http://schemas.openxmlformats.org/drawingml/2006/main" xmlns:r="http://schemas.openxmlformats.org/officeDocument/2006/relationships" xmlns:p="http://schemas.openxmlformats.org/presentationml/2006/main" type="twoObjOverTx" preserve="1">
   <p:cSld name="Title, 2 Content over Content">
     <p:spTree>
       <p:nvGrpSpPr>
@@ -3538,7 +4012,8 @@
           </a:prstGeom>
         </p:spPr>
         <p:txBody>
-          <a:bodyPr anchor="ctr" bIns="0" lIns="0" rIns="0" tIns="0" wrap="none"/>
+          <a:bodyPr wrap="none" lIns="0" tIns="0" rIns="0" bIns="0" anchor="ctr"/>
+          <a:lstStyle/>
           <a:p>
             <a:endParaRPr/>
           </a:p>
@@ -3564,7 +4039,8 @@
           </a:prstGeom>
         </p:spPr>
         <p:txBody>
-          <a:bodyPr bIns="0" lIns="0" rIns="0" tIns="0" wrap="none"/>
+          <a:bodyPr wrap="none" lIns="0" tIns="0" rIns="0" bIns="0"/>
+          <a:lstStyle/>
           <a:p>
             <a:endParaRPr/>
           </a:p>
@@ -3590,7 +4066,8 @@
           </a:prstGeom>
         </p:spPr>
         <p:txBody>
-          <a:bodyPr bIns="0" lIns="0" rIns="0" tIns="0" wrap="none"/>
+          <a:bodyPr wrap="none" lIns="0" tIns="0" rIns="0" bIns="0"/>
+          <a:lstStyle/>
           <a:p>
             <a:endParaRPr/>
           </a:p>
@@ -3616,7 +4093,8 @@
           </a:prstGeom>
         </p:spPr>
         <p:txBody>
-          <a:bodyPr bIns="0" lIns="0" rIns="0" tIns="0" wrap="none"/>
+          <a:bodyPr wrap="none" lIns="0" tIns="0" rIns="0" bIns="0"/>
+          <a:lstStyle/>
           <a:p>
             <a:endParaRPr/>
           </a:p>
@@ -3624,11 +4102,14 @@
       </p:sp>
     </p:spTree>
   </p:cSld>
+  <p:clrMapOvr>
+    <a:masterClrMapping/>
+  </p:clrMapOvr>
 </p:sldLayout>
 </file>
 
 <file path=ppt/slideLayouts/slideLayout22.xml><?xml version="1.0" encoding="utf-8"?>
-<p:sldLayout xmlns:a="http://schemas.openxmlformats.org/drawingml/2006/main" xmlns:p="http://schemas.openxmlformats.org/presentationml/2006/main" xmlns:r="http://schemas.openxmlformats.org/officeDocument/2006/relationships" preserve="1" type="objOverTx">
+<p:sldLayout xmlns:a="http://schemas.openxmlformats.org/drawingml/2006/main" xmlns:r="http://schemas.openxmlformats.org/officeDocument/2006/relationships" xmlns:p="http://schemas.openxmlformats.org/presentationml/2006/main" type="objOverTx" preserve="1">
   <p:cSld name="Title, Content over Content">
     <p:spTree>
       <p:nvGrpSpPr>
@@ -3664,7 +4145,8 @@
           </a:prstGeom>
         </p:spPr>
         <p:txBody>
-          <a:bodyPr anchor="ctr" bIns="0" lIns="0" rIns="0" tIns="0" wrap="none"/>
+          <a:bodyPr wrap="none" lIns="0" tIns="0" rIns="0" bIns="0" anchor="ctr"/>
+          <a:lstStyle/>
           <a:p>
             <a:endParaRPr/>
           </a:p>
@@ -3690,7 +4172,8 @@
           </a:prstGeom>
         </p:spPr>
         <p:txBody>
-          <a:bodyPr bIns="0" lIns="0" rIns="0" tIns="0" wrap="none"/>
+          <a:bodyPr wrap="none" lIns="0" tIns="0" rIns="0" bIns="0"/>
+          <a:lstStyle/>
           <a:p>
             <a:endParaRPr/>
           </a:p>
@@ -3716,7 +4199,8 @@
           </a:prstGeom>
         </p:spPr>
         <p:txBody>
-          <a:bodyPr bIns="0" lIns="0" rIns="0" tIns="0" wrap="none"/>
+          <a:bodyPr wrap="none" lIns="0" tIns="0" rIns="0" bIns="0"/>
+          <a:lstStyle/>
           <a:p>
             <a:endParaRPr/>
           </a:p>
@@ -3724,11 +4208,14 @@
       </p:sp>
     </p:spTree>
   </p:cSld>
+  <p:clrMapOvr>
+    <a:masterClrMapping/>
+  </p:clrMapOvr>
 </p:sldLayout>
 </file>
 
 <file path=ppt/slideLayouts/slideLayout23.xml><?xml version="1.0" encoding="utf-8"?>
-<p:sldLayout xmlns:a="http://schemas.openxmlformats.org/drawingml/2006/main" xmlns:p="http://schemas.openxmlformats.org/presentationml/2006/main" xmlns:r="http://schemas.openxmlformats.org/officeDocument/2006/relationships" preserve="1" type="fourObj">
+<p:sldLayout xmlns:a="http://schemas.openxmlformats.org/drawingml/2006/main" xmlns:r="http://schemas.openxmlformats.org/officeDocument/2006/relationships" xmlns:p="http://schemas.openxmlformats.org/presentationml/2006/main" type="fourObj" preserve="1">
   <p:cSld name="Title, 4 Content">
     <p:spTree>
       <p:nvGrpSpPr>
@@ -3764,7 +4251,8 @@
           </a:prstGeom>
         </p:spPr>
         <p:txBody>
-          <a:bodyPr anchor="ctr" bIns="0" lIns="0" rIns="0" tIns="0" wrap="none"/>
+          <a:bodyPr wrap="none" lIns="0" tIns="0" rIns="0" bIns="0" anchor="ctr"/>
+          <a:lstStyle/>
           <a:p>
             <a:endParaRPr/>
           </a:p>
@@ -3790,7 +4278,8 @@
           </a:prstGeom>
         </p:spPr>
         <p:txBody>
-          <a:bodyPr bIns="0" lIns="0" rIns="0" tIns="0" wrap="none"/>
+          <a:bodyPr wrap="none" lIns="0" tIns="0" rIns="0" bIns="0"/>
+          <a:lstStyle/>
           <a:p>
             <a:endParaRPr/>
           </a:p>
@@ -3816,7 +4305,8 @@
           </a:prstGeom>
         </p:spPr>
         <p:txBody>
-          <a:bodyPr bIns="0" lIns="0" rIns="0" tIns="0" wrap="none"/>
+          <a:bodyPr wrap="none" lIns="0" tIns="0" rIns="0" bIns="0"/>
+          <a:lstStyle/>
           <a:p>
             <a:endParaRPr/>
           </a:p>
@@ -3842,7 +4332,8 @@
           </a:prstGeom>
         </p:spPr>
         <p:txBody>
-          <a:bodyPr bIns="0" lIns="0" rIns="0" tIns="0" wrap="none"/>
+          <a:bodyPr wrap="none" lIns="0" tIns="0" rIns="0" bIns="0"/>
+          <a:lstStyle/>
           <a:p>
             <a:endParaRPr/>
           </a:p>
@@ -3868,7 +4359,8 @@
           </a:prstGeom>
         </p:spPr>
         <p:txBody>
-          <a:bodyPr bIns="0" lIns="0" rIns="0" tIns="0" wrap="none"/>
+          <a:bodyPr wrap="none" lIns="0" tIns="0" rIns="0" bIns="0"/>
+          <a:lstStyle/>
           <a:p>
             <a:endParaRPr/>
           </a:p>
@@ -3876,11 +4368,14 @@
       </p:sp>
     </p:spTree>
   </p:cSld>
+  <p:clrMapOvr>
+    <a:masterClrMapping/>
+  </p:clrMapOvr>
 </p:sldLayout>
 </file>
 
 <file path=ppt/slideLayouts/slideLayout24.xml><?xml version="1.0" encoding="utf-8"?>
-<p:sldLayout xmlns:a="http://schemas.openxmlformats.org/drawingml/2006/main" xmlns:p="http://schemas.openxmlformats.org/presentationml/2006/main" xmlns:r="http://schemas.openxmlformats.org/officeDocument/2006/relationships" preserve="1" type="blank">
+<p:sldLayout xmlns:a="http://schemas.openxmlformats.org/drawingml/2006/main" xmlns:r="http://schemas.openxmlformats.org/officeDocument/2006/relationships" xmlns:p="http://schemas.openxmlformats.org/presentationml/2006/main" type="blank" preserve="1">
   <p:cSld name="Title, 6 Content">
     <p:spTree>
       <p:nvGrpSpPr>
@@ -3916,7 +4411,8 @@
           </a:prstGeom>
         </p:spPr>
         <p:txBody>
-          <a:bodyPr anchor="ctr" bIns="0" lIns="0" rIns="0" tIns="0" wrap="none"/>
+          <a:bodyPr wrap="none" lIns="0" tIns="0" rIns="0" bIns="0" anchor="ctr"/>
+          <a:lstStyle/>
           <a:p>
             <a:endParaRPr/>
           </a:p>
@@ -3942,7 +4438,8 @@
           </a:prstGeom>
         </p:spPr>
         <p:txBody>
-          <a:bodyPr bIns="0" lIns="0" rIns="0" tIns="0" wrap="none"/>
+          <a:bodyPr wrap="none" lIns="0" tIns="0" rIns="0" bIns="0"/>
+          <a:lstStyle/>
           <a:p>
             <a:endParaRPr/>
           </a:p>
@@ -3968,7 +4465,8 @@
           </a:prstGeom>
         </p:spPr>
         <p:txBody>
-          <a:bodyPr bIns="0" lIns="0" rIns="0" tIns="0" wrap="none"/>
+          <a:bodyPr wrap="none" lIns="0" tIns="0" rIns="0" bIns="0"/>
+          <a:lstStyle/>
           <a:p>
             <a:endParaRPr/>
           </a:p>
@@ -3976,7 +4474,7 @@
       </p:sp>
       <p:pic>
         <p:nvPicPr>
-          <p:cNvPr descr="" id="76" name=""/>
+          <p:cNvPr id="76" name="Picture 75"/>
           <p:cNvPicPr/>
           <p:nvPr/>
         </p:nvPicPr>
@@ -4001,12 +4499,12 @@
       </p:pic>
       <p:pic>
         <p:nvPicPr>
-          <p:cNvPr descr="" id="77" name=""/>
+          <p:cNvPr id="77" name="Picture 76"/>
           <p:cNvPicPr/>
           <p:nvPr/>
         </p:nvPicPr>
         <p:blipFill>
-          <a:blip r:embed="rId3"/>
+          <a:blip r:embed="rId2"/>
           <a:stretch>
             <a:fillRect/>
           </a:stretch>
@@ -4026,11 +4524,14 @@
       </p:pic>
     </p:spTree>
   </p:cSld>
+  <p:clrMapOvr>
+    <a:masterClrMapping/>
+  </p:clrMapOvr>
 </p:sldLayout>
 </file>
 
 <file path=ppt/slideLayouts/slideLayout25.xml><?xml version="1.0" encoding="utf-8"?>
-<p:sldLayout xmlns:a="http://schemas.openxmlformats.org/drawingml/2006/main" xmlns:p="http://schemas.openxmlformats.org/presentationml/2006/main" xmlns:r="http://schemas.openxmlformats.org/officeDocument/2006/relationships" preserve="1" type="blank">
+<p:sldLayout xmlns:a="http://schemas.openxmlformats.org/drawingml/2006/main" xmlns:r="http://schemas.openxmlformats.org/officeDocument/2006/relationships" xmlns:p="http://schemas.openxmlformats.org/presentationml/2006/main" type="blank" preserve="1">
   <p:cSld name="Blank Slide">
     <p:spTree>
       <p:nvGrpSpPr>
@@ -4048,11 +4549,14 @@
       </p:grpSpPr>
     </p:spTree>
   </p:cSld>
+  <p:clrMapOvr>
+    <a:masterClrMapping/>
+  </p:clrMapOvr>
 </p:sldLayout>
 </file>
 
 <file path=ppt/slideLayouts/slideLayout26.xml><?xml version="1.0" encoding="utf-8"?>
-<p:sldLayout xmlns:a="http://schemas.openxmlformats.org/drawingml/2006/main" xmlns:p="http://schemas.openxmlformats.org/presentationml/2006/main" xmlns:r="http://schemas.openxmlformats.org/officeDocument/2006/relationships" preserve="1" type="tx">
+<p:sldLayout xmlns:a="http://schemas.openxmlformats.org/drawingml/2006/main" xmlns:r="http://schemas.openxmlformats.org/officeDocument/2006/relationships" xmlns:p="http://schemas.openxmlformats.org/presentationml/2006/main" type="tx" preserve="1">
   <p:cSld name="Title Slide">
     <p:spTree>
       <p:nvGrpSpPr>
@@ -4088,7 +4592,8 @@
           </a:prstGeom>
         </p:spPr>
         <p:txBody>
-          <a:bodyPr anchor="ctr" bIns="0" lIns="0" rIns="0" tIns="0" wrap="none"/>
+          <a:bodyPr wrap="none" lIns="0" tIns="0" rIns="0" bIns="0" anchor="ctr"/>
+          <a:lstStyle/>
           <a:p>
             <a:endParaRPr/>
           </a:p>
@@ -4114,7 +4619,8 @@
           </a:prstGeom>
         </p:spPr>
         <p:txBody>
-          <a:bodyPr anchor="ctr" bIns="0" lIns="0" rIns="0" tIns="0" wrap="none"/>
+          <a:bodyPr wrap="none" lIns="0" tIns="0" rIns="0" bIns="0" anchor="ctr"/>
+          <a:lstStyle/>
           <a:p>
             <a:pPr algn="ctr"/>
             <a:endParaRPr/>
@@ -4123,11 +4629,14 @@
       </p:sp>
     </p:spTree>
   </p:cSld>
+  <p:clrMapOvr>
+    <a:masterClrMapping/>
+  </p:clrMapOvr>
 </p:sldLayout>
 </file>
 
 <file path=ppt/slideLayouts/slideLayout27.xml><?xml version="1.0" encoding="utf-8"?>
-<p:sldLayout xmlns:a="http://schemas.openxmlformats.org/drawingml/2006/main" xmlns:p="http://schemas.openxmlformats.org/presentationml/2006/main" xmlns:r="http://schemas.openxmlformats.org/officeDocument/2006/relationships" preserve="1" type="obj">
+<p:sldLayout xmlns:a="http://schemas.openxmlformats.org/drawingml/2006/main" xmlns:r="http://schemas.openxmlformats.org/officeDocument/2006/relationships" xmlns:p="http://schemas.openxmlformats.org/presentationml/2006/main" type="obj" preserve="1">
   <p:cSld name="Title, Content">
     <p:spTree>
       <p:nvGrpSpPr>
@@ -4163,7 +4672,8 @@
           </a:prstGeom>
         </p:spPr>
         <p:txBody>
-          <a:bodyPr anchor="ctr" bIns="0" lIns="0" rIns="0" tIns="0" wrap="none"/>
+          <a:bodyPr wrap="none" lIns="0" tIns="0" rIns="0" bIns="0" anchor="ctr"/>
+          <a:lstStyle/>
           <a:p>
             <a:endParaRPr/>
           </a:p>
@@ -4189,7 +4699,8 @@
           </a:prstGeom>
         </p:spPr>
         <p:txBody>
-          <a:bodyPr bIns="0" lIns="0" rIns="0" tIns="0" wrap="none"/>
+          <a:bodyPr wrap="none" lIns="0" tIns="0" rIns="0" bIns="0"/>
+          <a:lstStyle/>
           <a:p>
             <a:endParaRPr/>
           </a:p>
@@ -4197,11 +4708,14 @@
       </p:sp>
     </p:spTree>
   </p:cSld>
+  <p:clrMapOvr>
+    <a:masterClrMapping/>
+  </p:clrMapOvr>
 </p:sldLayout>
 </file>
 
 <file path=ppt/slideLayouts/slideLayout28.xml><?xml version="1.0" encoding="utf-8"?>
-<p:sldLayout xmlns:a="http://schemas.openxmlformats.org/drawingml/2006/main" xmlns:p="http://schemas.openxmlformats.org/presentationml/2006/main" xmlns:r="http://schemas.openxmlformats.org/officeDocument/2006/relationships" preserve="1" type="twoObj">
+<p:sldLayout xmlns:a="http://schemas.openxmlformats.org/drawingml/2006/main" xmlns:r="http://schemas.openxmlformats.org/officeDocument/2006/relationships" xmlns:p="http://schemas.openxmlformats.org/presentationml/2006/main" type="twoObj" preserve="1">
   <p:cSld name="Title, 2 Content">
     <p:spTree>
       <p:nvGrpSpPr>
@@ -4237,7 +4751,8 @@
           </a:prstGeom>
         </p:spPr>
         <p:txBody>
-          <a:bodyPr anchor="ctr" bIns="0" lIns="0" rIns="0" tIns="0" wrap="none"/>
+          <a:bodyPr wrap="none" lIns="0" tIns="0" rIns="0" bIns="0" anchor="ctr"/>
+          <a:lstStyle/>
           <a:p>
             <a:endParaRPr/>
           </a:p>
@@ -4263,7 +4778,8 @@
           </a:prstGeom>
         </p:spPr>
         <p:txBody>
-          <a:bodyPr bIns="0" lIns="0" rIns="0" tIns="0" wrap="none"/>
+          <a:bodyPr wrap="none" lIns="0" tIns="0" rIns="0" bIns="0"/>
+          <a:lstStyle/>
           <a:p>
             <a:endParaRPr/>
           </a:p>
@@ -4289,7 +4805,8 @@
           </a:prstGeom>
         </p:spPr>
         <p:txBody>
-          <a:bodyPr bIns="0" lIns="0" rIns="0" tIns="0" wrap="none"/>
+          <a:bodyPr wrap="none" lIns="0" tIns="0" rIns="0" bIns="0"/>
+          <a:lstStyle/>
           <a:p>
             <a:endParaRPr/>
           </a:p>
@@ -4297,11 +4814,14 @@
       </p:sp>
     </p:spTree>
   </p:cSld>
+  <p:clrMapOvr>
+    <a:masterClrMapping/>
+  </p:clrMapOvr>
 </p:sldLayout>
 </file>
 
 <file path=ppt/slideLayouts/slideLayout29.xml><?xml version="1.0" encoding="utf-8"?>
-<p:sldLayout xmlns:a="http://schemas.openxmlformats.org/drawingml/2006/main" xmlns:p="http://schemas.openxmlformats.org/presentationml/2006/main" xmlns:r="http://schemas.openxmlformats.org/officeDocument/2006/relationships" preserve="1" type="titleOnly">
+<p:sldLayout xmlns:a="http://schemas.openxmlformats.org/drawingml/2006/main" xmlns:r="http://schemas.openxmlformats.org/officeDocument/2006/relationships" xmlns:p="http://schemas.openxmlformats.org/presentationml/2006/main" type="titleOnly" preserve="1">
   <p:cSld name="Title Only">
     <p:spTree>
       <p:nvGrpSpPr>
@@ -4337,7 +4857,8 @@
           </a:prstGeom>
         </p:spPr>
         <p:txBody>
-          <a:bodyPr anchor="ctr" bIns="0" lIns="0" rIns="0" tIns="0" wrap="none"/>
+          <a:bodyPr wrap="none" lIns="0" tIns="0" rIns="0" bIns="0" anchor="ctr"/>
+          <a:lstStyle/>
           <a:p>
             <a:endParaRPr/>
           </a:p>
@@ -4345,11 +4866,14 @@
       </p:sp>
     </p:spTree>
   </p:cSld>
+  <p:clrMapOvr>
+    <a:masterClrMapping/>
+  </p:clrMapOvr>
 </p:sldLayout>
 </file>
 
 <file path=ppt/slideLayouts/slideLayout3.xml><?xml version="1.0" encoding="utf-8"?>
-<p:sldLayout xmlns:a="http://schemas.openxmlformats.org/drawingml/2006/main" xmlns:p="http://schemas.openxmlformats.org/presentationml/2006/main" xmlns:r="http://schemas.openxmlformats.org/officeDocument/2006/relationships" preserve="1" type="obj">
+<p:sldLayout xmlns:a="http://schemas.openxmlformats.org/drawingml/2006/main" xmlns:r="http://schemas.openxmlformats.org/officeDocument/2006/relationships" xmlns:p="http://schemas.openxmlformats.org/presentationml/2006/main" type="obj" preserve="1">
   <p:cSld name="Title, Content">
     <p:spTree>
       <p:nvGrpSpPr>
@@ -4385,7 +4909,8 @@
           </a:prstGeom>
         </p:spPr>
         <p:txBody>
-          <a:bodyPr anchor="ctr" bIns="0" lIns="0" rIns="0" tIns="0" wrap="none"/>
+          <a:bodyPr wrap="none" lIns="0" tIns="0" rIns="0" bIns="0" anchor="ctr"/>
+          <a:lstStyle/>
           <a:p>
             <a:endParaRPr/>
           </a:p>
@@ -4411,7 +4936,8 @@
           </a:prstGeom>
         </p:spPr>
         <p:txBody>
-          <a:bodyPr bIns="0" lIns="0" rIns="0" tIns="0" wrap="none"/>
+          <a:bodyPr wrap="none" lIns="0" tIns="0" rIns="0" bIns="0"/>
+          <a:lstStyle/>
           <a:p>
             <a:endParaRPr/>
           </a:p>
@@ -4419,11 +4945,14 @@
       </p:sp>
     </p:spTree>
   </p:cSld>
+  <p:clrMapOvr>
+    <a:masterClrMapping/>
+  </p:clrMapOvr>
 </p:sldLayout>
 </file>
 
 <file path=ppt/slideLayouts/slideLayout30.xml><?xml version="1.0" encoding="utf-8"?>
-<p:sldLayout xmlns:a="http://schemas.openxmlformats.org/drawingml/2006/main" xmlns:p="http://schemas.openxmlformats.org/presentationml/2006/main" xmlns:r="http://schemas.openxmlformats.org/officeDocument/2006/relationships" preserve="1" type="objOnly">
+<p:sldLayout xmlns:a="http://schemas.openxmlformats.org/drawingml/2006/main" xmlns:r="http://schemas.openxmlformats.org/officeDocument/2006/relationships" xmlns:p="http://schemas.openxmlformats.org/presentationml/2006/main" type="objOnly" preserve="1">
   <p:cSld name="Centered Text">
     <p:spTree>
       <p:nvGrpSpPr>
@@ -4459,7 +4988,8 @@
           </a:prstGeom>
         </p:spPr>
         <p:txBody>
-          <a:bodyPr anchor="ctr" bIns="0" lIns="0" rIns="0" tIns="0" wrap="none"/>
+          <a:bodyPr wrap="none" lIns="0" tIns="0" rIns="0" bIns="0" anchor="ctr"/>
+          <a:lstStyle/>
           <a:p>
             <a:pPr algn="ctr"/>
             <a:endParaRPr/>
@@ -4468,11 +4998,14 @@
       </p:sp>
     </p:spTree>
   </p:cSld>
+  <p:clrMapOvr>
+    <a:masterClrMapping/>
+  </p:clrMapOvr>
 </p:sldLayout>
 </file>
 
 <file path=ppt/slideLayouts/slideLayout31.xml><?xml version="1.0" encoding="utf-8"?>
-<p:sldLayout xmlns:a="http://schemas.openxmlformats.org/drawingml/2006/main" xmlns:p="http://schemas.openxmlformats.org/presentationml/2006/main" xmlns:r="http://schemas.openxmlformats.org/officeDocument/2006/relationships" preserve="1" type="twoObjAndObj">
+<p:sldLayout xmlns:a="http://schemas.openxmlformats.org/drawingml/2006/main" xmlns:r="http://schemas.openxmlformats.org/officeDocument/2006/relationships" xmlns:p="http://schemas.openxmlformats.org/presentationml/2006/main" type="twoObjAndObj" preserve="1">
   <p:cSld name="Title, 2 Content and Content">
     <p:spTree>
       <p:nvGrpSpPr>
@@ -4508,7 +5041,8 @@
           </a:prstGeom>
         </p:spPr>
         <p:txBody>
-          <a:bodyPr anchor="ctr" bIns="0" lIns="0" rIns="0" tIns="0" wrap="none"/>
+          <a:bodyPr wrap="none" lIns="0" tIns="0" rIns="0" bIns="0" anchor="ctr"/>
+          <a:lstStyle/>
           <a:p>
             <a:endParaRPr/>
           </a:p>
@@ -4534,7 +5068,8 @@
           </a:prstGeom>
         </p:spPr>
         <p:txBody>
-          <a:bodyPr bIns="0" lIns="0" rIns="0" tIns="0" wrap="none"/>
+          <a:bodyPr wrap="none" lIns="0" tIns="0" rIns="0" bIns="0"/>
+          <a:lstStyle/>
           <a:p>
             <a:endParaRPr/>
           </a:p>
@@ -4560,7 +5095,8 @@
           </a:prstGeom>
         </p:spPr>
         <p:txBody>
-          <a:bodyPr bIns="0" lIns="0" rIns="0" tIns="0" wrap="none"/>
+          <a:bodyPr wrap="none" lIns="0" tIns="0" rIns="0" bIns="0"/>
+          <a:lstStyle/>
           <a:p>
             <a:endParaRPr/>
           </a:p>
@@ -4586,7 +5122,8 @@
           </a:prstGeom>
         </p:spPr>
         <p:txBody>
-          <a:bodyPr bIns="0" lIns="0" rIns="0" tIns="0" wrap="none"/>
+          <a:bodyPr wrap="none" lIns="0" tIns="0" rIns="0" bIns="0"/>
+          <a:lstStyle/>
           <a:p>
             <a:endParaRPr/>
           </a:p>
@@ -4594,11 +5131,14 @@
       </p:sp>
     </p:spTree>
   </p:cSld>
+  <p:clrMapOvr>
+    <a:masterClrMapping/>
+  </p:clrMapOvr>
 </p:sldLayout>
 </file>
 
 <file path=ppt/slideLayouts/slideLayout32.xml><?xml version="1.0" encoding="utf-8"?>
-<p:sldLayout xmlns:a="http://schemas.openxmlformats.org/drawingml/2006/main" xmlns:p="http://schemas.openxmlformats.org/presentationml/2006/main" xmlns:r="http://schemas.openxmlformats.org/officeDocument/2006/relationships" preserve="1" type="objAndTwoObj">
+<p:sldLayout xmlns:a="http://schemas.openxmlformats.org/drawingml/2006/main" xmlns:r="http://schemas.openxmlformats.org/officeDocument/2006/relationships" xmlns:p="http://schemas.openxmlformats.org/presentationml/2006/main" type="objAndTwoObj" preserve="1">
   <p:cSld name="Title Content and 2 Content">
     <p:spTree>
       <p:nvGrpSpPr>
@@ -4634,7 +5174,8 @@
           </a:prstGeom>
         </p:spPr>
         <p:txBody>
-          <a:bodyPr anchor="ctr" bIns="0" lIns="0" rIns="0" tIns="0" wrap="none"/>
+          <a:bodyPr wrap="none" lIns="0" tIns="0" rIns="0" bIns="0" anchor="ctr"/>
+          <a:lstStyle/>
           <a:p>
             <a:endParaRPr/>
           </a:p>
@@ -4660,7 +5201,8 @@
           </a:prstGeom>
         </p:spPr>
         <p:txBody>
-          <a:bodyPr bIns="0" lIns="0" rIns="0" tIns="0" wrap="none"/>
+          <a:bodyPr wrap="none" lIns="0" tIns="0" rIns="0" bIns="0"/>
+          <a:lstStyle/>
           <a:p>
             <a:endParaRPr/>
           </a:p>
@@ -4686,7 +5228,8 @@
           </a:prstGeom>
         </p:spPr>
         <p:txBody>
-          <a:bodyPr bIns="0" lIns="0" rIns="0" tIns="0" wrap="none"/>
+          <a:bodyPr wrap="none" lIns="0" tIns="0" rIns="0" bIns="0"/>
+          <a:lstStyle/>
           <a:p>
             <a:endParaRPr/>
           </a:p>
@@ -4712,7 +5255,8 @@
           </a:prstGeom>
         </p:spPr>
         <p:txBody>
-          <a:bodyPr bIns="0" lIns="0" rIns="0" tIns="0" wrap="none"/>
+          <a:bodyPr wrap="none" lIns="0" tIns="0" rIns="0" bIns="0"/>
+          <a:lstStyle/>
           <a:p>
             <a:endParaRPr/>
           </a:p>
@@ -4720,11 +5264,14 @@
       </p:sp>
     </p:spTree>
   </p:cSld>
+  <p:clrMapOvr>
+    <a:masterClrMapping/>
+  </p:clrMapOvr>
 </p:sldLayout>
 </file>
 
 <file path=ppt/slideLayouts/slideLayout33.xml><?xml version="1.0" encoding="utf-8"?>
-<p:sldLayout xmlns:a="http://schemas.openxmlformats.org/drawingml/2006/main" xmlns:p="http://schemas.openxmlformats.org/presentationml/2006/main" xmlns:r="http://schemas.openxmlformats.org/officeDocument/2006/relationships" preserve="1" type="twoObjOverTx">
+<p:sldLayout xmlns:a="http://schemas.openxmlformats.org/drawingml/2006/main" xmlns:r="http://schemas.openxmlformats.org/officeDocument/2006/relationships" xmlns:p="http://schemas.openxmlformats.org/presentationml/2006/main" type="twoObjOverTx" preserve="1">
   <p:cSld name="Title, 2 Content over Content">
     <p:spTree>
       <p:nvGrpSpPr>
@@ -4760,7 +5307,8 @@
           </a:prstGeom>
         </p:spPr>
         <p:txBody>
-          <a:bodyPr anchor="ctr" bIns="0" lIns="0" rIns="0" tIns="0" wrap="none"/>
+          <a:bodyPr wrap="none" lIns="0" tIns="0" rIns="0" bIns="0" anchor="ctr"/>
+          <a:lstStyle/>
           <a:p>
             <a:endParaRPr/>
           </a:p>
@@ -4786,7 +5334,8 @@
           </a:prstGeom>
         </p:spPr>
         <p:txBody>
-          <a:bodyPr bIns="0" lIns="0" rIns="0" tIns="0" wrap="none"/>
+          <a:bodyPr wrap="none" lIns="0" tIns="0" rIns="0" bIns="0"/>
+          <a:lstStyle/>
           <a:p>
             <a:endParaRPr/>
           </a:p>
@@ -4812,7 +5361,8 @@
           </a:prstGeom>
         </p:spPr>
         <p:txBody>
-          <a:bodyPr bIns="0" lIns="0" rIns="0" tIns="0" wrap="none"/>
+          <a:bodyPr wrap="none" lIns="0" tIns="0" rIns="0" bIns="0"/>
+          <a:lstStyle/>
           <a:p>
             <a:endParaRPr/>
           </a:p>
@@ -4838,7 +5388,8 @@
           </a:prstGeom>
         </p:spPr>
         <p:txBody>
-          <a:bodyPr bIns="0" lIns="0" rIns="0" tIns="0" wrap="none"/>
+          <a:bodyPr wrap="none" lIns="0" tIns="0" rIns="0" bIns="0"/>
+          <a:lstStyle/>
           <a:p>
             <a:endParaRPr/>
           </a:p>
@@ -4846,11 +5397,14 @@
       </p:sp>
     </p:spTree>
   </p:cSld>
+  <p:clrMapOvr>
+    <a:masterClrMapping/>
+  </p:clrMapOvr>
 </p:sldLayout>
 </file>
 
 <file path=ppt/slideLayouts/slideLayout34.xml><?xml version="1.0" encoding="utf-8"?>
-<p:sldLayout xmlns:a="http://schemas.openxmlformats.org/drawingml/2006/main" xmlns:p="http://schemas.openxmlformats.org/presentationml/2006/main" xmlns:r="http://schemas.openxmlformats.org/officeDocument/2006/relationships" preserve="1" type="objOverTx">
+<p:sldLayout xmlns:a="http://schemas.openxmlformats.org/drawingml/2006/main" xmlns:r="http://schemas.openxmlformats.org/officeDocument/2006/relationships" xmlns:p="http://schemas.openxmlformats.org/presentationml/2006/main" type="objOverTx" preserve="1">
   <p:cSld name="Title, Content over Content">
     <p:spTree>
       <p:nvGrpSpPr>
@@ -4886,7 +5440,8 @@
           </a:prstGeom>
         </p:spPr>
         <p:txBody>
-          <a:bodyPr anchor="ctr" bIns="0" lIns="0" rIns="0" tIns="0" wrap="none"/>
+          <a:bodyPr wrap="none" lIns="0" tIns="0" rIns="0" bIns="0" anchor="ctr"/>
+          <a:lstStyle/>
           <a:p>
             <a:endParaRPr/>
           </a:p>
@@ -4912,7 +5467,8 @@
           </a:prstGeom>
         </p:spPr>
         <p:txBody>
-          <a:bodyPr bIns="0" lIns="0" rIns="0" tIns="0" wrap="none"/>
+          <a:bodyPr wrap="none" lIns="0" tIns="0" rIns="0" bIns="0"/>
+          <a:lstStyle/>
           <a:p>
             <a:endParaRPr/>
           </a:p>
@@ -4938,7 +5494,8 @@
           </a:prstGeom>
         </p:spPr>
         <p:txBody>
-          <a:bodyPr bIns="0" lIns="0" rIns="0" tIns="0" wrap="none"/>
+          <a:bodyPr wrap="none" lIns="0" tIns="0" rIns="0" bIns="0"/>
+          <a:lstStyle/>
           <a:p>
             <a:endParaRPr/>
           </a:p>
@@ -4946,11 +5503,14 @@
       </p:sp>
     </p:spTree>
   </p:cSld>
+  <p:clrMapOvr>
+    <a:masterClrMapping/>
+  </p:clrMapOvr>
 </p:sldLayout>
 </file>
 
 <file path=ppt/slideLayouts/slideLayout35.xml><?xml version="1.0" encoding="utf-8"?>
-<p:sldLayout xmlns:a="http://schemas.openxmlformats.org/drawingml/2006/main" xmlns:p="http://schemas.openxmlformats.org/presentationml/2006/main" xmlns:r="http://schemas.openxmlformats.org/officeDocument/2006/relationships" preserve="1" type="fourObj">
+<p:sldLayout xmlns:a="http://schemas.openxmlformats.org/drawingml/2006/main" xmlns:r="http://schemas.openxmlformats.org/officeDocument/2006/relationships" xmlns:p="http://schemas.openxmlformats.org/presentationml/2006/main" type="fourObj" preserve="1">
   <p:cSld name="Title, 4 Content">
     <p:spTree>
       <p:nvGrpSpPr>
@@ -4986,7 +5546,8 @@
           </a:prstGeom>
         </p:spPr>
         <p:txBody>
-          <a:bodyPr anchor="ctr" bIns="0" lIns="0" rIns="0" tIns="0" wrap="none"/>
+          <a:bodyPr wrap="none" lIns="0" tIns="0" rIns="0" bIns="0" anchor="ctr"/>
+          <a:lstStyle/>
           <a:p>
             <a:endParaRPr/>
           </a:p>
@@ -5012,7 +5573,8 @@
           </a:prstGeom>
         </p:spPr>
         <p:txBody>
-          <a:bodyPr bIns="0" lIns="0" rIns="0" tIns="0" wrap="none"/>
+          <a:bodyPr wrap="none" lIns="0" tIns="0" rIns="0" bIns="0"/>
+          <a:lstStyle/>
           <a:p>
             <a:endParaRPr/>
           </a:p>
@@ -5038,7 +5600,8 @@
           </a:prstGeom>
         </p:spPr>
         <p:txBody>
-          <a:bodyPr bIns="0" lIns="0" rIns="0" tIns="0" wrap="none"/>
+          <a:bodyPr wrap="none" lIns="0" tIns="0" rIns="0" bIns="0"/>
+          <a:lstStyle/>
           <a:p>
             <a:endParaRPr/>
           </a:p>
@@ -5064,7 +5627,8 @@
           </a:prstGeom>
         </p:spPr>
         <p:txBody>
-          <a:bodyPr bIns="0" lIns="0" rIns="0" tIns="0" wrap="none"/>
+          <a:bodyPr wrap="none" lIns="0" tIns="0" rIns="0" bIns="0"/>
+          <a:lstStyle/>
           <a:p>
             <a:endParaRPr/>
           </a:p>
@@ -5090,7 +5654,8 @@
           </a:prstGeom>
         </p:spPr>
         <p:txBody>
-          <a:bodyPr bIns="0" lIns="0" rIns="0" tIns="0" wrap="none"/>
+          <a:bodyPr wrap="none" lIns="0" tIns="0" rIns="0" bIns="0"/>
+          <a:lstStyle/>
           <a:p>
             <a:endParaRPr/>
           </a:p>
@@ -5098,11 +5663,14 @@
       </p:sp>
     </p:spTree>
   </p:cSld>
+  <p:clrMapOvr>
+    <a:masterClrMapping/>
+  </p:clrMapOvr>
 </p:sldLayout>
 </file>
 
 <file path=ppt/slideLayouts/slideLayout36.xml><?xml version="1.0" encoding="utf-8"?>
-<p:sldLayout xmlns:a="http://schemas.openxmlformats.org/drawingml/2006/main" xmlns:p="http://schemas.openxmlformats.org/presentationml/2006/main" xmlns:r="http://schemas.openxmlformats.org/officeDocument/2006/relationships" preserve="1" type="blank">
+<p:sldLayout xmlns:a="http://schemas.openxmlformats.org/drawingml/2006/main" xmlns:r="http://schemas.openxmlformats.org/officeDocument/2006/relationships" xmlns:p="http://schemas.openxmlformats.org/presentationml/2006/main" type="blank" preserve="1">
   <p:cSld name="Title, 6 Content">
     <p:spTree>
       <p:nvGrpSpPr>
@@ -5138,7 +5706,8 @@
           </a:prstGeom>
         </p:spPr>
         <p:txBody>
-          <a:bodyPr anchor="ctr" bIns="0" lIns="0" rIns="0" tIns="0" wrap="none"/>
+          <a:bodyPr wrap="none" lIns="0" tIns="0" rIns="0" bIns="0" anchor="ctr"/>
+          <a:lstStyle/>
           <a:p>
             <a:endParaRPr/>
           </a:p>
@@ -5164,7 +5733,8 @@
           </a:prstGeom>
         </p:spPr>
         <p:txBody>
-          <a:bodyPr bIns="0" lIns="0" rIns="0" tIns="0" wrap="none"/>
+          <a:bodyPr wrap="none" lIns="0" tIns="0" rIns="0" bIns="0"/>
+          <a:lstStyle/>
           <a:p>
             <a:endParaRPr/>
           </a:p>
@@ -5190,7 +5760,8 @@
           </a:prstGeom>
         </p:spPr>
         <p:txBody>
-          <a:bodyPr bIns="0" lIns="0" rIns="0" tIns="0" wrap="none"/>
+          <a:bodyPr wrap="none" lIns="0" tIns="0" rIns="0" bIns="0"/>
+          <a:lstStyle/>
           <a:p>
             <a:endParaRPr/>
           </a:p>
@@ -5198,7 +5769,7 @@
       </p:sp>
       <p:pic>
         <p:nvPicPr>
-          <p:cNvPr descr="" id="114" name=""/>
+          <p:cNvPr id="114" name="Picture 113"/>
           <p:cNvPicPr/>
           <p:nvPr/>
         </p:nvPicPr>
@@ -5223,12 +5794,12 @@
       </p:pic>
       <p:pic>
         <p:nvPicPr>
-          <p:cNvPr descr="" id="115" name=""/>
+          <p:cNvPr id="115" name="Picture 114"/>
           <p:cNvPicPr/>
           <p:nvPr/>
         </p:nvPicPr>
         <p:blipFill>
-          <a:blip r:embed="rId3"/>
+          <a:blip r:embed="rId2"/>
           <a:stretch>
             <a:fillRect/>
           </a:stretch>
@@ -5248,11 +5819,14 @@
       </p:pic>
     </p:spTree>
   </p:cSld>
+  <p:clrMapOvr>
+    <a:masterClrMapping/>
+  </p:clrMapOvr>
 </p:sldLayout>
 </file>
 
 <file path=ppt/slideLayouts/slideLayout37.xml><?xml version="1.0" encoding="utf-8"?>
-<p:sldLayout xmlns:a="http://schemas.openxmlformats.org/drawingml/2006/main" xmlns:p="http://schemas.openxmlformats.org/presentationml/2006/main" xmlns:r="http://schemas.openxmlformats.org/officeDocument/2006/relationships" preserve="1" type="blank">
+<p:sldLayout xmlns:a="http://schemas.openxmlformats.org/drawingml/2006/main" xmlns:r="http://schemas.openxmlformats.org/officeDocument/2006/relationships" xmlns:p="http://schemas.openxmlformats.org/presentationml/2006/main" type="blank" preserve="1">
   <p:cSld name="Blank Slide">
     <p:spTree>
       <p:nvGrpSpPr>
@@ -5270,11 +5844,14 @@
       </p:grpSpPr>
     </p:spTree>
   </p:cSld>
+  <p:clrMapOvr>
+    <a:masterClrMapping/>
+  </p:clrMapOvr>
 </p:sldLayout>
 </file>
 
 <file path=ppt/slideLayouts/slideLayout38.xml><?xml version="1.0" encoding="utf-8"?>
-<p:sldLayout xmlns:a="http://schemas.openxmlformats.org/drawingml/2006/main" xmlns:p="http://schemas.openxmlformats.org/presentationml/2006/main" xmlns:r="http://schemas.openxmlformats.org/officeDocument/2006/relationships" preserve="1" type="tx">
+<p:sldLayout xmlns:a="http://schemas.openxmlformats.org/drawingml/2006/main" xmlns:r="http://schemas.openxmlformats.org/officeDocument/2006/relationships" xmlns:p="http://schemas.openxmlformats.org/presentationml/2006/main" type="tx" preserve="1">
   <p:cSld name="Title Slide">
     <p:spTree>
       <p:nvGrpSpPr>
@@ -5310,7 +5887,8 @@
           </a:prstGeom>
         </p:spPr>
         <p:txBody>
-          <a:bodyPr anchor="ctr" bIns="0" lIns="0" rIns="0" tIns="0" wrap="none"/>
+          <a:bodyPr wrap="none" lIns="0" tIns="0" rIns="0" bIns="0" anchor="ctr"/>
+          <a:lstStyle/>
           <a:p>
             <a:endParaRPr/>
           </a:p>
@@ -5336,7 +5914,8 @@
           </a:prstGeom>
         </p:spPr>
         <p:txBody>
-          <a:bodyPr anchor="ctr" bIns="0" lIns="0" rIns="0" tIns="0" wrap="none"/>
+          <a:bodyPr wrap="none" lIns="0" tIns="0" rIns="0" bIns="0" anchor="ctr"/>
+          <a:lstStyle/>
           <a:p>
             <a:pPr algn="ctr"/>
             <a:endParaRPr/>
@@ -5345,11 +5924,14 @@
       </p:sp>
     </p:spTree>
   </p:cSld>
+  <p:clrMapOvr>
+    <a:masterClrMapping/>
+  </p:clrMapOvr>
 </p:sldLayout>
 </file>
 
 <file path=ppt/slideLayouts/slideLayout39.xml><?xml version="1.0" encoding="utf-8"?>
-<p:sldLayout xmlns:a="http://schemas.openxmlformats.org/drawingml/2006/main" xmlns:p="http://schemas.openxmlformats.org/presentationml/2006/main" xmlns:r="http://schemas.openxmlformats.org/officeDocument/2006/relationships" preserve="1" type="obj">
+<p:sldLayout xmlns:a="http://schemas.openxmlformats.org/drawingml/2006/main" xmlns:r="http://schemas.openxmlformats.org/officeDocument/2006/relationships" xmlns:p="http://schemas.openxmlformats.org/presentationml/2006/main" type="obj" preserve="1">
   <p:cSld name="Title, Content">
     <p:spTree>
       <p:nvGrpSpPr>
@@ -5385,7 +5967,8 @@
           </a:prstGeom>
         </p:spPr>
         <p:txBody>
-          <a:bodyPr anchor="ctr" bIns="0" lIns="0" rIns="0" tIns="0" wrap="none"/>
+          <a:bodyPr wrap="none" lIns="0" tIns="0" rIns="0" bIns="0" anchor="ctr"/>
+          <a:lstStyle/>
           <a:p>
             <a:endParaRPr/>
           </a:p>
@@ -5411,7 +5994,8 @@
           </a:prstGeom>
         </p:spPr>
         <p:txBody>
-          <a:bodyPr bIns="0" lIns="0" rIns="0" tIns="0" wrap="none"/>
+          <a:bodyPr wrap="none" lIns="0" tIns="0" rIns="0" bIns="0"/>
+          <a:lstStyle/>
           <a:p>
             <a:endParaRPr/>
           </a:p>
@@ -5419,11 +6003,14 @@
       </p:sp>
     </p:spTree>
   </p:cSld>
+  <p:clrMapOvr>
+    <a:masterClrMapping/>
+  </p:clrMapOvr>
 </p:sldLayout>
 </file>
 
 <file path=ppt/slideLayouts/slideLayout4.xml><?xml version="1.0" encoding="utf-8"?>
-<p:sldLayout xmlns:a="http://schemas.openxmlformats.org/drawingml/2006/main" xmlns:p="http://schemas.openxmlformats.org/presentationml/2006/main" xmlns:r="http://schemas.openxmlformats.org/officeDocument/2006/relationships" preserve="1" type="twoObj">
+<p:sldLayout xmlns:a="http://schemas.openxmlformats.org/drawingml/2006/main" xmlns:r="http://schemas.openxmlformats.org/officeDocument/2006/relationships" xmlns:p="http://schemas.openxmlformats.org/presentationml/2006/main" type="twoObj" preserve="1">
   <p:cSld name="Title, 2 Content">
     <p:spTree>
       <p:nvGrpSpPr>
@@ -5459,7 +6046,8 @@
           </a:prstGeom>
         </p:spPr>
         <p:txBody>
-          <a:bodyPr anchor="ctr" bIns="0" lIns="0" rIns="0" tIns="0" wrap="none"/>
+          <a:bodyPr wrap="none" lIns="0" tIns="0" rIns="0" bIns="0" anchor="ctr"/>
+          <a:lstStyle/>
           <a:p>
             <a:endParaRPr/>
           </a:p>
@@ -5485,7 +6073,8 @@
           </a:prstGeom>
         </p:spPr>
         <p:txBody>
-          <a:bodyPr bIns="0" lIns="0" rIns="0" tIns="0" wrap="none"/>
+          <a:bodyPr wrap="none" lIns="0" tIns="0" rIns="0" bIns="0"/>
+          <a:lstStyle/>
           <a:p>
             <a:endParaRPr/>
           </a:p>
@@ -5511,7 +6100,8 @@
           </a:prstGeom>
         </p:spPr>
         <p:txBody>
-          <a:bodyPr bIns="0" lIns="0" rIns="0" tIns="0" wrap="none"/>
+          <a:bodyPr wrap="none" lIns="0" tIns="0" rIns="0" bIns="0"/>
+          <a:lstStyle/>
           <a:p>
             <a:endParaRPr/>
           </a:p>
@@ -5519,11 +6109,14 @@
       </p:sp>
     </p:spTree>
   </p:cSld>
+  <p:clrMapOvr>
+    <a:masterClrMapping/>
+  </p:clrMapOvr>
 </p:sldLayout>
 </file>
 
 <file path=ppt/slideLayouts/slideLayout40.xml><?xml version="1.0" encoding="utf-8"?>
-<p:sldLayout xmlns:a="http://schemas.openxmlformats.org/drawingml/2006/main" xmlns:p="http://schemas.openxmlformats.org/presentationml/2006/main" xmlns:r="http://schemas.openxmlformats.org/officeDocument/2006/relationships" preserve="1" type="twoObj">
+<p:sldLayout xmlns:a="http://schemas.openxmlformats.org/drawingml/2006/main" xmlns:r="http://schemas.openxmlformats.org/officeDocument/2006/relationships" xmlns:p="http://schemas.openxmlformats.org/presentationml/2006/main" type="twoObj" preserve="1">
   <p:cSld name="Title, 2 Content">
     <p:spTree>
       <p:nvGrpSpPr>
@@ -5559,7 +6152,8 @@
           </a:prstGeom>
         </p:spPr>
         <p:txBody>
-          <a:bodyPr anchor="ctr" bIns="0" lIns="0" rIns="0" tIns="0" wrap="none"/>
+          <a:bodyPr wrap="none" lIns="0" tIns="0" rIns="0" bIns="0" anchor="ctr"/>
+          <a:lstStyle/>
           <a:p>
             <a:endParaRPr/>
           </a:p>
@@ -5585,7 +6179,8 @@
           </a:prstGeom>
         </p:spPr>
         <p:txBody>
-          <a:bodyPr bIns="0" lIns="0" rIns="0" tIns="0" wrap="none"/>
+          <a:bodyPr wrap="none" lIns="0" tIns="0" rIns="0" bIns="0"/>
+          <a:lstStyle/>
           <a:p>
             <a:endParaRPr/>
           </a:p>
@@ -5611,7 +6206,8 @@
           </a:prstGeom>
         </p:spPr>
         <p:txBody>
-          <a:bodyPr bIns="0" lIns="0" rIns="0" tIns="0" wrap="none"/>
+          <a:bodyPr wrap="none" lIns="0" tIns="0" rIns="0" bIns="0"/>
+          <a:lstStyle/>
           <a:p>
             <a:endParaRPr/>
           </a:p>
@@ -5619,11 +6215,14 @@
       </p:sp>
     </p:spTree>
   </p:cSld>
+  <p:clrMapOvr>
+    <a:masterClrMapping/>
+  </p:clrMapOvr>
 </p:sldLayout>
 </file>
 
 <file path=ppt/slideLayouts/slideLayout41.xml><?xml version="1.0" encoding="utf-8"?>
-<p:sldLayout xmlns:a="http://schemas.openxmlformats.org/drawingml/2006/main" xmlns:p="http://schemas.openxmlformats.org/presentationml/2006/main" xmlns:r="http://schemas.openxmlformats.org/officeDocument/2006/relationships" preserve="1" type="titleOnly">
+<p:sldLayout xmlns:a="http://schemas.openxmlformats.org/drawingml/2006/main" xmlns:r="http://schemas.openxmlformats.org/officeDocument/2006/relationships" xmlns:p="http://schemas.openxmlformats.org/presentationml/2006/main" type="titleOnly" preserve="1">
   <p:cSld name="Title Only">
     <p:spTree>
       <p:nvGrpSpPr>
@@ -5659,7 +6258,8 @@
           </a:prstGeom>
         </p:spPr>
         <p:txBody>
-          <a:bodyPr anchor="ctr" bIns="0" lIns="0" rIns="0" tIns="0" wrap="none"/>
+          <a:bodyPr wrap="none" lIns="0" tIns="0" rIns="0" bIns="0" anchor="ctr"/>
+          <a:lstStyle/>
           <a:p>
             <a:endParaRPr/>
           </a:p>
@@ -5667,11 +6267,14 @@
       </p:sp>
     </p:spTree>
   </p:cSld>
+  <p:clrMapOvr>
+    <a:masterClrMapping/>
+  </p:clrMapOvr>
 </p:sldLayout>
 </file>
 
 <file path=ppt/slideLayouts/slideLayout42.xml><?xml version="1.0" encoding="utf-8"?>
-<p:sldLayout xmlns:a="http://schemas.openxmlformats.org/drawingml/2006/main" xmlns:p="http://schemas.openxmlformats.org/presentationml/2006/main" xmlns:r="http://schemas.openxmlformats.org/officeDocument/2006/relationships" preserve="1" type="objOnly">
+<p:sldLayout xmlns:a="http://schemas.openxmlformats.org/drawingml/2006/main" xmlns:r="http://schemas.openxmlformats.org/officeDocument/2006/relationships" xmlns:p="http://schemas.openxmlformats.org/presentationml/2006/main" type="objOnly" preserve="1">
   <p:cSld name="Centered Text">
     <p:spTree>
       <p:nvGrpSpPr>
@@ -5707,7 +6310,8 @@
           </a:prstGeom>
         </p:spPr>
         <p:txBody>
-          <a:bodyPr anchor="ctr" bIns="0" lIns="0" rIns="0" tIns="0" wrap="none"/>
+          <a:bodyPr wrap="none" lIns="0" tIns="0" rIns="0" bIns="0" anchor="ctr"/>
+          <a:lstStyle/>
           <a:p>
             <a:pPr algn="ctr"/>
             <a:endParaRPr/>
@@ -5716,11 +6320,14 @@
       </p:sp>
     </p:spTree>
   </p:cSld>
+  <p:clrMapOvr>
+    <a:masterClrMapping/>
+  </p:clrMapOvr>
 </p:sldLayout>
 </file>
 
 <file path=ppt/slideLayouts/slideLayout43.xml><?xml version="1.0" encoding="utf-8"?>
-<p:sldLayout xmlns:a="http://schemas.openxmlformats.org/drawingml/2006/main" xmlns:p="http://schemas.openxmlformats.org/presentationml/2006/main" xmlns:r="http://schemas.openxmlformats.org/officeDocument/2006/relationships" preserve="1" type="twoObjAndObj">
+<p:sldLayout xmlns:a="http://schemas.openxmlformats.org/drawingml/2006/main" xmlns:r="http://schemas.openxmlformats.org/officeDocument/2006/relationships" xmlns:p="http://schemas.openxmlformats.org/presentationml/2006/main" type="twoObjAndObj" preserve="1">
   <p:cSld name="Title, 2 Content and Content">
     <p:spTree>
       <p:nvGrpSpPr>
@@ -5756,7 +6363,8 @@
           </a:prstGeom>
         </p:spPr>
         <p:txBody>
-          <a:bodyPr anchor="ctr" bIns="0" lIns="0" rIns="0" tIns="0" wrap="none"/>
+          <a:bodyPr wrap="none" lIns="0" tIns="0" rIns="0" bIns="0" anchor="ctr"/>
+          <a:lstStyle/>
           <a:p>
             <a:endParaRPr/>
           </a:p>
@@ -5782,7 +6390,8 @@
           </a:prstGeom>
         </p:spPr>
         <p:txBody>
-          <a:bodyPr bIns="0" lIns="0" rIns="0" tIns="0" wrap="none"/>
+          <a:bodyPr wrap="none" lIns="0" tIns="0" rIns="0" bIns="0"/>
+          <a:lstStyle/>
           <a:p>
             <a:endParaRPr/>
           </a:p>
@@ -5808,7 +6417,8 @@
           </a:prstGeom>
         </p:spPr>
         <p:txBody>
-          <a:bodyPr bIns="0" lIns="0" rIns="0" tIns="0" wrap="none"/>
+          <a:bodyPr wrap="none" lIns="0" tIns="0" rIns="0" bIns="0"/>
+          <a:lstStyle/>
           <a:p>
             <a:endParaRPr/>
           </a:p>
@@ -5834,7 +6444,8 @@
           </a:prstGeom>
         </p:spPr>
         <p:txBody>
-          <a:bodyPr bIns="0" lIns="0" rIns="0" tIns="0" wrap="none"/>
+          <a:bodyPr wrap="none" lIns="0" tIns="0" rIns="0" bIns="0"/>
+          <a:lstStyle/>
           <a:p>
             <a:endParaRPr/>
           </a:p>
@@ -5842,11 +6453,14 @@
       </p:sp>
     </p:spTree>
   </p:cSld>
+  <p:clrMapOvr>
+    <a:masterClrMapping/>
+  </p:clrMapOvr>
 </p:sldLayout>
 </file>
 
 <file path=ppt/slideLayouts/slideLayout44.xml><?xml version="1.0" encoding="utf-8"?>
-<p:sldLayout xmlns:a="http://schemas.openxmlformats.org/drawingml/2006/main" xmlns:p="http://schemas.openxmlformats.org/presentationml/2006/main" xmlns:r="http://schemas.openxmlformats.org/officeDocument/2006/relationships" preserve="1" type="objAndTwoObj">
+<p:sldLayout xmlns:a="http://schemas.openxmlformats.org/drawingml/2006/main" xmlns:r="http://schemas.openxmlformats.org/officeDocument/2006/relationships" xmlns:p="http://schemas.openxmlformats.org/presentationml/2006/main" type="objAndTwoObj" preserve="1">
   <p:cSld name="Title Content and 2 Content">
     <p:spTree>
       <p:nvGrpSpPr>
@@ -5882,7 +6496,8 @@
           </a:prstGeom>
         </p:spPr>
         <p:txBody>
-          <a:bodyPr anchor="ctr" bIns="0" lIns="0" rIns="0" tIns="0" wrap="none"/>
+          <a:bodyPr wrap="none" lIns="0" tIns="0" rIns="0" bIns="0" anchor="ctr"/>
+          <a:lstStyle/>
           <a:p>
             <a:endParaRPr/>
           </a:p>
@@ -5908,7 +6523,8 @@
           </a:prstGeom>
         </p:spPr>
         <p:txBody>
-          <a:bodyPr bIns="0" lIns="0" rIns="0" tIns="0" wrap="none"/>
+          <a:bodyPr wrap="none" lIns="0" tIns="0" rIns="0" bIns="0"/>
+          <a:lstStyle/>
           <a:p>
             <a:endParaRPr/>
           </a:p>
@@ -5934,7 +6550,8 @@
           </a:prstGeom>
         </p:spPr>
         <p:txBody>
-          <a:bodyPr bIns="0" lIns="0" rIns="0" tIns="0" wrap="none"/>
+          <a:bodyPr wrap="none" lIns="0" tIns="0" rIns="0" bIns="0"/>
+          <a:lstStyle/>
           <a:p>
             <a:endParaRPr/>
           </a:p>
@@ -5960,7 +6577,8 @@
           </a:prstGeom>
         </p:spPr>
         <p:txBody>
-          <a:bodyPr bIns="0" lIns="0" rIns="0" tIns="0" wrap="none"/>
+          <a:bodyPr wrap="none" lIns="0" tIns="0" rIns="0" bIns="0"/>
+          <a:lstStyle/>
           <a:p>
             <a:endParaRPr/>
           </a:p>
@@ -5968,11 +6586,14 @@
       </p:sp>
     </p:spTree>
   </p:cSld>
+  <p:clrMapOvr>
+    <a:masterClrMapping/>
+  </p:clrMapOvr>
 </p:sldLayout>
 </file>
 
 <file path=ppt/slideLayouts/slideLayout45.xml><?xml version="1.0" encoding="utf-8"?>
-<p:sldLayout xmlns:a="http://schemas.openxmlformats.org/drawingml/2006/main" xmlns:p="http://schemas.openxmlformats.org/presentationml/2006/main" xmlns:r="http://schemas.openxmlformats.org/officeDocument/2006/relationships" preserve="1" type="twoObjOverTx">
+<p:sldLayout xmlns:a="http://schemas.openxmlformats.org/drawingml/2006/main" xmlns:r="http://schemas.openxmlformats.org/officeDocument/2006/relationships" xmlns:p="http://schemas.openxmlformats.org/presentationml/2006/main" type="twoObjOverTx" preserve="1">
   <p:cSld name="Title, 2 Content over Content">
     <p:spTree>
       <p:nvGrpSpPr>
@@ -6008,7 +6629,8 @@
           </a:prstGeom>
         </p:spPr>
         <p:txBody>
-          <a:bodyPr anchor="ctr" bIns="0" lIns="0" rIns="0" tIns="0" wrap="none"/>
+          <a:bodyPr wrap="none" lIns="0" tIns="0" rIns="0" bIns="0" anchor="ctr"/>
+          <a:lstStyle/>
           <a:p>
             <a:endParaRPr/>
           </a:p>
@@ -6034,7 +6656,8 @@
           </a:prstGeom>
         </p:spPr>
         <p:txBody>
-          <a:bodyPr bIns="0" lIns="0" rIns="0" tIns="0" wrap="none"/>
+          <a:bodyPr wrap="none" lIns="0" tIns="0" rIns="0" bIns="0"/>
+          <a:lstStyle/>
           <a:p>
             <a:endParaRPr/>
           </a:p>
@@ -6060,7 +6683,8 @@
           </a:prstGeom>
         </p:spPr>
         <p:txBody>
-          <a:bodyPr bIns="0" lIns="0" rIns="0" tIns="0" wrap="none"/>
+          <a:bodyPr wrap="none" lIns="0" tIns="0" rIns="0" bIns="0"/>
+          <a:lstStyle/>
           <a:p>
             <a:endParaRPr/>
           </a:p>
@@ -6086,7 +6710,8 @@
           </a:prstGeom>
         </p:spPr>
         <p:txBody>
-          <a:bodyPr bIns="0" lIns="0" rIns="0" tIns="0" wrap="none"/>
+          <a:bodyPr wrap="none" lIns="0" tIns="0" rIns="0" bIns="0"/>
+          <a:lstStyle/>
           <a:p>
             <a:endParaRPr/>
           </a:p>
@@ -6094,11 +6719,14 @@
       </p:sp>
     </p:spTree>
   </p:cSld>
+  <p:clrMapOvr>
+    <a:masterClrMapping/>
+  </p:clrMapOvr>
 </p:sldLayout>
 </file>
 
 <file path=ppt/slideLayouts/slideLayout46.xml><?xml version="1.0" encoding="utf-8"?>
-<p:sldLayout xmlns:a="http://schemas.openxmlformats.org/drawingml/2006/main" xmlns:p="http://schemas.openxmlformats.org/presentationml/2006/main" xmlns:r="http://schemas.openxmlformats.org/officeDocument/2006/relationships" preserve="1" type="objOverTx">
+<p:sldLayout xmlns:a="http://schemas.openxmlformats.org/drawingml/2006/main" xmlns:r="http://schemas.openxmlformats.org/officeDocument/2006/relationships" xmlns:p="http://schemas.openxmlformats.org/presentationml/2006/main" type="objOverTx" preserve="1">
   <p:cSld name="Title, Content over Content">
     <p:spTree>
       <p:nvGrpSpPr>
@@ -6134,7 +6762,8 @@
           </a:prstGeom>
         </p:spPr>
         <p:txBody>
-          <a:bodyPr anchor="ctr" bIns="0" lIns="0" rIns="0" tIns="0" wrap="none"/>
+          <a:bodyPr wrap="none" lIns="0" tIns="0" rIns="0" bIns="0" anchor="ctr"/>
+          <a:lstStyle/>
           <a:p>
             <a:endParaRPr/>
           </a:p>
@@ -6160,7 +6789,8 @@
           </a:prstGeom>
         </p:spPr>
         <p:txBody>
-          <a:bodyPr bIns="0" lIns="0" rIns="0" tIns="0" wrap="none"/>
+          <a:bodyPr wrap="none" lIns="0" tIns="0" rIns="0" bIns="0"/>
+          <a:lstStyle/>
           <a:p>
             <a:endParaRPr/>
           </a:p>
@@ -6186,7 +6816,8 @@
           </a:prstGeom>
         </p:spPr>
         <p:txBody>
-          <a:bodyPr bIns="0" lIns="0" rIns="0" tIns="0" wrap="none"/>
+          <a:bodyPr wrap="none" lIns="0" tIns="0" rIns="0" bIns="0"/>
+          <a:lstStyle/>
           <a:p>
             <a:endParaRPr/>
           </a:p>
@@ -6194,11 +6825,14 @@
       </p:sp>
     </p:spTree>
   </p:cSld>
+  <p:clrMapOvr>
+    <a:masterClrMapping/>
+  </p:clrMapOvr>
 </p:sldLayout>
 </file>
 
 <file path=ppt/slideLayouts/slideLayout47.xml><?xml version="1.0" encoding="utf-8"?>
-<p:sldLayout xmlns:a="http://schemas.openxmlformats.org/drawingml/2006/main" xmlns:p="http://schemas.openxmlformats.org/presentationml/2006/main" xmlns:r="http://schemas.openxmlformats.org/officeDocument/2006/relationships" preserve="1" type="fourObj">
+<p:sldLayout xmlns:a="http://schemas.openxmlformats.org/drawingml/2006/main" xmlns:r="http://schemas.openxmlformats.org/officeDocument/2006/relationships" xmlns:p="http://schemas.openxmlformats.org/presentationml/2006/main" type="fourObj" preserve="1">
   <p:cSld name="Title, 4 Content">
     <p:spTree>
       <p:nvGrpSpPr>
@@ -6234,7 +6868,8 @@
           </a:prstGeom>
         </p:spPr>
         <p:txBody>
-          <a:bodyPr anchor="ctr" bIns="0" lIns="0" rIns="0" tIns="0" wrap="none"/>
+          <a:bodyPr wrap="none" lIns="0" tIns="0" rIns="0" bIns="0" anchor="ctr"/>
+          <a:lstStyle/>
           <a:p>
             <a:endParaRPr/>
           </a:p>
@@ -6260,7 +6895,8 @@
           </a:prstGeom>
         </p:spPr>
         <p:txBody>
-          <a:bodyPr bIns="0" lIns="0" rIns="0" tIns="0" wrap="none"/>
+          <a:bodyPr wrap="none" lIns="0" tIns="0" rIns="0" bIns="0"/>
+          <a:lstStyle/>
           <a:p>
             <a:endParaRPr/>
           </a:p>
@@ -6286,7 +6922,8 @@
           </a:prstGeom>
         </p:spPr>
         <p:txBody>
-          <a:bodyPr bIns="0" lIns="0" rIns="0" tIns="0" wrap="none"/>
+          <a:bodyPr wrap="none" lIns="0" tIns="0" rIns="0" bIns="0"/>
+          <a:lstStyle/>
           <a:p>
             <a:endParaRPr/>
           </a:p>
@@ -6312,7 +6949,8 @@
           </a:prstGeom>
         </p:spPr>
         <p:txBody>
-          <a:bodyPr bIns="0" lIns="0" rIns="0" tIns="0" wrap="none"/>
+          <a:bodyPr wrap="none" lIns="0" tIns="0" rIns="0" bIns="0"/>
+          <a:lstStyle/>
           <a:p>
             <a:endParaRPr/>
           </a:p>
@@ -6338,7 +6976,8 @@
           </a:prstGeom>
         </p:spPr>
         <p:txBody>
-          <a:bodyPr bIns="0" lIns="0" rIns="0" tIns="0" wrap="none"/>
+          <a:bodyPr wrap="none" lIns="0" tIns="0" rIns="0" bIns="0"/>
+          <a:lstStyle/>
           <a:p>
             <a:endParaRPr/>
           </a:p>
@@ -6346,11 +6985,14 @@
       </p:sp>
     </p:spTree>
   </p:cSld>
+  <p:clrMapOvr>
+    <a:masterClrMapping/>
+  </p:clrMapOvr>
 </p:sldLayout>
 </file>
 
 <file path=ppt/slideLayouts/slideLayout48.xml><?xml version="1.0" encoding="utf-8"?>
-<p:sldLayout xmlns:a="http://schemas.openxmlformats.org/drawingml/2006/main" xmlns:p="http://schemas.openxmlformats.org/presentationml/2006/main" xmlns:r="http://schemas.openxmlformats.org/officeDocument/2006/relationships" preserve="1" type="blank">
+<p:sldLayout xmlns:a="http://schemas.openxmlformats.org/drawingml/2006/main" xmlns:r="http://schemas.openxmlformats.org/officeDocument/2006/relationships" xmlns:p="http://schemas.openxmlformats.org/presentationml/2006/main" type="blank" preserve="1">
   <p:cSld name="Title, 6 Content">
     <p:spTree>
       <p:nvGrpSpPr>
@@ -6386,7 +7028,8 @@
           </a:prstGeom>
         </p:spPr>
         <p:txBody>
-          <a:bodyPr anchor="ctr" bIns="0" lIns="0" rIns="0" tIns="0" wrap="none"/>
+          <a:bodyPr wrap="none" lIns="0" tIns="0" rIns="0" bIns="0" anchor="ctr"/>
+          <a:lstStyle/>
           <a:p>
             <a:endParaRPr/>
           </a:p>
@@ -6412,7 +7055,8 @@
           </a:prstGeom>
         </p:spPr>
         <p:txBody>
-          <a:bodyPr bIns="0" lIns="0" rIns="0" tIns="0" wrap="none"/>
+          <a:bodyPr wrap="none" lIns="0" tIns="0" rIns="0" bIns="0"/>
+          <a:lstStyle/>
           <a:p>
             <a:endParaRPr/>
           </a:p>
@@ -6438,7 +7082,8 @@
           </a:prstGeom>
         </p:spPr>
         <p:txBody>
-          <a:bodyPr bIns="0" lIns="0" rIns="0" tIns="0" wrap="none"/>
+          <a:bodyPr wrap="none" lIns="0" tIns="0" rIns="0" bIns="0"/>
+          <a:lstStyle/>
           <a:p>
             <a:endParaRPr/>
           </a:p>
@@ -6446,7 +7091,7 @@
       </p:sp>
       <p:pic>
         <p:nvPicPr>
-          <p:cNvPr descr="" id="152" name=""/>
+          <p:cNvPr id="152" name="Picture 151"/>
           <p:cNvPicPr/>
           <p:nvPr/>
         </p:nvPicPr>
@@ -6471,12 +7116,12 @@
       </p:pic>
       <p:pic>
         <p:nvPicPr>
-          <p:cNvPr descr="" id="153" name=""/>
+          <p:cNvPr id="153" name="Picture 152"/>
           <p:cNvPicPr/>
           <p:nvPr/>
         </p:nvPicPr>
         <p:blipFill>
-          <a:blip r:embed="rId3"/>
+          <a:blip r:embed="rId2"/>
           <a:stretch>
             <a:fillRect/>
           </a:stretch>
@@ -6496,11 +7141,14 @@
       </p:pic>
     </p:spTree>
   </p:cSld>
+  <p:clrMapOvr>
+    <a:masterClrMapping/>
+  </p:clrMapOvr>
 </p:sldLayout>
 </file>
 
 <file path=ppt/slideLayouts/slideLayout5.xml><?xml version="1.0" encoding="utf-8"?>
-<p:sldLayout xmlns:a="http://schemas.openxmlformats.org/drawingml/2006/main" xmlns:p="http://schemas.openxmlformats.org/presentationml/2006/main" xmlns:r="http://schemas.openxmlformats.org/officeDocument/2006/relationships" preserve="1" type="titleOnly">
+<p:sldLayout xmlns:a="http://schemas.openxmlformats.org/drawingml/2006/main" xmlns:r="http://schemas.openxmlformats.org/officeDocument/2006/relationships" xmlns:p="http://schemas.openxmlformats.org/presentationml/2006/main" type="titleOnly" preserve="1">
   <p:cSld name="Title Only">
     <p:spTree>
       <p:nvGrpSpPr>
@@ -6536,7 +7184,8 @@
           </a:prstGeom>
         </p:spPr>
         <p:txBody>
-          <a:bodyPr anchor="ctr" bIns="0" lIns="0" rIns="0" tIns="0" wrap="none"/>
+          <a:bodyPr wrap="none" lIns="0" tIns="0" rIns="0" bIns="0" anchor="ctr"/>
+          <a:lstStyle/>
           <a:p>
             <a:endParaRPr/>
           </a:p>
@@ -6544,11 +7193,14 @@
       </p:sp>
     </p:spTree>
   </p:cSld>
+  <p:clrMapOvr>
+    <a:masterClrMapping/>
+  </p:clrMapOvr>
 </p:sldLayout>
 </file>
 
 <file path=ppt/slideLayouts/slideLayout6.xml><?xml version="1.0" encoding="utf-8"?>
-<p:sldLayout xmlns:a="http://schemas.openxmlformats.org/drawingml/2006/main" xmlns:p="http://schemas.openxmlformats.org/presentationml/2006/main" xmlns:r="http://schemas.openxmlformats.org/officeDocument/2006/relationships" preserve="1" type="objOnly">
+<p:sldLayout xmlns:a="http://schemas.openxmlformats.org/drawingml/2006/main" xmlns:r="http://schemas.openxmlformats.org/officeDocument/2006/relationships" xmlns:p="http://schemas.openxmlformats.org/presentationml/2006/main" type="objOnly" preserve="1">
   <p:cSld name="Centered Text">
     <p:spTree>
       <p:nvGrpSpPr>
@@ -6584,7 +7236,8 @@
           </a:prstGeom>
         </p:spPr>
         <p:txBody>
-          <a:bodyPr anchor="ctr" bIns="0" lIns="0" rIns="0" tIns="0" wrap="none"/>
+          <a:bodyPr wrap="none" lIns="0" tIns="0" rIns="0" bIns="0" anchor="ctr"/>
+          <a:lstStyle/>
           <a:p>
             <a:pPr algn="ctr"/>
             <a:endParaRPr/>
@@ -6593,11 +7246,14 @@
       </p:sp>
     </p:spTree>
   </p:cSld>
+  <p:clrMapOvr>
+    <a:masterClrMapping/>
+  </p:clrMapOvr>
 </p:sldLayout>
 </file>
 
 <file path=ppt/slideLayouts/slideLayout7.xml><?xml version="1.0" encoding="utf-8"?>
-<p:sldLayout xmlns:a="http://schemas.openxmlformats.org/drawingml/2006/main" xmlns:p="http://schemas.openxmlformats.org/presentationml/2006/main" xmlns:r="http://schemas.openxmlformats.org/officeDocument/2006/relationships" preserve="1" type="twoObjAndObj">
+<p:sldLayout xmlns:a="http://schemas.openxmlformats.org/drawingml/2006/main" xmlns:r="http://schemas.openxmlformats.org/officeDocument/2006/relationships" xmlns:p="http://schemas.openxmlformats.org/presentationml/2006/main" type="twoObjAndObj" preserve="1">
   <p:cSld name="Title, 2 Content and Content">
     <p:spTree>
       <p:nvGrpSpPr>
@@ -6633,7 +7289,8 @@
           </a:prstGeom>
         </p:spPr>
         <p:txBody>
-          <a:bodyPr anchor="ctr" bIns="0" lIns="0" rIns="0" tIns="0" wrap="none"/>
+          <a:bodyPr wrap="none" lIns="0" tIns="0" rIns="0" bIns="0" anchor="ctr"/>
+          <a:lstStyle/>
           <a:p>
             <a:endParaRPr/>
           </a:p>
@@ -6659,7 +7316,8 @@
           </a:prstGeom>
         </p:spPr>
         <p:txBody>
-          <a:bodyPr bIns="0" lIns="0" rIns="0" tIns="0" wrap="none"/>
+          <a:bodyPr wrap="none" lIns="0" tIns="0" rIns="0" bIns="0"/>
+          <a:lstStyle/>
           <a:p>
             <a:endParaRPr/>
           </a:p>
@@ -6685,7 +7343,8 @@
           </a:prstGeom>
         </p:spPr>
         <p:txBody>
-          <a:bodyPr bIns="0" lIns="0" rIns="0" tIns="0" wrap="none"/>
+          <a:bodyPr wrap="none" lIns="0" tIns="0" rIns="0" bIns="0"/>
+          <a:lstStyle/>
           <a:p>
             <a:endParaRPr/>
           </a:p>
@@ -6711,7 +7370,8 @@
           </a:prstGeom>
         </p:spPr>
         <p:txBody>
-          <a:bodyPr bIns="0" lIns="0" rIns="0" tIns="0" wrap="none"/>
+          <a:bodyPr wrap="none" lIns="0" tIns="0" rIns="0" bIns="0"/>
+          <a:lstStyle/>
           <a:p>
             <a:endParaRPr/>
           </a:p>
@@ -6719,11 +7379,14 @@
       </p:sp>
     </p:spTree>
   </p:cSld>
+  <p:clrMapOvr>
+    <a:masterClrMapping/>
+  </p:clrMapOvr>
 </p:sldLayout>
 </file>
 
 <file path=ppt/slideLayouts/slideLayout8.xml><?xml version="1.0" encoding="utf-8"?>
-<p:sldLayout xmlns:a="http://schemas.openxmlformats.org/drawingml/2006/main" xmlns:p="http://schemas.openxmlformats.org/presentationml/2006/main" xmlns:r="http://schemas.openxmlformats.org/officeDocument/2006/relationships" preserve="1" type="objAndTwoObj">
+<p:sldLayout xmlns:a="http://schemas.openxmlformats.org/drawingml/2006/main" xmlns:r="http://schemas.openxmlformats.org/officeDocument/2006/relationships" xmlns:p="http://schemas.openxmlformats.org/presentationml/2006/main" type="objAndTwoObj" preserve="1">
   <p:cSld name="Title Content and 2 Content">
     <p:spTree>
       <p:nvGrpSpPr>
@@ -6759,7 +7422,8 @@
           </a:prstGeom>
         </p:spPr>
         <p:txBody>
-          <a:bodyPr anchor="ctr" bIns="0" lIns="0" rIns="0" tIns="0" wrap="none"/>
+          <a:bodyPr wrap="none" lIns="0" tIns="0" rIns="0" bIns="0" anchor="ctr"/>
+          <a:lstStyle/>
           <a:p>
             <a:endParaRPr/>
           </a:p>
@@ -6785,7 +7449,8 @@
           </a:prstGeom>
         </p:spPr>
         <p:txBody>
-          <a:bodyPr bIns="0" lIns="0" rIns="0" tIns="0" wrap="none"/>
+          <a:bodyPr wrap="none" lIns="0" tIns="0" rIns="0" bIns="0"/>
+          <a:lstStyle/>
           <a:p>
             <a:endParaRPr/>
           </a:p>
@@ -6811,7 +7476,8 @@
           </a:prstGeom>
         </p:spPr>
         <p:txBody>
-          <a:bodyPr bIns="0" lIns="0" rIns="0" tIns="0" wrap="none"/>
+          <a:bodyPr wrap="none" lIns="0" tIns="0" rIns="0" bIns="0"/>
+          <a:lstStyle/>
           <a:p>
             <a:endParaRPr/>
           </a:p>
@@ -6837,7 +7503,8 @@
           </a:prstGeom>
         </p:spPr>
         <p:txBody>
-          <a:bodyPr bIns="0" lIns="0" rIns="0" tIns="0" wrap="none"/>
+          <a:bodyPr wrap="none" lIns="0" tIns="0" rIns="0" bIns="0"/>
+          <a:lstStyle/>
           <a:p>
             <a:endParaRPr/>
           </a:p>
@@ -6845,11 +7512,14 @@
       </p:sp>
     </p:spTree>
   </p:cSld>
+  <p:clrMapOvr>
+    <a:masterClrMapping/>
+  </p:clrMapOvr>
 </p:sldLayout>
 </file>
 
 <file path=ppt/slideLayouts/slideLayout9.xml><?xml version="1.0" encoding="utf-8"?>
-<p:sldLayout xmlns:a="http://schemas.openxmlformats.org/drawingml/2006/main" xmlns:p="http://schemas.openxmlformats.org/presentationml/2006/main" xmlns:r="http://schemas.openxmlformats.org/officeDocument/2006/relationships" preserve="1" type="twoObjOverTx">
+<p:sldLayout xmlns:a="http://schemas.openxmlformats.org/drawingml/2006/main" xmlns:r="http://schemas.openxmlformats.org/officeDocument/2006/relationships" xmlns:p="http://schemas.openxmlformats.org/presentationml/2006/main" type="twoObjOverTx" preserve="1">
   <p:cSld name="Title, 2 Content over Content">
     <p:spTree>
       <p:nvGrpSpPr>
@@ -6885,7 +7555,8 @@
           </a:prstGeom>
         </p:spPr>
         <p:txBody>
-          <a:bodyPr anchor="ctr" bIns="0" lIns="0" rIns="0" tIns="0" wrap="none"/>
+          <a:bodyPr wrap="none" lIns="0" tIns="0" rIns="0" bIns="0" anchor="ctr"/>
+          <a:lstStyle/>
           <a:p>
             <a:endParaRPr/>
           </a:p>
@@ -6911,7 +7582,8 @@
           </a:prstGeom>
         </p:spPr>
         <p:txBody>
-          <a:bodyPr bIns="0" lIns="0" rIns="0" tIns="0" wrap="none"/>
+          <a:bodyPr wrap="none" lIns="0" tIns="0" rIns="0" bIns="0"/>
+          <a:lstStyle/>
           <a:p>
             <a:endParaRPr/>
           </a:p>
@@ -6937,7 +7609,8 @@
           </a:prstGeom>
         </p:spPr>
         <p:txBody>
-          <a:bodyPr bIns="0" lIns="0" rIns="0" tIns="0" wrap="none"/>
+          <a:bodyPr wrap="none" lIns="0" tIns="0" rIns="0" bIns="0"/>
+          <a:lstStyle/>
           <a:p>
             <a:endParaRPr/>
           </a:p>
@@ -6963,7 +7636,8 @@
           </a:prstGeom>
         </p:spPr>
         <p:txBody>
-          <a:bodyPr bIns="0" lIns="0" rIns="0" tIns="0" wrap="none"/>
+          <a:bodyPr wrap="none" lIns="0" tIns="0" rIns="0" bIns="0"/>
+          <a:lstStyle/>
           <a:p>
             <a:endParaRPr/>
           </a:p>
@@ -6971,17 +7645,21 @@
       </p:sp>
     </p:spTree>
   </p:cSld>
+  <p:clrMapOvr>
+    <a:masterClrMapping/>
+  </p:clrMapOvr>
 </p:sldLayout>
 </file>
 
 <file path=ppt/slideMasters/slideMaster1.xml><?xml version="1.0" encoding="utf-8"?>
-<p:sldMaster xmlns:a="http://schemas.openxmlformats.org/drawingml/2006/main" xmlns:p="http://schemas.openxmlformats.org/presentationml/2006/main" xmlns:r="http://schemas.openxmlformats.org/officeDocument/2006/relationships">
+<p:sldMaster xmlns:a="http://schemas.openxmlformats.org/drawingml/2006/main" xmlns:r="http://schemas.openxmlformats.org/officeDocument/2006/relationships" xmlns:p="http://schemas.openxmlformats.org/presentationml/2006/main">
   <p:cSld>
     <p:bg>
       <p:bgPr>
         <a:solidFill>
-          <a:srgbClr val="ffffff"/>
+          <a:srgbClr val="FFFFFF"/>
         </a:solidFill>
+        <a:effectLst/>
       </p:bgPr>
     </p:bg>
     <p:spTree>
@@ -7000,12 +7678,12 @@
       </p:grpSpPr>
       <p:pic>
         <p:nvPicPr>
-          <p:cNvPr descr="" id="0" name="Picture 3"/>
+          <p:cNvPr id="4" name="Picture 3"/>
           <p:cNvPicPr/>
           <p:nvPr/>
         </p:nvPicPr>
         <p:blipFill>
-          <a:blip r:embed="rId2"/>
+          <a:blip r:embed="rId14"/>
           <a:stretch>
             <a:fillRect/>
           </a:stretch>
@@ -7025,12 +7703,12 @@
       </p:pic>
       <p:pic>
         <p:nvPicPr>
-          <p:cNvPr descr="" id="1" name="Picture 4"/>
+          <p:cNvPr id="5" name="Picture 4"/>
           <p:cNvPicPr/>
           <p:nvPr/>
         </p:nvPicPr>
         <p:blipFill>
-          <a:blip r:embed="rId3"/>
+          <a:blip r:embed="rId15"/>
           <a:stretch>
             <a:fillRect/>
           </a:stretch>
@@ -7069,6 +7747,7 @@
         </p:spPr>
         <p:txBody>
           <a:bodyPr anchor="ctr"/>
+          <a:lstStyle/>
           <a:p>
             <a:pPr algn="ctr">
               <a:lnSpc>
@@ -7108,7 +7787,8 @@
           </a:prstGeom>
         </p:spPr>
         <p:txBody>
-          <a:bodyPr bIns="0" lIns="0" rIns="0" tIns="0" wrap="none"/>
+          <a:bodyPr wrap="none" lIns="0" tIns="0" rIns="0" bIns="0"/>
+          <a:lstStyle/>
           <a:p>
             <a:pPr>
               <a:buSzPct val="25000"/>
@@ -7197,32 +7877,313 @@
       </p:sp>
     </p:spTree>
   </p:cSld>
-  <p:clrMap accent1="accent1" accent2="accent2" accent3="accent3" accent4="accent4" accent5="accent5" accent6="accent6" bg1="lt1" bg2="lt2" folHlink="folHlink" hlink="hlink" tx1="dk1" tx2="dk2"/>
+  <p:clrMap bg1="lt1" tx1="dk1" bg2="lt2" tx2="dk2" accent1="accent1" accent2="accent2" accent3="accent3" accent4="accent4" accent5="accent5" accent6="accent6" hlink="hlink" folHlink="folHlink"/>
   <p:sldLayoutIdLst>
-    <p:sldLayoutId id="2147483649" r:id="rId4"/>
-    <p:sldLayoutId id="2147483650" r:id="rId5"/>
-    <p:sldLayoutId id="2147483651" r:id="rId6"/>
-    <p:sldLayoutId id="2147483652" r:id="rId7"/>
-    <p:sldLayoutId id="2147483653" r:id="rId8"/>
-    <p:sldLayoutId id="2147483654" r:id="rId9"/>
-    <p:sldLayoutId id="2147483655" r:id="rId10"/>
-    <p:sldLayoutId id="2147483656" r:id="rId11"/>
-    <p:sldLayoutId id="2147483657" r:id="rId12"/>
-    <p:sldLayoutId id="2147483658" r:id="rId13"/>
-    <p:sldLayoutId id="2147483659" r:id="rId14"/>
-    <p:sldLayoutId id="2147483660" r:id="rId15"/>
+    <p:sldLayoutId id="2147483649" r:id="rId1"/>
+    <p:sldLayoutId id="2147483650" r:id="rId2"/>
+    <p:sldLayoutId id="2147483651" r:id="rId3"/>
+    <p:sldLayoutId id="2147483652" r:id="rId4"/>
+    <p:sldLayoutId id="2147483653" r:id="rId5"/>
+    <p:sldLayoutId id="2147483654" r:id="rId6"/>
+    <p:sldLayoutId id="2147483655" r:id="rId7"/>
+    <p:sldLayoutId id="2147483656" r:id="rId8"/>
+    <p:sldLayoutId id="2147483657" r:id="rId9"/>
+    <p:sldLayoutId id="2147483658" r:id="rId10"/>
+    <p:sldLayoutId id="2147483659" r:id="rId11"/>
+    <p:sldLayoutId id="2147483660" r:id="rId12"/>
   </p:sldLayoutIdLst>
+  <p:txStyles>
+    <p:titleStyle>
+      <a:lvl1pPr algn="l" defTabSz="914400" rtl="0" eaLnBrk="1" latinLnBrk="0" hangingPunct="1">
+        <a:lnSpc>
+          <a:spcPct val="90000"/>
+        </a:lnSpc>
+        <a:spcBef>
+          <a:spcPct val="0"/>
+        </a:spcBef>
+        <a:buNone/>
+        <a:defRPr sz="4400" kern="1200">
+          <a:solidFill>
+            <a:schemeClr val="tx1"/>
+          </a:solidFill>
+          <a:latin typeface="+mj-lt"/>
+          <a:ea typeface="+mj-ea"/>
+          <a:cs typeface="+mj-cs"/>
+        </a:defRPr>
+      </a:lvl1pPr>
+    </p:titleStyle>
+    <p:bodyStyle>
+      <a:lvl1pPr marL="228600" indent="-228600" algn="l" defTabSz="914400" rtl="0" eaLnBrk="1" latinLnBrk="0" hangingPunct="1">
+        <a:lnSpc>
+          <a:spcPct val="90000"/>
+        </a:lnSpc>
+        <a:spcBef>
+          <a:spcPts val="1000"/>
+        </a:spcBef>
+        <a:buFont typeface="Arial"/>
+        <a:buChar char="•"/>
+        <a:defRPr sz="2800" kern="1200">
+          <a:solidFill>
+            <a:schemeClr val="tx1"/>
+          </a:solidFill>
+          <a:latin typeface="+mn-lt"/>
+          <a:ea typeface="+mn-ea"/>
+          <a:cs typeface="+mn-cs"/>
+        </a:defRPr>
+      </a:lvl1pPr>
+      <a:lvl2pPr marL="685800" indent="-228600" algn="l" defTabSz="914400" rtl="0" eaLnBrk="1" latinLnBrk="0" hangingPunct="1">
+        <a:lnSpc>
+          <a:spcPct val="90000"/>
+        </a:lnSpc>
+        <a:spcBef>
+          <a:spcPts val="500"/>
+        </a:spcBef>
+        <a:buFont typeface="Arial"/>
+        <a:buChar char="•"/>
+        <a:defRPr sz="2400" kern="1200">
+          <a:solidFill>
+            <a:schemeClr val="tx1"/>
+          </a:solidFill>
+          <a:latin typeface="+mn-lt"/>
+          <a:ea typeface="+mn-ea"/>
+          <a:cs typeface="+mn-cs"/>
+        </a:defRPr>
+      </a:lvl2pPr>
+      <a:lvl3pPr marL="1143000" indent="-228600" algn="l" defTabSz="914400" rtl="0" eaLnBrk="1" latinLnBrk="0" hangingPunct="1">
+        <a:lnSpc>
+          <a:spcPct val="90000"/>
+        </a:lnSpc>
+        <a:spcBef>
+          <a:spcPts val="500"/>
+        </a:spcBef>
+        <a:buFont typeface="Arial"/>
+        <a:buChar char="•"/>
+        <a:defRPr sz="2000" kern="1200">
+          <a:solidFill>
+            <a:schemeClr val="tx1"/>
+          </a:solidFill>
+          <a:latin typeface="+mn-lt"/>
+          <a:ea typeface="+mn-ea"/>
+          <a:cs typeface="+mn-cs"/>
+        </a:defRPr>
+      </a:lvl3pPr>
+      <a:lvl4pPr marL="1600200" indent="-228600" algn="l" defTabSz="914400" rtl="0" eaLnBrk="1" latinLnBrk="0" hangingPunct="1">
+        <a:lnSpc>
+          <a:spcPct val="90000"/>
+        </a:lnSpc>
+        <a:spcBef>
+          <a:spcPts val="500"/>
+        </a:spcBef>
+        <a:buFont typeface="Arial"/>
+        <a:buChar char="•"/>
+        <a:defRPr sz="1800" kern="1200">
+          <a:solidFill>
+            <a:schemeClr val="tx1"/>
+          </a:solidFill>
+          <a:latin typeface="+mn-lt"/>
+          <a:ea typeface="+mn-ea"/>
+          <a:cs typeface="+mn-cs"/>
+        </a:defRPr>
+      </a:lvl4pPr>
+      <a:lvl5pPr marL="2057400" indent="-228600" algn="l" defTabSz="914400" rtl="0" eaLnBrk="1" latinLnBrk="0" hangingPunct="1">
+        <a:lnSpc>
+          <a:spcPct val="90000"/>
+        </a:lnSpc>
+        <a:spcBef>
+          <a:spcPts val="500"/>
+        </a:spcBef>
+        <a:buFont typeface="Arial"/>
+        <a:buChar char="•"/>
+        <a:defRPr sz="1800" kern="1200">
+          <a:solidFill>
+            <a:schemeClr val="tx1"/>
+          </a:solidFill>
+          <a:latin typeface="+mn-lt"/>
+          <a:ea typeface="+mn-ea"/>
+          <a:cs typeface="+mn-cs"/>
+        </a:defRPr>
+      </a:lvl5pPr>
+      <a:lvl6pPr marL="2514600" indent="-228600" algn="l" defTabSz="914400" rtl="0" eaLnBrk="1" latinLnBrk="0" hangingPunct="1">
+        <a:lnSpc>
+          <a:spcPct val="90000"/>
+        </a:lnSpc>
+        <a:spcBef>
+          <a:spcPts val="500"/>
+        </a:spcBef>
+        <a:buFont typeface="Arial"/>
+        <a:buChar char="•"/>
+        <a:defRPr sz="1800" kern="1200">
+          <a:solidFill>
+            <a:schemeClr val="tx1"/>
+          </a:solidFill>
+          <a:latin typeface="+mn-lt"/>
+          <a:ea typeface="+mn-ea"/>
+          <a:cs typeface="+mn-cs"/>
+        </a:defRPr>
+      </a:lvl6pPr>
+      <a:lvl7pPr marL="2971800" indent="-228600" algn="l" defTabSz="914400" rtl="0" eaLnBrk="1" latinLnBrk="0" hangingPunct="1">
+        <a:lnSpc>
+          <a:spcPct val="90000"/>
+        </a:lnSpc>
+        <a:spcBef>
+          <a:spcPts val="500"/>
+        </a:spcBef>
+        <a:buFont typeface="Arial"/>
+        <a:buChar char="•"/>
+        <a:defRPr sz="1800" kern="1200">
+          <a:solidFill>
+            <a:schemeClr val="tx1"/>
+          </a:solidFill>
+          <a:latin typeface="+mn-lt"/>
+          <a:ea typeface="+mn-ea"/>
+          <a:cs typeface="+mn-cs"/>
+        </a:defRPr>
+      </a:lvl7pPr>
+      <a:lvl8pPr marL="3429000" indent="-228600" algn="l" defTabSz="914400" rtl="0" eaLnBrk="1" latinLnBrk="0" hangingPunct="1">
+        <a:lnSpc>
+          <a:spcPct val="90000"/>
+        </a:lnSpc>
+        <a:spcBef>
+          <a:spcPts val="500"/>
+        </a:spcBef>
+        <a:buFont typeface="Arial"/>
+        <a:buChar char="•"/>
+        <a:defRPr sz="1800" kern="1200">
+          <a:solidFill>
+            <a:schemeClr val="tx1"/>
+          </a:solidFill>
+          <a:latin typeface="+mn-lt"/>
+          <a:ea typeface="+mn-ea"/>
+          <a:cs typeface="+mn-cs"/>
+        </a:defRPr>
+      </a:lvl8pPr>
+      <a:lvl9pPr marL="3886200" indent="-228600" algn="l" defTabSz="914400" rtl="0" eaLnBrk="1" latinLnBrk="0" hangingPunct="1">
+        <a:lnSpc>
+          <a:spcPct val="90000"/>
+        </a:lnSpc>
+        <a:spcBef>
+          <a:spcPts val="500"/>
+        </a:spcBef>
+        <a:buFont typeface="Arial"/>
+        <a:buChar char="•"/>
+        <a:defRPr sz="1800" kern="1200">
+          <a:solidFill>
+            <a:schemeClr val="tx1"/>
+          </a:solidFill>
+          <a:latin typeface="+mn-lt"/>
+          <a:ea typeface="+mn-ea"/>
+          <a:cs typeface="+mn-cs"/>
+        </a:defRPr>
+      </a:lvl9pPr>
+    </p:bodyStyle>
+    <p:otherStyle>
+      <a:defPPr>
+        <a:defRPr lang="en-US"/>
+      </a:defPPr>
+      <a:lvl1pPr marL="0" algn="l" defTabSz="914400" rtl="0" eaLnBrk="1" latinLnBrk="0" hangingPunct="1">
+        <a:defRPr sz="1800" kern="1200">
+          <a:solidFill>
+            <a:schemeClr val="tx1"/>
+          </a:solidFill>
+          <a:latin typeface="+mn-lt"/>
+          <a:ea typeface="+mn-ea"/>
+          <a:cs typeface="+mn-cs"/>
+        </a:defRPr>
+      </a:lvl1pPr>
+      <a:lvl2pPr marL="457200" algn="l" defTabSz="914400" rtl="0" eaLnBrk="1" latinLnBrk="0" hangingPunct="1">
+        <a:defRPr sz="1800" kern="1200">
+          <a:solidFill>
+            <a:schemeClr val="tx1"/>
+          </a:solidFill>
+          <a:latin typeface="+mn-lt"/>
+          <a:ea typeface="+mn-ea"/>
+          <a:cs typeface="+mn-cs"/>
+        </a:defRPr>
+      </a:lvl2pPr>
+      <a:lvl3pPr marL="914400" algn="l" defTabSz="914400" rtl="0" eaLnBrk="1" latinLnBrk="0" hangingPunct="1">
+        <a:defRPr sz="1800" kern="1200">
+          <a:solidFill>
+            <a:schemeClr val="tx1"/>
+          </a:solidFill>
+          <a:latin typeface="+mn-lt"/>
+          <a:ea typeface="+mn-ea"/>
+          <a:cs typeface="+mn-cs"/>
+        </a:defRPr>
+      </a:lvl3pPr>
+      <a:lvl4pPr marL="1371600" algn="l" defTabSz="914400" rtl="0" eaLnBrk="1" latinLnBrk="0" hangingPunct="1">
+        <a:defRPr sz="1800" kern="1200">
+          <a:solidFill>
+            <a:schemeClr val="tx1"/>
+          </a:solidFill>
+          <a:latin typeface="+mn-lt"/>
+          <a:ea typeface="+mn-ea"/>
+          <a:cs typeface="+mn-cs"/>
+        </a:defRPr>
+      </a:lvl4pPr>
+      <a:lvl5pPr marL="1828800" algn="l" defTabSz="914400" rtl="0" eaLnBrk="1" latinLnBrk="0" hangingPunct="1">
+        <a:defRPr sz="1800" kern="1200">
+          <a:solidFill>
+            <a:schemeClr val="tx1"/>
+          </a:solidFill>
+          <a:latin typeface="+mn-lt"/>
+          <a:ea typeface="+mn-ea"/>
+          <a:cs typeface="+mn-cs"/>
+        </a:defRPr>
+      </a:lvl5pPr>
+      <a:lvl6pPr marL="2286000" algn="l" defTabSz="914400" rtl="0" eaLnBrk="1" latinLnBrk="0" hangingPunct="1">
+        <a:defRPr sz="1800" kern="1200">
+          <a:solidFill>
+            <a:schemeClr val="tx1"/>
+          </a:solidFill>
+          <a:latin typeface="+mn-lt"/>
+          <a:ea typeface="+mn-ea"/>
+          <a:cs typeface="+mn-cs"/>
+        </a:defRPr>
+      </a:lvl6pPr>
+      <a:lvl7pPr marL="2743200" algn="l" defTabSz="914400" rtl="0" eaLnBrk="1" latinLnBrk="0" hangingPunct="1">
+        <a:defRPr sz="1800" kern="1200">
+          <a:solidFill>
+            <a:schemeClr val="tx1"/>
+          </a:solidFill>
+          <a:latin typeface="+mn-lt"/>
+          <a:ea typeface="+mn-ea"/>
+          <a:cs typeface="+mn-cs"/>
+        </a:defRPr>
+      </a:lvl7pPr>
+      <a:lvl8pPr marL="3200400" algn="l" defTabSz="914400" rtl="0" eaLnBrk="1" latinLnBrk="0" hangingPunct="1">
+        <a:defRPr sz="1800" kern="1200">
+          <a:solidFill>
+            <a:schemeClr val="tx1"/>
+          </a:solidFill>
+          <a:latin typeface="+mn-lt"/>
+          <a:ea typeface="+mn-ea"/>
+          <a:cs typeface="+mn-cs"/>
+        </a:defRPr>
+      </a:lvl8pPr>
+      <a:lvl9pPr marL="3657600" algn="l" defTabSz="914400" rtl="0" eaLnBrk="1" latinLnBrk="0" hangingPunct="1">
+        <a:defRPr sz="1800" kern="1200">
+          <a:solidFill>
+            <a:schemeClr val="tx1"/>
+          </a:solidFill>
+          <a:latin typeface="+mn-lt"/>
+          <a:ea typeface="+mn-ea"/>
+          <a:cs typeface="+mn-cs"/>
+        </a:defRPr>
+      </a:lvl9pPr>
+    </p:otherStyle>
+  </p:txStyles>
 </p:sldMaster>
 </file>
 
 <file path=ppt/slideMasters/slideMaster2.xml><?xml version="1.0" encoding="utf-8"?>
-<p:sldMaster xmlns:a="http://schemas.openxmlformats.org/drawingml/2006/main" xmlns:p="http://schemas.openxmlformats.org/presentationml/2006/main" xmlns:r="http://schemas.openxmlformats.org/officeDocument/2006/relationships">
+<p:sldMaster xmlns:a="http://schemas.openxmlformats.org/drawingml/2006/main" xmlns:r="http://schemas.openxmlformats.org/officeDocument/2006/relationships" xmlns:p="http://schemas.openxmlformats.org/presentationml/2006/main">
   <p:cSld>
     <p:bg>
       <p:bgPr>
         <a:solidFill>
-          <a:srgbClr val="ffffff"/>
+          <a:srgbClr val="FFFFFF"/>
         </a:solidFill>
+        <a:effectLst/>
       </p:bgPr>
     </p:bg>
     <p:spTree>
@@ -7241,12 +8202,12 @@
       </p:grpSpPr>
       <p:pic>
         <p:nvPicPr>
-          <p:cNvPr descr="" id="38" name="Picture 3"/>
+          <p:cNvPr id="38" name="Picture 3"/>
           <p:cNvPicPr/>
           <p:nvPr/>
         </p:nvPicPr>
         <p:blipFill>
-          <a:blip r:embed="rId2"/>
+          <a:blip r:embed="rId14"/>
           <a:stretch>
             <a:fillRect/>
           </a:stretch>
@@ -7266,12 +8227,12 @@
       </p:pic>
       <p:pic>
         <p:nvPicPr>
-          <p:cNvPr descr="" id="39" name="Picture 4"/>
+          <p:cNvPr id="39" name="Picture 4"/>
           <p:cNvPicPr/>
           <p:nvPr/>
         </p:nvPicPr>
         <p:blipFill>
-          <a:blip r:embed="rId3"/>
+          <a:blip r:embed="rId15"/>
           <a:stretch>
             <a:fillRect/>
           </a:stretch>
@@ -7310,6 +8271,7 @@
         </p:spPr>
         <p:txBody>
           <a:bodyPr anchor="ctr"/>
+          <a:lstStyle/>
           <a:p>
             <a:pPr>
               <a:lnSpc>
@@ -7350,6 +8312,7 @@
         </p:spPr>
         <p:txBody>
           <a:bodyPr/>
+          <a:lstStyle/>
           <a:p>
             <a:pPr>
               <a:buSzPct val="25000"/>
@@ -7565,7 +8528,7 @@
           </a:prstGeom>
           <a:ln w="12600">
             <a:solidFill>
-              <a:srgbClr val="cccccc"/>
+              <a:srgbClr val="CCCCCC"/>
             </a:solidFill>
             <a:round/>
           </a:ln>
@@ -7587,7 +8550,7 @@
           </a:prstGeom>
           <a:ln w="12600">
             <a:solidFill>
-              <a:srgbClr val="cccccc"/>
+              <a:srgbClr val="CCCCCC"/>
             </a:solidFill>
             <a:round/>
           </a:ln>
@@ -7595,32 +8558,313 @@
       </p:sp>
     </p:spTree>
   </p:cSld>
-  <p:clrMap accent1="accent1" accent2="accent2" accent3="accent3" accent4="accent4" accent5="accent5" accent6="accent6" bg1="lt1" bg2="lt2" folHlink="folHlink" hlink="hlink" tx1="dk1" tx2="dk2"/>
+  <p:clrMap bg1="lt1" tx1="dk1" bg2="lt2" tx2="dk2" accent1="accent1" accent2="accent2" accent3="accent3" accent4="accent4" accent5="accent5" accent6="accent6" hlink="hlink" folHlink="folHlink"/>
   <p:sldLayoutIdLst>
-    <p:sldLayoutId id="2147483662" r:id="rId4"/>
-    <p:sldLayoutId id="2147483663" r:id="rId5"/>
-    <p:sldLayoutId id="2147483664" r:id="rId6"/>
-    <p:sldLayoutId id="2147483665" r:id="rId7"/>
-    <p:sldLayoutId id="2147483666" r:id="rId8"/>
-    <p:sldLayoutId id="2147483667" r:id="rId9"/>
-    <p:sldLayoutId id="2147483668" r:id="rId10"/>
-    <p:sldLayoutId id="2147483669" r:id="rId11"/>
-    <p:sldLayoutId id="2147483670" r:id="rId12"/>
-    <p:sldLayoutId id="2147483671" r:id="rId13"/>
-    <p:sldLayoutId id="2147483672" r:id="rId14"/>
-    <p:sldLayoutId id="2147483673" r:id="rId15"/>
+    <p:sldLayoutId id="2147483662" r:id="rId1"/>
+    <p:sldLayoutId id="2147483663" r:id="rId2"/>
+    <p:sldLayoutId id="2147483664" r:id="rId3"/>
+    <p:sldLayoutId id="2147483665" r:id="rId4"/>
+    <p:sldLayoutId id="2147483666" r:id="rId5"/>
+    <p:sldLayoutId id="2147483667" r:id="rId6"/>
+    <p:sldLayoutId id="2147483668" r:id="rId7"/>
+    <p:sldLayoutId id="2147483669" r:id="rId8"/>
+    <p:sldLayoutId id="2147483670" r:id="rId9"/>
+    <p:sldLayoutId id="2147483671" r:id="rId10"/>
+    <p:sldLayoutId id="2147483672" r:id="rId11"/>
+    <p:sldLayoutId id="2147483673" r:id="rId12"/>
   </p:sldLayoutIdLst>
+  <p:txStyles>
+    <p:titleStyle>
+      <a:lvl1pPr algn="l" defTabSz="914400" rtl="0" eaLnBrk="1" latinLnBrk="0" hangingPunct="1">
+        <a:lnSpc>
+          <a:spcPct val="90000"/>
+        </a:lnSpc>
+        <a:spcBef>
+          <a:spcPct val="0"/>
+        </a:spcBef>
+        <a:buNone/>
+        <a:defRPr sz="4400" kern="1200">
+          <a:solidFill>
+            <a:schemeClr val="tx1"/>
+          </a:solidFill>
+          <a:latin typeface="+mj-lt"/>
+          <a:ea typeface="+mj-ea"/>
+          <a:cs typeface="+mj-cs"/>
+        </a:defRPr>
+      </a:lvl1pPr>
+    </p:titleStyle>
+    <p:bodyStyle>
+      <a:lvl1pPr marL="228600" indent="-228600" algn="l" defTabSz="914400" rtl="0" eaLnBrk="1" latinLnBrk="0" hangingPunct="1">
+        <a:lnSpc>
+          <a:spcPct val="90000"/>
+        </a:lnSpc>
+        <a:spcBef>
+          <a:spcPts val="1000"/>
+        </a:spcBef>
+        <a:buFont typeface="Arial"/>
+        <a:buChar char="•"/>
+        <a:defRPr sz="2800" kern="1200">
+          <a:solidFill>
+            <a:schemeClr val="tx1"/>
+          </a:solidFill>
+          <a:latin typeface="+mn-lt"/>
+          <a:ea typeface="+mn-ea"/>
+          <a:cs typeface="+mn-cs"/>
+        </a:defRPr>
+      </a:lvl1pPr>
+      <a:lvl2pPr marL="685800" indent="-228600" algn="l" defTabSz="914400" rtl="0" eaLnBrk="1" latinLnBrk="0" hangingPunct="1">
+        <a:lnSpc>
+          <a:spcPct val="90000"/>
+        </a:lnSpc>
+        <a:spcBef>
+          <a:spcPts val="500"/>
+        </a:spcBef>
+        <a:buFont typeface="Arial"/>
+        <a:buChar char="•"/>
+        <a:defRPr sz="2400" kern="1200">
+          <a:solidFill>
+            <a:schemeClr val="tx1"/>
+          </a:solidFill>
+          <a:latin typeface="+mn-lt"/>
+          <a:ea typeface="+mn-ea"/>
+          <a:cs typeface="+mn-cs"/>
+        </a:defRPr>
+      </a:lvl2pPr>
+      <a:lvl3pPr marL="1143000" indent="-228600" algn="l" defTabSz="914400" rtl="0" eaLnBrk="1" latinLnBrk="0" hangingPunct="1">
+        <a:lnSpc>
+          <a:spcPct val="90000"/>
+        </a:lnSpc>
+        <a:spcBef>
+          <a:spcPts val="500"/>
+        </a:spcBef>
+        <a:buFont typeface="Arial"/>
+        <a:buChar char="•"/>
+        <a:defRPr sz="2000" kern="1200">
+          <a:solidFill>
+            <a:schemeClr val="tx1"/>
+          </a:solidFill>
+          <a:latin typeface="+mn-lt"/>
+          <a:ea typeface="+mn-ea"/>
+          <a:cs typeface="+mn-cs"/>
+        </a:defRPr>
+      </a:lvl3pPr>
+      <a:lvl4pPr marL="1600200" indent="-228600" algn="l" defTabSz="914400" rtl="0" eaLnBrk="1" latinLnBrk="0" hangingPunct="1">
+        <a:lnSpc>
+          <a:spcPct val="90000"/>
+        </a:lnSpc>
+        <a:spcBef>
+          <a:spcPts val="500"/>
+        </a:spcBef>
+        <a:buFont typeface="Arial"/>
+        <a:buChar char="•"/>
+        <a:defRPr sz="1800" kern="1200">
+          <a:solidFill>
+            <a:schemeClr val="tx1"/>
+          </a:solidFill>
+          <a:latin typeface="+mn-lt"/>
+          <a:ea typeface="+mn-ea"/>
+          <a:cs typeface="+mn-cs"/>
+        </a:defRPr>
+      </a:lvl4pPr>
+      <a:lvl5pPr marL="2057400" indent="-228600" algn="l" defTabSz="914400" rtl="0" eaLnBrk="1" latinLnBrk="0" hangingPunct="1">
+        <a:lnSpc>
+          <a:spcPct val="90000"/>
+        </a:lnSpc>
+        <a:spcBef>
+          <a:spcPts val="500"/>
+        </a:spcBef>
+        <a:buFont typeface="Arial"/>
+        <a:buChar char="•"/>
+        <a:defRPr sz="1800" kern="1200">
+          <a:solidFill>
+            <a:schemeClr val="tx1"/>
+          </a:solidFill>
+          <a:latin typeface="+mn-lt"/>
+          <a:ea typeface="+mn-ea"/>
+          <a:cs typeface="+mn-cs"/>
+        </a:defRPr>
+      </a:lvl5pPr>
+      <a:lvl6pPr marL="2514600" indent="-228600" algn="l" defTabSz="914400" rtl="0" eaLnBrk="1" latinLnBrk="0" hangingPunct="1">
+        <a:lnSpc>
+          <a:spcPct val="90000"/>
+        </a:lnSpc>
+        <a:spcBef>
+          <a:spcPts val="500"/>
+        </a:spcBef>
+        <a:buFont typeface="Arial"/>
+        <a:buChar char="•"/>
+        <a:defRPr sz="1800" kern="1200">
+          <a:solidFill>
+            <a:schemeClr val="tx1"/>
+          </a:solidFill>
+          <a:latin typeface="+mn-lt"/>
+          <a:ea typeface="+mn-ea"/>
+          <a:cs typeface="+mn-cs"/>
+        </a:defRPr>
+      </a:lvl6pPr>
+      <a:lvl7pPr marL="2971800" indent="-228600" algn="l" defTabSz="914400" rtl="0" eaLnBrk="1" latinLnBrk="0" hangingPunct="1">
+        <a:lnSpc>
+          <a:spcPct val="90000"/>
+        </a:lnSpc>
+        <a:spcBef>
+          <a:spcPts val="500"/>
+        </a:spcBef>
+        <a:buFont typeface="Arial"/>
+        <a:buChar char="•"/>
+        <a:defRPr sz="1800" kern="1200">
+          <a:solidFill>
+            <a:schemeClr val="tx1"/>
+          </a:solidFill>
+          <a:latin typeface="+mn-lt"/>
+          <a:ea typeface="+mn-ea"/>
+          <a:cs typeface="+mn-cs"/>
+        </a:defRPr>
+      </a:lvl7pPr>
+      <a:lvl8pPr marL="3429000" indent="-228600" algn="l" defTabSz="914400" rtl="0" eaLnBrk="1" latinLnBrk="0" hangingPunct="1">
+        <a:lnSpc>
+          <a:spcPct val="90000"/>
+        </a:lnSpc>
+        <a:spcBef>
+          <a:spcPts val="500"/>
+        </a:spcBef>
+        <a:buFont typeface="Arial"/>
+        <a:buChar char="•"/>
+        <a:defRPr sz="1800" kern="1200">
+          <a:solidFill>
+            <a:schemeClr val="tx1"/>
+          </a:solidFill>
+          <a:latin typeface="+mn-lt"/>
+          <a:ea typeface="+mn-ea"/>
+          <a:cs typeface="+mn-cs"/>
+        </a:defRPr>
+      </a:lvl8pPr>
+      <a:lvl9pPr marL="3886200" indent="-228600" algn="l" defTabSz="914400" rtl="0" eaLnBrk="1" latinLnBrk="0" hangingPunct="1">
+        <a:lnSpc>
+          <a:spcPct val="90000"/>
+        </a:lnSpc>
+        <a:spcBef>
+          <a:spcPts val="500"/>
+        </a:spcBef>
+        <a:buFont typeface="Arial"/>
+        <a:buChar char="•"/>
+        <a:defRPr sz="1800" kern="1200">
+          <a:solidFill>
+            <a:schemeClr val="tx1"/>
+          </a:solidFill>
+          <a:latin typeface="+mn-lt"/>
+          <a:ea typeface="+mn-ea"/>
+          <a:cs typeface="+mn-cs"/>
+        </a:defRPr>
+      </a:lvl9pPr>
+    </p:bodyStyle>
+    <p:otherStyle>
+      <a:defPPr>
+        <a:defRPr lang="en-US"/>
+      </a:defPPr>
+      <a:lvl1pPr marL="0" algn="l" defTabSz="914400" rtl="0" eaLnBrk="1" latinLnBrk="0" hangingPunct="1">
+        <a:defRPr sz="1800" kern="1200">
+          <a:solidFill>
+            <a:schemeClr val="tx1"/>
+          </a:solidFill>
+          <a:latin typeface="+mn-lt"/>
+          <a:ea typeface="+mn-ea"/>
+          <a:cs typeface="+mn-cs"/>
+        </a:defRPr>
+      </a:lvl1pPr>
+      <a:lvl2pPr marL="457200" algn="l" defTabSz="914400" rtl="0" eaLnBrk="1" latinLnBrk="0" hangingPunct="1">
+        <a:defRPr sz="1800" kern="1200">
+          <a:solidFill>
+            <a:schemeClr val="tx1"/>
+          </a:solidFill>
+          <a:latin typeface="+mn-lt"/>
+          <a:ea typeface="+mn-ea"/>
+          <a:cs typeface="+mn-cs"/>
+        </a:defRPr>
+      </a:lvl2pPr>
+      <a:lvl3pPr marL="914400" algn="l" defTabSz="914400" rtl="0" eaLnBrk="1" latinLnBrk="0" hangingPunct="1">
+        <a:defRPr sz="1800" kern="1200">
+          <a:solidFill>
+            <a:schemeClr val="tx1"/>
+          </a:solidFill>
+          <a:latin typeface="+mn-lt"/>
+          <a:ea typeface="+mn-ea"/>
+          <a:cs typeface="+mn-cs"/>
+        </a:defRPr>
+      </a:lvl3pPr>
+      <a:lvl4pPr marL="1371600" algn="l" defTabSz="914400" rtl="0" eaLnBrk="1" latinLnBrk="0" hangingPunct="1">
+        <a:defRPr sz="1800" kern="1200">
+          <a:solidFill>
+            <a:schemeClr val="tx1"/>
+          </a:solidFill>
+          <a:latin typeface="+mn-lt"/>
+          <a:ea typeface="+mn-ea"/>
+          <a:cs typeface="+mn-cs"/>
+        </a:defRPr>
+      </a:lvl4pPr>
+      <a:lvl5pPr marL="1828800" algn="l" defTabSz="914400" rtl="0" eaLnBrk="1" latinLnBrk="0" hangingPunct="1">
+        <a:defRPr sz="1800" kern="1200">
+          <a:solidFill>
+            <a:schemeClr val="tx1"/>
+          </a:solidFill>
+          <a:latin typeface="+mn-lt"/>
+          <a:ea typeface="+mn-ea"/>
+          <a:cs typeface="+mn-cs"/>
+        </a:defRPr>
+      </a:lvl5pPr>
+      <a:lvl6pPr marL="2286000" algn="l" defTabSz="914400" rtl="0" eaLnBrk="1" latinLnBrk="0" hangingPunct="1">
+        <a:defRPr sz="1800" kern="1200">
+          <a:solidFill>
+            <a:schemeClr val="tx1"/>
+          </a:solidFill>
+          <a:latin typeface="+mn-lt"/>
+          <a:ea typeface="+mn-ea"/>
+          <a:cs typeface="+mn-cs"/>
+        </a:defRPr>
+      </a:lvl6pPr>
+      <a:lvl7pPr marL="2743200" algn="l" defTabSz="914400" rtl="0" eaLnBrk="1" latinLnBrk="0" hangingPunct="1">
+        <a:defRPr sz="1800" kern="1200">
+          <a:solidFill>
+            <a:schemeClr val="tx1"/>
+          </a:solidFill>
+          <a:latin typeface="+mn-lt"/>
+          <a:ea typeface="+mn-ea"/>
+          <a:cs typeface="+mn-cs"/>
+        </a:defRPr>
+      </a:lvl7pPr>
+      <a:lvl8pPr marL="3200400" algn="l" defTabSz="914400" rtl="0" eaLnBrk="1" latinLnBrk="0" hangingPunct="1">
+        <a:defRPr sz="1800" kern="1200">
+          <a:solidFill>
+            <a:schemeClr val="tx1"/>
+          </a:solidFill>
+          <a:latin typeface="+mn-lt"/>
+          <a:ea typeface="+mn-ea"/>
+          <a:cs typeface="+mn-cs"/>
+        </a:defRPr>
+      </a:lvl8pPr>
+      <a:lvl9pPr marL="3657600" algn="l" defTabSz="914400" rtl="0" eaLnBrk="1" latinLnBrk="0" hangingPunct="1">
+        <a:defRPr sz="1800" kern="1200">
+          <a:solidFill>
+            <a:schemeClr val="tx1"/>
+          </a:solidFill>
+          <a:latin typeface="+mn-lt"/>
+          <a:ea typeface="+mn-ea"/>
+          <a:cs typeface="+mn-cs"/>
+        </a:defRPr>
+      </a:lvl9pPr>
+    </p:otherStyle>
+  </p:txStyles>
 </p:sldMaster>
 </file>
 
 <file path=ppt/slideMasters/slideMaster3.xml><?xml version="1.0" encoding="utf-8"?>
-<p:sldMaster xmlns:a="http://schemas.openxmlformats.org/drawingml/2006/main" xmlns:p="http://schemas.openxmlformats.org/presentationml/2006/main" xmlns:r="http://schemas.openxmlformats.org/officeDocument/2006/relationships">
+<p:sldMaster xmlns:a="http://schemas.openxmlformats.org/drawingml/2006/main" xmlns:r="http://schemas.openxmlformats.org/officeDocument/2006/relationships" xmlns:p="http://schemas.openxmlformats.org/presentationml/2006/main">
   <p:cSld>
     <p:bg>
       <p:bgPr>
         <a:solidFill>
-          <a:srgbClr val="ffffff"/>
+          <a:srgbClr val="FFFFFF"/>
         </a:solidFill>
+        <a:effectLst/>
       </p:bgPr>
     </p:bg>
     <p:spTree>
@@ -7639,12 +8883,12 @@
       </p:grpSpPr>
       <p:pic>
         <p:nvPicPr>
-          <p:cNvPr descr="" id="78" name="Picture 3"/>
+          <p:cNvPr id="78" name="Picture 3"/>
           <p:cNvPicPr/>
           <p:nvPr/>
         </p:nvPicPr>
         <p:blipFill>
-          <a:blip r:embed="rId2"/>
+          <a:blip r:embed="rId14"/>
           <a:stretch>
             <a:fillRect/>
           </a:stretch>
@@ -7664,12 +8908,12 @@
       </p:pic>
       <p:pic>
         <p:nvPicPr>
-          <p:cNvPr descr="" id="79" name="Picture 4"/>
+          <p:cNvPr id="79" name="Picture 4"/>
           <p:cNvPicPr/>
           <p:nvPr/>
         </p:nvPicPr>
         <p:blipFill>
-          <a:blip r:embed="rId3"/>
+          <a:blip r:embed="rId15"/>
           <a:stretch>
             <a:fillRect/>
           </a:stretch>
@@ -7708,6 +8952,7 @@
         </p:spPr>
         <p:txBody>
           <a:bodyPr anchor="ctr"/>
+          <a:lstStyle/>
           <a:p>
             <a:pPr>
               <a:lnSpc>
@@ -7747,7 +8992,8 @@
           </a:prstGeom>
         </p:spPr>
         <p:txBody>
-          <a:bodyPr bIns="0" lIns="0" rIns="0" tIns="0" wrap="none"/>
+          <a:bodyPr wrap="none" lIns="0" tIns="0" rIns="0" bIns="0"/>
+          <a:lstStyle/>
           <a:p>
             <a:pPr>
               <a:buSzPct val="25000"/>
@@ -7836,32 +9082,313 @@
       </p:sp>
     </p:spTree>
   </p:cSld>
-  <p:clrMap accent1="accent1" accent2="accent2" accent3="accent3" accent4="accent4" accent5="accent5" accent6="accent6" bg1="lt1" bg2="lt2" folHlink="folHlink" hlink="hlink" tx1="dk1" tx2="dk2"/>
+  <p:clrMap bg1="lt1" tx1="dk1" bg2="lt2" tx2="dk2" accent1="accent1" accent2="accent2" accent3="accent3" accent4="accent4" accent5="accent5" accent6="accent6" hlink="hlink" folHlink="folHlink"/>
   <p:sldLayoutIdLst>
-    <p:sldLayoutId id="2147483675" r:id="rId4"/>
-    <p:sldLayoutId id="2147483676" r:id="rId5"/>
-    <p:sldLayoutId id="2147483677" r:id="rId6"/>
-    <p:sldLayoutId id="2147483678" r:id="rId7"/>
-    <p:sldLayoutId id="2147483679" r:id="rId8"/>
-    <p:sldLayoutId id="2147483680" r:id="rId9"/>
-    <p:sldLayoutId id="2147483681" r:id="rId10"/>
-    <p:sldLayoutId id="2147483682" r:id="rId11"/>
-    <p:sldLayoutId id="2147483683" r:id="rId12"/>
-    <p:sldLayoutId id="2147483684" r:id="rId13"/>
-    <p:sldLayoutId id="2147483685" r:id="rId14"/>
-    <p:sldLayoutId id="2147483686" r:id="rId15"/>
+    <p:sldLayoutId id="2147483675" r:id="rId1"/>
+    <p:sldLayoutId id="2147483676" r:id="rId2"/>
+    <p:sldLayoutId id="2147483677" r:id="rId3"/>
+    <p:sldLayoutId id="2147483678" r:id="rId4"/>
+    <p:sldLayoutId id="2147483679" r:id="rId5"/>
+    <p:sldLayoutId id="2147483680" r:id="rId6"/>
+    <p:sldLayoutId id="2147483681" r:id="rId7"/>
+    <p:sldLayoutId id="2147483682" r:id="rId8"/>
+    <p:sldLayoutId id="2147483683" r:id="rId9"/>
+    <p:sldLayoutId id="2147483684" r:id="rId10"/>
+    <p:sldLayoutId id="2147483685" r:id="rId11"/>
+    <p:sldLayoutId id="2147483686" r:id="rId12"/>
   </p:sldLayoutIdLst>
+  <p:txStyles>
+    <p:titleStyle>
+      <a:lvl1pPr algn="l" defTabSz="914400" rtl="0" eaLnBrk="1" latinLnBrk="0" hangingPunct="1">
+        <a:lnSpc>
+          <a:spcPct val="90000"/>
+        </a:lnSpc>
+        <a:spcBef>
+          <a:spcPct val="0"/>
+        </a:spcBef>
+        <a:buNone/>
+        <a:defRPr sz="4400" kern="1200">
+          <a:solidFill>
+            <a:schemeClr val="tx1"/>
+          </a:solidFill>
+          <a:latin typeface="+mj-lt"/>
+          <a:ea typeface="+mj-ea"/>
+          <a:cs typeface="+mj-cs"/>
+        </a:defRPr>
+      </a:lvl1pPr>
+    </p:titleStyle>
+    <p:bodyStyle>
+      <a:lvl1pPr marL="228600" indent="-228600" algn="l" defTabSz="914400" rtl="0" eaLnBrk="1" latinLnBrk="0" hangingPunct="1">
+        <a:lnSpc>
+          <a:spcPct val="90000"/>
+        </a:lnSpc>
+        <a:spcBef>
+          <a:spcPts val="1000"/>
+        </a:spcBef>
+        <a:buFont typeface="Arial"/>
+        <a:buChar char="•"/>
+        <a:defRPr sz="2800" kern="1200">
+          <a:solidFill>
+            <a:schemeClr val="tx1"/>
+          </a:solidFill>
+          <a:latin typeface="+mn-lt"/>
+          <a:ea typeface="+mn-ea"/>
+          <a:cs typeface="+mn-cs"/>
+        </a:defRPr>
+      </a:lvl1pPr>
+      <a:lvl2pPr marL="685800" indent="-228600" algn="l" defTabSz="914400" rtl="0" eaLnBrk="1" latinLnBrk="0" hangingPunct="1">
+        <a:lnSpc>
+          <a:spcPct val="90000"/>
+        </a:lnSpc>
+        <a:spcBef>
+          <a:spcPts val="500"/>
+        </a:spcBef>
+        <a:buFont typeface="Arial"/>
+        <a:buChar char="•"/>
+        <a:defRPr sz="2400" kern="1200">
+          <a:solidFill>
+            <a:schemeClr val="tx1"/>
+          </a:solidFill>
+          <a:latin typeface="+mn-lt"/>
+          <a:ea typeface="+mn-ea"/>
+          <a:cs typeface="+mn-cs"/>
+        </a:defRPr>
+      </a:lvl2pPr>
+      <a:lvl3pPr marL="1143000" indent="-228600" algn="l" defTabSz="914400" rtl="0" eaLnBrk="1" latinLnBrk="0" hangingPunct="1">
+        <a:lnSpc>
+          <a:spcPct val="90000"/>
+        </a:lnSpc>
+        <a:spcBef>
+          <a:spcPts val="500"/>
+        </a:spcBef>
+        <a:buFont typeface="Arial"/>
+        <a:buChar char="•"/>
+        <a:defRPr sz="2000" kern="1200">
+          <a:solidFill>
+            <a:schemeClr val="tx1"/>
+          </a:solidFill>
+          <a:latin typeface="+mn-lt"/>
+          <a:ea typeface="+mn-ea"/>
+          <a:cs typeface="+mn-cs"/>
+        </a:defRPr>
+      </a:lvl3pPr>
+      <a:lvl4pPr marL="1600200" indent="-228600" algn="l" defTabSz="914400" rtl="0" eaLnBrk="1" latinLnBrk="0" hangingPunct="1">
+        <a:lnSpc>
+          <a:spcPct val="90000"/>
+        </a:lnSpc>
+        <a:spcBef>
+          <a:spcPts val="500"/>
+        </a:spcBef>
+        <a:buFont typeface="Arial"/>
+        <a:buChar char="•"/>
+        <a:defRPr sz="1800" kern="1200">
+          <a:solidFill>
+            <a:schemeClr val="tx1"/>
+          </a:solidFill>
+          <a:latin typeface="+mn-lt"/>
+          <a:ea typeface="+mn-ea"/>
+          <a:cs typeface="+mn-cs"/>
+        </a:defRPr>
+      </a:lvl4pPr>
+      <a:lvl5pPr marL="2057400" indent="-228600" algn="l" defTabSz="914400" rtl="0" eaLnBrk="1" latinLnBrk="0" hangingPunct="1">
+        <a:lnSpc>
+          <a:spcPct val="90000"/>
+        </a:lnSpc>
+        <a:spcBef>
+          <a:spcPts val="500"/>
+        </a:spcBef>
+        <a:buFont typeface="Arial"/>
+        <a:buChar char="•"/>
+        <a:defRPr sz="1800" kern="1200">
+          <a:solidFill>
+            <a:schemeClr val="tx1"/>
+          </a:solidFill>
+          <a:latin typeface="+mn-lt"/>
+          <a:ea typeface="+mn-ea"/>
+          <a:cs typeface="+mn-cs"/>
+        </a:defRPr>
+      </a:lvl5pPr>
+      <a:lvl6pPr marL="2514600" indent="-228600" algn="l" defTabSz="914400" rtl="0" eaLnBrk="1" latinLnBrk="0" hangingPunct="1">
+        <a:lnSpc>
+          <a:spcPct val="90000"/>
+        </a:lnSpc>
+        <a:spcBef>
+          <a:spcPts val="500"/>
+        </a:spcBef>
+        <a:buFont typeface="Arial"/>
+        <a:buChar char="•"/>
+        <a:defRPr sz="1800" kern="1200">
+          <a:solidFill>
+            <a:schemeClr val="tx1"/>
+          </a:solidFill>
+          <a:latin typeface="+mn-lt"/>
+          <a:ea typeface="+mn-ea"/>
+          <a:cs typeface="+mn-cs"/>
+        </a:defRPr>
+      </a:lvl6pPr>
+      <a:lvl7pPr marL="2971800" indent="-228600" algn="l" defTabSz="914400" rtl="0" eaLnBrk="1" latinLnBrk="0" hangingPunct="1">
+        <a:lnSpc>
+          <a:spcPct val="90000"/>
+        </a:lnSpc>
+        <a:spcBef>
+          <a:spcPts val="500"/>
+        </a:spcBef>
+        <a:buFont typeface="Arial"/>
+        <a:buChar char="•"/>
+        <a:defRPr sz="1800" kern="1200">
+          <a:solidFill>
+            <a:schemeClr val="tx1"/>
+          </a:solidFill>
+          <a:latin typeface="+mn-lt"/>
+          <a:ea typeface="+mn-ea"/>
+          <a:cs typeface="+mn-cs"/>
+        </a:defRPr>
+      </a:lvl7pPr>
+      <a:lvl8pPr marL="3429000" indent="-228600" algn="l" defTabSz="914400" rtl="0" eaLnBrk="1" latinLnBrk="0" hangingPunct="1">
+        <a:lnSpc>
+          <a:spcPct val="90000"/>
+        </a:lnSpc>
+        <a:spcBef>
+          <a:spcPts val="500"/>
+        </a:spcBef>
+        <a:buFont typeface="Arial"/>
+        <a:buChar char="•"/>
+        <a:defRPr sz="1800" kern="1200">
+          <a:solidFill>
+            <a:schemeClr val="tx1"/>
+          </a:solidFill>
+          <a:latin typeface="+mn-lt"/>
+          <a:ea typeface="+mn-ea"/>
+          <a:cs typeface="+mn-cs"/>
+        </a:defRPr>
+      </a:lvl8pPr>
+      <a:lvl9pPr marL="3886200" indent="-228600" algn="l" defTabSz="914400" rtl="0" eaLnBrk="1" latinLnBrk="0" hangingPunct="1">
+        <a:lnSpc>
+          <a:spcPct val="90000"/>
+        </a:lnSpc>
+        <a:spcBef>
+          <a:spcPts val="500"/>
+        </a:spcBef>
+        <a:buFont typeface="Arial"/>
+        <a:buChar char="•"/>
+        <a:defRPr sz="1800" kern="1200">
+          <a:solidFill>
+            <a:schemeClr val="tx1"/>
+          </a:solidFill>
+          <a:latin typeface="+mn-lt"/>
+          <a:ea typeface="+mn-ea"/>
+          <a:cs typeface="+mn-cs"/>
+        </a:defRPr>
+      </a:lvl9pPr>
+    </p:bodyStyle>
+    <p:otherStyle>
+      <a:defPPr>
+        <a:defRPr lang="en-US"/>
+      </a:defPPr>
+      <a:lvl1pPr marL="0" algn="l" defTabSz="914400" rtl="0" eaLnBrk="1" latinLnBrk="0" hangingPunct="1">
+        <a:defRPr sz="1800" kern="1200">
+          <a:solidFill>
+            <a:schemeClr val="tx1"/>
+          </a:solidFill>
+          <a:latin typeface="+mn-lt"/>
+          <a:ea typeface="+mn-ea"/>
+          <a:cs typeface="+mn-cs"/>
+        </a:defRPr>
+      </a:lvl1pPr>
+      <a:lvl2pPr marL="457200" algn="l" defTabSz="914400" rtl="0" eaLnBrk="1" latinLnBrk="0" hangingPunct="1">
+        <a:defRPr sz="1800" kern="1200">
+          <a:solidFill>
+            <a:schemeClr val="tx1"/>
+          </a:solidFill>
+          <a:latin typeface="+mn-lt"/>
+          <a:ea typeface="+mn-ea"/>
+          <a:cs typeface="+mn-cs"/>
+        </a:defRPr>
+      </a:lvl2pPr>
+      <a:lvl3pPr marL="914400" algn="l" defTabSz="914400" rtl="0" eaLnBrk="1" latinLnBrk="0" hangingPunct="1">
+        <a:defRPr sz="1800" kern="1200">
+          <a:solidFill>
+            <a:schemeClr val="tx1"/>
+          </a:solidFill>
+          <a:latin typeface="+mn-lt"/>
+          <a:ea typeface="+mn-ea"/>
+          <a:cs typeface="+mn-cs"/>
+        </a:defRPr>
+      </a:lvl3pPr>
+      <a:lvl4pPr marL="1371600" algn="l" defTabSz="914400" rtl="0" eaLnBrk="1" latinLnBrk="0" hangingPunct="1">
+        <a:defRPr sz="1800" kern="1200">
+          <a:solidFill>
+            <a:schemeClr val="tx1"/>
+          </a:solidFill>
+          <a:latin typeface="+mn-lt"/>
+          <a:ea typeface="+mn-ea"/>
+          <a:cs typeface="+mn-cs"/>
+        </a:defRPr>
+      </a:lvl4pPr>
+      <a:lvl5pPr marL="1828800" algn="l" defTabSz="914400" rtl="0" eaLnBrk="1" latinLnBrk="0" hangingPunct="1">
+        <a:defRPr sz="1800" kern="1200">
+          <a:solidFill>
+            <a:schemeClr val="tx1"/>
+          </a:solidFill>
+          <a:latin typeface="+mn-lt"/>
+          <a:ea typeface="+mn-ea"/>
+          <a:cs typeface="+mn-cs"/>
+        </a:defRPr>
+      </a:lvl5pPr>
+      <a:lvl6pPr marL="2286000" algn="l" defTabSz="914400" rtl="0" eaLnBrk="1" latinLnBrk="0" hangingPunct="1">
+        <a:defRPr sz="1800" kern="1200">
+          <a:solidFill>
+            <a:schemeClr val="tx1"/>
+          </a:solidFill>
+          <a:latin typeface="+mn-lt"/>
+          <a:ea typeface="+mn-ea"/>
+          <a:cs typeface="+mn-cs"/>
+        </a:defRPr>
+      </a:lvl6pPr>
+      <a:lvl7pPr marL="2743200" algn="l" defTabSz="914400" rtl="0" eaLnBrk="1" latinLnBrk="0" hangingPunct="1">
+        <a:defRPr sz="1800" kern="1200">
+          <a:solidFill>
+            <a:schemeClr val="tx1"/>
+          </a:solidFill>
+          <a:latin typeface="+mn-lt"/>
+          <a:ea typeface="+mn-ea"/>
+          <a:cs typeface="+mn-cs"/>
+        </a:defRPr>
+      </a:lvl7pPr>
+      <a:lvl8pPr marL="3200400" algn="l" defTabSz="914400" rtl="0" eaLnBrk="1" latinLnBrk="0" hangingPunct="1">
+        <a:defRPr sz="1800" kern="1200">
+          <a:solidFill>
+            <a:schemeClr val="tx1"/>
+          </a:solidFill>
+          <a:latin typeface="+mn-lt"/>
+          <a:ea typeface="+mn-ea"/>
+          <a:cs typeface="+mn-cs"/>
+        </a:defRPr>
+      </a:lvl8pPr>
+      <a:lvl9pPr marL="3657600" algn="l" defTabSz="914400" rtl="0" eaLnBrk="1" latinLnBrk="0" hangingPunct="1">
+        <a:defRPr sz="1800" kern="1200">
+          <a:solidFill>
+            <a:schemeClr val="tx1"/>
+          </a:solidFill>
+          <a:latin typeface="+mn-lt"/>
+          <a:ea typeface="+mn-ea"/>
+          <a:cs typeface="+mn-cs"/>
+        </a:defRPr>
+      </a:lvl9pPr>
+    </p:otherStyle>
+  </p:txStyles>
 </p:sldMaster>
 </file>
 
 <file path=ppt/slideMasters/slideMaster4.xml><?xml version="1.0" encoding="utf-8"?>
-<p:sldMaster xmlns:a="http://schemas.openxmlformats.org/drawingml/2006/main" xmlns:p="http://schemas.openxmlformats.org/presentationml/2006/main" xmlns:r="http://schemas.openxmlformats.org/officeDocument/2006/relationships">
+<p:sldMaster xmlns:a="http://schemas.openxmlformats.org/drawingml/2006/main" xmlns:r="http://schemas.openxmlformats.org/officeDocument/2006/relationships" xmlns:p="http://schemas.openxmlformats.org/presentationml/2006/main">
   <p:cSld>
     <p:bg>
       <p:bgPr>
         <a:solidFill>
-          <a:srgbClr val="ffffff"/>
+          <a:srgbClr val="FFFFFF"/>
         </a:solidFill>
+        <a:effectLst/>
       </p:bgPr>
     </p:bg>
     <p:spTree>
@@ -7880,12 +9407,12 @@
       </p:grpSpPr>
       <p:pic>
         <p:nvPicPr>
-          <p:cNvPr descr="" id="116" name="Picture 3"/>
+          <p:cNvPr id="116" name="Picture 3"/>
           <p:cNvPicPr/>
           <p:nvPr/>
         </p:nvPicPr>
         <p:blipFill>
-          <a:blip r:embed="rId2"/>
+          <a:blip r:embed="rId14"/>
           <a:stretch>
             <a:fillRect/>
           </a:stretch>
@@ -7905,12 +9432,12 @@
       </p:pic>
       <p:pic>
         <p:nvPicPr>
-          <p:cNvPr descr="" id="117" name="Picture 4"/>
+          <p:cNvPr id="117" name="Picture 4"/>
           <p:cNvPicPr/>
           <p:nvPr/>
         </p:nvPicPr>
         <p:blipFill>
-          <a:blip r:embed="rId3"/>
+          <a:blip r:embed="rId15"/>
           <a:stretch>
             <a:fillRect/>
           </a:stretch>
@@ -7949,6 +9476,7 @@
         </p:spPr>
         <p:txBody>
           <a:bodyPr anchor="ctr"/>
+          <a:lstStyle/>
           <a:p>
             <a:pPr algn="ctr">
               <a:lnSpc>
@@ -7988,7 +9516,8 @@
           </a:prstGeom>
         </p:spPr>
         <p:txBody>
-          <a:bodyPr bIns="0" lIns="0" rIns="0" tIns="0" wrap="none"/>
+          <a:bodyPr wrap="none" lIns="0" tIns="0" rIns="0" bIns="0"/>
+          <a:lstStyle/>
           <a:p>
             <a:pPr>
               <a:buSzPct val="25000"/>
@@ -8077,26 +9606,306 @@
       </p:sp>
     </p:spTree>
   </p:cSld>
-  <p:clrMap accent1="accent1" accent2="accent2" accent3="accent3" accent4="accent4" accent5="accent5" accent6="accent6" bg1="lt1" bg2="lt2" folHlink="folHlink" hlink="hlink" tx1="dk1" tx2="dk2"/>
+  <p:clrMap bg1="lt1" tx1="dk1" bg2="lt2" tx2="dk2" accent1="accent1" accent2="accent2" accent3="accent3" accent4="accent4" accent5="accent5" accent6="accent6" hlink="hlink" folHlink="folHlink"/>
   <p:sldLayoutIdLst>
-    <p:sldLayoutId id="2147483688" r:id="rId4"/>
-    <p:sldLayoutId id="2147483689" r:id="rId5"/>
-    <p:sldLayoutId id="2147483690" r:id="rId6"/>
-    <p:sldLayoutId id="2147483691" r:id="rId7"/>
-    <p:sldLayoutId id="2147483692" r:id="rId8"/>
-    <p:sldLayoutId id="2147483693" r:id="rId9"/>
-    <p:sldLayoutId id="2147483694" r:id="rId10"/>
-    <p:sldLayoutId id="2147483695" r:id="rId11"/>
-    <p:sldLayoutId id="2147483696" r:id="rId12"/>
-    <p:sldLayoutId id="2147483697" r:id="rId13"/>
-    <p:sldLayoutId id="2147483698" r:id="rId14"/>
-    <p:sldLayoutId id="2147483699" r:id="rId15"/>
+    <p:sldLayoutId id="2147483688" r:id="rId1"/>
+    <p:sldLayoutId id="2147483689" r:id="rId2"/>
+    <p:sldLayoutId id="2147483690" r:id="rId3"/>
+    <p:sldLayoutId id="2147483691" r:id="rId4"/>
+    <p:sldLayoutId id="2147483692" r:id="rId5"/>
+    <p:sldLayoutId id="2147483693" r:id="rId6"/>
+    <p:sldLayoutId id="2147483694" r:id="rId7"/>
+    <p:sldLayoutId id="2147483695" r:id="rId8"/>
+    <p:sldLayoutId id="2147483696" r:id="rId9"/>
+    <p:sldLayoutId id="2147483697" r:id="rId10"/>
+    <p:sldLayoutId id="2147483698" r:id="rId11"/>
+    <p:sldLayoutId id="2147483699" r:id="rId12"/>
   </p:sldLayoutIdLst>
+  <p:txStyles>
+    <p:titleStyle>
+      <a:lvl1pPr algn="l" defTabSz="914400" rtl="0" eaLnBrk="1" latinLnBrk="0" hangingPunct="1">
+        <a:lnSpc>
+          <a:spcPct val="90000"/>
+        </a:lnSpc>
+        <a:spcBef>
+          <a:spcPct val="0"/>
+        </a:spcBef>
+        <a:buNone/>
+        <a:defRPr sz="4400" kern="1200">
+          <a:solidFill>
+            <a:schemeClr val="tx1"/>
+          </a:solidFill>
+          <a:latin typeface="+mj-lt"/>
+          <a:ea typeface="+mj-ea"/>
+          <a:cs typeface="+mj-cs"/>
+        </a:defRPr>
+      </a:lvl1pPr>
+    </p:titleStyle>
+    <p:bodyStyle>
+      <a:lvl1pPr marL="228600" indent="-228600" algn="l" defTabSz="914400" rtl="0" eaLnBrk="1" latinLnBrk="0" hangingPunct="1">
+        <a:lnSpc>
+          <a:spcPct val="90000"/>
+        </a:lnSpc>
+        <a:spcBef>
+          <a:spcPts val="1000"/>
+        </a:spcBef>
+        <a:buFont typeface="Arial"/>
+        <a:buChar char="•"/>
+        <a:defRPr sz="2800" kern="1200">
+          <a:solidFill>
+            <a:schemeClr val="tx1"/>
+          </a:solidFill>
+          <a:latin typeface="+mn-lt"/>
+          <a:ea typeface="+mn-ea"/>
+          <a:cs typeface="+mn-cs"/>
+        </a:defRPr>
+      </a:lvl1pPr>
+      <a:lvl2pPr marL="685800" indent="-228600" algn="l" defTabSz="914400" rtl="0" eaLnBrk="1" latinLnBrk="0" hangingPunct="1">
+        <a:lnSpc>
+          <a:spcPct val="90000"/>
+        </a:lnSpc>
+        <a:spcBef>
+          <a:spcPts val="500"/>
+        </a:spcBef>
+        <a:buFont typeface="Arial"/>
+        <a:buChar char="•"/>
+        <a:defRPr sz="2400" kern="1200">
+          <a:solidFill>
+            <a:schemeClr val="tx1"/>
+          </a:solidFill>
+          <a:latin typeface="+mn-lt"/>
+          <a:ea typeface="+mn-ea"/>
+          <a:cs typeface="+mn-cs"/>
+        </a:defRPr>
+      </a:lvl2pPr>
+      <a:lvl3pPr marL="1143000" indent="-228600" algn="l" defTabSz="914400" rtl="0" eaLnBrk="1" latinLnBrk="0" hangingPunct="1">
+        <a:lnSpc>
+          <a:spcPct val="90000"/>
+        </a:lnSpc>
+        <a:spcBef>
+          <a:spcPts val="500"/>
+        </a:spcBef>
+        <a:buFont typeface="Arial"/>
+        <a:buChar char="•"/>
+        <a:defRPr sz="2000" kern="1200">
+          <a:solidFill>
+            <a:schemeClr val="tx1"/>
+          </a:solidFill>
+          <a:latin typeface="+mn-lt"/>
+          <a:ea typeface="+mn-ea"/>
+          <a:cs typeface="+mn-cs"/>
+        </a:defRPr>
+      </a:lvl3pPr>
+      <a:lvl4pPr marL="1600200" indent="-228600" algn="l" defTabSz="914400" rtl="0" eaLnBrk="1" latinLnBrk="0" hangingPunct="1">
+        <a:lnSpc>
+          <a:spcPct val="90000"/>
+        </a:lnSpc>
+        <a:spcBef>
+          <a:spcPts val="500"/>
+        </a:spcBef>
+        <a:buFont typeface="Arial"/>
+        <a:buChar char="•"/>
+        <a:defRPr sz="1800" kern="1200">
+          <a:solidFill>
+            <a:schemeClr val="tx1"/>
+          </a:solidFill>
+          <a:latin typeface="+mn-lt"/>
+          <a:ea typeface="+mn-ea"/>
+          <a:cs typeface="+mn-cs"/>
+        </a:defRPr>
+      </a:lvl4pPr>
+      <a:lvl5pPr marL="2057400" indent="-228600" algn="l" defTabSz="914400" rtl="0" eaLnBrk="1" latinLnBrk="0" hangingPunct="1">
+        <a:lnSpc>
+          <a:spcPct val="90000"/>
+        </a:lnSpc>
+        <a:spcBef>
+          <a:spcPts val="500"/>
+        </a:spcBef>
+        <a:buFont typeface="Arial"/>
+        <a:buChar char="•"/>
+        <a:defRPr sz="1800" kern="1200">
+          <a:solidFill>
+            <a:schemeClr val="tx1"/>
+          </a:solidFill>
+          <a:latin typeface="+mn-lt"/>
+          <a:ea typeface="+mn-ea"/>
+          <a:cs typeface="+mn-cs"/>
+        </a:defRPr>
+      </a:lvl5pPr>
+      <a:lvl6pPr marL="2514600" indent="-228600" algn="l" defTabSz="914400" rtl="0" eaLnBrk="1" latinLnBrk="0" hangingPunct="1">
+        <a:lnSpc>
+          <a:spcPct val="90000"/>
+        </a:lnSpc>
+        <a:spcBef>
+          <a:spcPts val="500"/>
+        </a:spcBef>
+        <a:buFont typeface="Arial"/>
+        <a:buChar char="•"/>
+        <a:defRPr sz="1800" kern="1200">
+          <a:solidFill>
+            <a:schemeClr val="tx1"/>
+          </a:solidFill>
+          <a:latin typeface="+mn-lt"/>
+          <a:ea typeface="+mn-ea"/>
+          <a:cs typeface="+mn-cs"/>
+        </a:defRPr>
+      </a:lvl6pPr>
+      <a:lvl7pPr marL="2971800" indent="-228600" algn="l" defTabSz="914400" rtl="0" eaLnBrk="1" latinLnBrk="0" hangingPunct="1">
+        <a:lnSpc>
+          <a:spcPct val="90000"/>
+        </a:lnSpc>
+        <a:spcBef>
+          <a:spcPts val="500"/>
+        </a:spcBef>
+        <a:buFont typeface="Arial"/>
+        <a:buChar char="•"/>
+        <a:defRPr sz="1800" kern="1200">
+          <a:solidFill>
+            <a:schemeClr val="tx1"/>
+          </a:solidFill>
+          <a:latin typeface="+mn-lt"/>
+          <a:ea typeface="+mn-ea"/>
+          <a:cs typeface="+mn-cs"/>
+        </a:defRPr>
+      </a:lvl7pPr>
+      <a:lvl8pPr marL="3429000" indent="-228600" algn="l" defTabSz="914400" rtl="0" eaLnBrk="1" latinLnBrk="0" hangingPunct="1">
+        <a:lnSpc>
+          <a:spcPct val="90000"/>
+        </a:lnSpc>
+        <a:spcBef>
+          <a:spcPts val="500"/>
+        </a:spcBef>
+        <a:buFont typeface="Arial"/>
+        <a:buChar char="•"/>
+        <a:defRPr sz="1800" kern="1200">
+          <a:solidFill>
+            <a:schemeClr val="tx1"/>
+          </a:solidFill>
+          <a:latin typeface="+mn-lt"/>
+          <a:ea typeface="+mn-ea"/>
+          <a:cs typeface="+mn-cs"/>
+        </a:defRPr>
+      </a:lvl8pPr>
+      <a:lvl9pPr marL="3886200" indent="-228600" algn="l" defTabSz="914400" rtl="0" eaLnBrk="1" latinLnBrk="0" hangingPunct="1">
+        <a:lnSpc>
+          <a:spcPct val="90000"/>
+        </a:lnSpc>
+        <a:spcBef>
+          <a:spcPts val="500"/>
+        </a:spcBef>
+        <a:buFont typeface="Arial"/>
+        <a:buChar char="•"/>
+        <a:defRPr sz="1800" kern="1200">
+          <a:solidFill>
+            <a:schemeClr val="tx1"/>
+          </a:solidFill>
+          <a:latin typeface="+mn-lt"/>
+          <a:ea typeface="+mn-ea"/>
+          <a:cs typeface="+mn-cs"/>
+        </a:defRPr>
+      </a:lvl9pPr>
+    </p:bodyStyle>
+    <p:otherStyle>
+      <a:defPPr>
+        <a:defRPr lang="en-US"/>
+      </a:defPPr>
+      <a:lvl1pPr marL="0" algn="l" defTabSz="914400" rtl="0" eaLnBrk="1" latinLnBrk="0" hangingPunct="1">
+        <a:defRPr sz="1800" kern="1200">
+          <a:solidFill>
+            <a:schemeClr val="tx1"/>
+          </a:solidFill>
+          <a:latin typeface="+mn-lt"/>
+          <a:ea typeface="+mn-ea"/>
+          <a:cs typeface="+mn-cs"/>
+        </a:defRPr>
+      </a:lvl1pPr>
+      <a:lvl2pPr marL="457200" algn="l" defTabSz="914400" rtl="0" eaLnBrk="1" latinLnBrk="0" hangingPunct="1">
+        <a:defRPr sz="1800" kern="1200">
+          <a:solidFill>
+            <a:schemeClr val="tx1"/>
+          </a:solidFill>
+          <a:latin typeface="+mn-lt"/>
+          <a:ea typeface="+mn-ea"/>
+          <a:cs typeface="+mn-cs"/>
+        </a:defRPr>
+      </a:lvl2pPr>
+      <a:lvl3pPr marL="914400" algn="l" defTabSz="914400" rtl="0" eaLnBrk="1" latinLnBrk="0" hangingPunct="1">
+        <a:defRPr sz="1800" kern="1200">
+          <a:solidFill>
+            <a:schemeClr val="tx1"/>
+          </a:solidFill>
+          <a:latin typeface="+mn-lt"/>
+          <a:ea typeface="+mn-ea"/>
+          <a:cs typeface="+mn-cs"/>
+        </a:defRPr>
+      </a:lvl3pPr>
+      <a:lvl4pPr marL="1371600" algn="l" defTabSz="914400" rtl="0" eaLnBrk="1" latinLnBrk="0" hangingPunct="1">
+        <a:defRPr sz="1800" kern="1200">
+          <a:solidFill>
+            <a:schemeClr val="tx1"/>
+          </a:solidFill>
+          <a:latin typeface="+mn-lt"/>
+          <a:ea typeface="+mn-ea"/>
+          <a:cs typeface="+mn-cs"/>
+        </a:defRPr>
+      </a:lvl4pPr>
+      <a:lvl5pPr marL="1828800" algn="l" defTabSz="914400" rtl="0" eaLnBrk="1" latinLnBrk="0" hangingPunct="1">
+        <a:defRPr sz="1800" kern="1200">
+          <a:solidFill>
+            <a:schemeClr val="tx1"/>
+          </a:solidFill>
+          <a:latin typeface="+mn-lt"/>
+          <a:ea typeface="+mn-ea"/>
+          <a:cs typeface="+mn-cs"/>
+        </a:defRPr>
+      </a:lvl5pPr>
+      <a:lvl6pPr marL="2286000" algn="l" defTabSz="914400" rtl="0" eaLnBrk="1" latinLnBrk="0" hangingPunct="1">
+        <a:defRPr sz="1800" kern="1200">
+          <a:solidFill>
+            <a:schemeClr val="tx1"/>
+          </a:solidFill>
+          <a:latin typeface="+mn-lt"/>
+          <a:ea typeface="+mn-ea"/>
+          <a:cs typeface="+mn-cs"/>
+        </a:defRPr>
+      </a:lvl6pPr>
+      <a:lvl7pPr marL="2743200" algn="l" defTabSz="914400" rtl="0" eaLnBrk="1" latinLnBrk="0" hangingPunct="1">
+        <a:defRPr sz="1800" kern="1200">
+          <a:solidFill>
+            <a:schemeClr val="tx1"/>
+          </a:solidFill>
+          <a:latin typeface="+mn-lt"/>
+          <a:ea typeface="+mn-ea"/>
+          <a:cs typeface="+mn-cs"/>
+        </a:defRPr>
+      </a:lvl7pPr>
+      <a:lvl8pPr marL="3200400" algn="l" defTabSz="914400" rtl="0" eaLnBrk="1" latinLnBrk="0" hangingPunct="1">
+        <a:defRPr sz="1800" kern="1200">
+          <a:solidFill>
+            <a:schemeClr val="tx1"/>
+          </a:solidFill>
+          <a:latin typeface="+mn-lt"/>
+          <a:ea typeface="+mn-ea"/>
+          <a:cs typeface="+mn-cs"/>
+        </a:defRPr>
+      </a:lvl8pPr>
+      <a:lvl9pPr marL="3657600" algn="l" defTabSz="914400" rtl="0" eaLnBrk="1" latinLnBrk="0" hangingPunct="1">
+        <a:defRPr sz="1800" kern="1200">
+          <a:solidFill>
+            <a:schemeClr val="tx1"/>
+          </a:solidFill>
+          <a:latin typeface="+mn-lt"/>
+          <a:ea typeface="+mn-ea"/>
+          <a:cs typeface="+mn-cs"/>
+        </a:defRPr>
+      </a:lvl9pPr>
+    </p:otherStyle>
+  </p:txStyles>
 </p:sldMaster>
 </file>
 
 <file path=ppt/slides/slide1.xml><?xml version="1.0" encoding="utf-8"?>
-<p:sld xmlns:a="http://schemas.openxmlformats.org/drawingml/2006/main" xmlns:p="http://schemas.openxmlformats.org/presentationml/2006/main" xmlns:r="http://schemas.openxmlformats.org/officeDocument/2006/relationships">
+<p:sld xmlns:a="http://schemas.openxmlformats.org/drawingml/2006/main" xmlns:r="http://schemas.openxmlformats.org/officeDocument/2006/relationships" xmlns:p="http://schemas.openxmlformats.org/presentationml/2006/main">
   <p:cSld>
     <p:spTree>
       <p:nvGrpSpPr>
@@ -8129,6 +9938,7 @@
         </p:spPr>
         <p:txBody>
           <a:bodyPr anchor="ctr"/>
+          <a:lstStyle/>
           <a:p>
             <a:pPr algn="ctr">
               <a:lnSpc>
@@ -8136,34 +9946,16 @@
               </a:lnSpc>
             </a:pPr>
             <a:r>
-              <a:rPr lang="en-US" sz="4400">
+              <a:rPr lang="en-US" sz="4400" dirty="0">
                 <a:solidFill>
                   <a:srgbClr val="000000"/>
                 </a:solidFill>
                 <a:latin typeface="Marydale"/>
               </a:rPr>
-              <a:t>Visibility and</a:t>
+              <a:t>Visibility and
+Communication</a:t>
             </a:r>
-            <a:r>
-              <a:rPr lang="en-US" sz="4400">
-                <a:solidFill>
-                  <a:srgbClr val="000000"/>
-                </a:solidFill>
-                <a:latin typeface="Marydale"/>
-              </a:rPr>
-              <a:t>
-</a:t>
-            </a:r>
-            <a:r>
-              <a:rPr lang="en-US" sz="4400">
-                <a:solidFill>
-                  <a:srgbClr val="000000"/>
-                </a:solidFill>
-                <a:latin typeface="Marydale"/>
-              </a:rPr>
-              <a:t>Communication</a:t>
-            </a:r>
-            <a:endParaRPr/>
+            <a:endParaRPr dirty="0"/>
           </a:p>
         </p:txBody>
       </p:sp>
@@ -8184,6 +9976,7 @@
         </p:spPr>
         <p:txBody>
           <a:bodyPr/>
+          <a:lstStyle/>
           <a:p>
             <a:pPr algn="ctr">
               <a:lnSpc>
@@ -8193,7 +9986,7 @@
             <a:r>
               <a:rPr lang="en-US" sz="3200">
                 <a:solidFill>
-                  <a:srgbClr val="8b8b8b"/>
+                  <a:srgbClr val="8B8B8B"/>
                 </a:solidFill>
                 <a:latin typeface="CamingoDos Pro Cd"/>
               </a:rPr>
@@ -8231,7 +10024,8 @@
           </a:ln>
         </p:spPr>
         <p:txBody>
-          <a:bodyPr bIns="45000" lIns="90000" rIns="90000" tIns="45000"/>
+          <a:bodyPr lIns="90000" tIns="45000" rIns="90000" bIns="45000"/>
+          <a:lstStyle/>
           <a:p>
             <a:pPr algn="ctr">
               <a:lnSpc>
@@ -8264,17 +10058,7 @@
                 <a:latin typeface="Calibri"/>
                 <a:ea typeface="Arial"/>
               </a:rPr>
-              <a:t> </a:t>
-            </a:r>
-            <a:r>
-              <a:rPr lang="en-US" sz="1200">
-                <a:solidFill>
-                  <a:srgbClr val="292929"/>
-                </a:solidFill>
-                <a:latin typeface="Calibri"/>
-                <a:ea typeface="Arial"/>
-              </a:rPr>
-              <a:t>Creative Commons Attribution-ShareAlike 4.0 International License. </a:t>
+              <a:t> Creative Commons Attribution-ShareAlike 4.0 International License. </a:t>
             </a:r>
             <a:endParaRPr/>
           </a:p>
@@ -8297,11 +10081,11 @@
             <a:r>
               <a:rPr lang="en-US" sz="1200" u="sng">
                 <a:solidFill>
-                  <a:srgbClr val="0000ff"/>
+                  <a:srgbClr val="0000FF"/>
                 </a:solidFill>
                 <a:latin typeface="Calibri"/>
                 <a:ea typeface="Arial"/>
-                <a:hlinkClick r:id="rId1"/>
+                <a:hlinkClick r:id="rId3"/>
               </a:rPr>
               <a:t>http://creativecommons.org/licenses/by-sa/4.0/</a:t>
             </a:r>
@@ -8321,14 +10105,17 @@
       </p:sp>
     </p:spTree>
   </p:cSld>
+  <p:clrMapOvr>
+    <a:masterClrMapping/>
+  </p:clrMapOvr>
   <p:transition spd="slow">
-    <p:fade thruBlk="true"/>
+    <p:fade thruBlk="1"/>
   </p:transition>
 </p:sld>
 </file>
 
 <file path=ppt/slides/slide2.xml><?xml version="1.0" encoding="utf-8"?>
-<p:sld xmlns:a="http://schemas.openxmlformats.org/drawingml/2006/main" xmlns:p="http://schemas.openxmlformats.org/presentationml/2006/main" xmlns:r="http://schemas.openxmlformats.org/officeDocument/2006/relationships">
+<p:sld xmlns:a="http://schemas.openxmlformats.org/drawingml/2006/main" xmlns:r="http://schemas.openxmlformats.org/officeDocument/2006/relationships" xmlns:p="http://schemas.openxmlformats.org/presentationml/2006/main">
   <p:cSld>
     <p:spTree>
       <p:nvGrpSpPr>
@@ -8361,6 +10148,7 @@
         </p:spPr>
         <p:txBody>
           <a:bodyPr anchor="ctr"/>
+          <a:lstStyle/>
           <a:p>
             <a:pPr>
               <a:lnSpc>
@@ -8383,12 +10171,12 @@
       </p:sp>
       <p:pic>
         <p:nvPicPr>
-          <p:cNvPr descr="" id="163" name="Picture 6"/>
+          <p:cNvPr id="163" name="Picture 6"/>
           <p:cNvPicPr/>
           <p:nvPr/>
         </p:nvPicPr>
         <p:blipFill>
-          <a:blip r:embed="rId1"/>
+          <a:blip r:embed="rId3"/>
           <a:stretch>
             <a:fillRect/>
           </a:stretch>
@@ -8426,7 +10214,8 @@
           </a:ln>
         </p:spPr>
         <p:txBody>
-          <a:bodyPr bIns="45000" lIns="90000" rIns="90000" tIns="45000"/>
+          <a:bodyPr lIns="90000" tIns="45000" rIns="90000" bIns="45000"/>
+          <a:lstStyle/>
           <a:p>
             <a:pPr>
               <a:lnSpc>
@@ -8449,12 +10238,12 @@
       </p:sp>
       <p:pic>
         <p:nvPicPr>
-          <p:cNvPr descr="" id="165" name="Picture 4"/>
+          <p:cNvPr id="165" name="Picture 4"/>
           <p:cNvPicPr/>
           <p:nvPr/>
         </p:nvPicPr>
         <p:blipFill>
-          <a:blip r:embed="rId2"/>
+          <a:blip r:embed="rId4"/>
           <a:stretch>
             <a:fillRect/>
           </a:stretch>
@@ -8492,7 +10281,8 @@
           </a:ln>
         </p:spPr>
         <p:txBody>
-          <a:bodyPr bIns="45000" lIns="90000" rIns="90000" tIns="45000"/>
+          <a:bodyPr lIns="90000" tIns="45000" rIns="90000" bIns="45000"/>
+          <a:lstStyle/>
           <a:p>
             <a:pPr>
               <a:lnSpc>
@@ -8515,12 +10305,12 @@
       </p:sp>
       <p:pic>
         <p:nvPicPr>
-          <p:cNvPr descr="" id="167" name="Picture 3"/>
+          <p:cNvPr id="167" name="Picture 3"/>
           <p:cNvPicPr/>
           <p:nvPr/>
         </p:nvPicPr>
         <p:blipFill>
-          <a:blip r:embed="rId3"/>
+          <a:blip r:embed="rId5"/>
           <a:stretch>
             <a:fillRect/>
           </a:stretch>
@@ -8558,7 +10348,8 @@
           </a:ln>
         </p:spPr>
         <p:txBody>
-          <a:bodyPr bIns="45000" lIns="90000" rIns="90000" tIns="45000"/>
+          <a:bodyPr lIns="90000" tIns="45000" rIns="90000" bIns="45000"/>
+          <a:lstStyle/>
           <a:p>
             <a:pPr>
               <a:lnSpc>
@@ -8581,61 +10372,7 @@
       </p:sp>
       <p:pic>
         <p:nvPicPr>
-          <p:cNvPr descr="" id="169" name="Picture 19"/>
-          <p:cNvPicPr/>
-          <p:nvPr/>
-        </p:nvPicPr>
-        <p:blipFill>
-          <a:blip r:embed="rId4">
-            <a:lum bright="-10000" contrast="-10000"/>
-          </a:blip>
-          <a:stretch>
-            <a:fillRect/>
-          </a:stretch>
-        </p:blipFill>
-        <p:spPr>
-          <a:xfrm>
-            <a:off x="3048120" y="4150080"/>
-            <a:ext cx="1883880" cy="966240"/>
-          </a:xfrm>
-          <a:prstGeom prst="rect">
-            <a:avLst/>
-          </a:prstGeom>
-          <a:ln>
-            <a:noFill/>
-          </a:ln>
-        </p:spPr>
-      </p:pic>
-      <p:pic>
-        <p:nvPicPr>
-          <p:cNvPr descr="" id="170" name="Picture 20"/>
-          <p:cNvPicPr/>
-          <p:nvPr/>
-        </p:nvPicPr>
-        <p:blipFill>
-          <a:blip r:embed="rId5">
-            <a:lum bright="-10000" contrast="-10000"/>
-          </a:blip>
-          <a:stretch>
-            <a:fillRect/>
-          </a:stretch>
-        </p:blipFill>
-        <p:spPr>
-          <a:xfrm>
-            <a:off x="3754800" y="3962520"/>
-            <a:ext cx="1883880" cy="966240"/>
-          </a:xfrm>
-          <a:prstGeom prst="rect">
-            <a:avLst/>
-          </a:prstGeom>
-          <a:ln>
-            <a:noFill/>
-          </a:ln>
-        </p:spPr>
-      </p:pic>
-      <p:pic>
-        <p:nvPicPr>
-          <p:cNvPr descr="" id="171" name="Picture 21"/>
+          <p:cNvPr id="169" name="Picture 19"/>
           <p:cNvPicPr/>
           <p:nvPr/>
         </p:nvPicPr>
@@ -8649,6 +10386,60 @@
         </p:blipFill>
         <p:spPr>
           <a:xfrm>
+            <a:off x="3048120" y="4150080"/>
+            <a:ext cx="1883880" cy="966240"/>
+          </a:xfrm>
+          <a:prstGeom prst="rect">
+            <a:avLst/>
+          </a:prstGeom>
+          <a:ln>
+            <a:noFill/>
+          </a:ln>
+        </p:spPr>
+      </p:pic>
+      <p:pic>
+        <p:nvPicPr>
+          <p:cNvPr id="170" name="Picture 20"/>
+          <p:cNvPicPr/>
+          <p:nvPr/>
+        </p:nvPicPr>
+        <p:blipFill>
+          <a:blip r:embed="rId6">
+            <a:lum bright="-10000" contrast="-10000"/>
+          </a:blip>
+          <a:stretch>
+            <a:fillRect/>
+          </a:stretch>
+        </p:blipFill>
+        <p:spPr>
+          <a:xfrm>
+            <a:off x="3754800" y="3962520"/>
+            <a:ext cx="1883880" cy="966240"/>
+          </a:xfrm>
+          <a:prstGeom prst="rect">
+            <a:avLst/>
+          </a:prstGeom>
+          <a:ln>
+            <a:noFill/>
+          </a:ln>
+        </p:spPr>
+      </p:pic>
+      <p:pic>
+        <p:nvPicPr>
+          <p:cNvPr id="171" name="Picture 21"/>
+          <p:cNvPicPr/>
+          <p:nvPr/>
+        </p:nvPicPr>
+        <p:blipFill>
+          <a:blip r:embed="rId6">
+            <a:lum bright="-10000" contrast="-10000"/>
+          </a:blip>
+          <a:stretch>
+            <a:fillRect/>
+          </a:stretch>
+        </p:blipFill>
+        <p:spPr>
+          <a:xfrm>
             <a:off x="3362040" y="4462560"/>
             <a:ext cx="1883880" cy="966240"/>
           </a:xfrm>
@@ -8680,7 +10471,8 @@
           </a:ln>
         </p:spPr>
         <p:txBody>
-          <a:bodyPr bIns="45000" lIns="90000" rIns="90000" tIns="45000"/>
+          <a:bodyPr lIns="90000" tIns="45000" rIns="90000" bIns="45000"/>
+          <a:lstStyle/>
           <a:p>
             <a:pPr>
               <a:lnSpc>
@@ -8703,14 +10495,17 @@
       </p:sp>
     </p:spTree>
   </p:cSld>
+  <p:clrMapOvr>
+    <a:masterClrMapping/>
+  </p:clrMapOvr>
   <p:transition spd="slow">
-    <p:fade thruBlk="true"/>
+    <p:fade thruBlk="1"/>
   </p:transition>
 </p:sld>
 </file>
 
 <file path=ppt/slides/slide3.xml><?xml version="1.0" encoding="utf-8"?>
-<p:sld xmlns:a="http://schemas.openxmlformats.org/drawingml/2006/main" xmlns:p="http://schemas.openxmlformats.org/presentationml/2006/main" xmlns:r="http://schemas.openxmlformats.org/officeDocument/2006/relationships">
+<p:sld xmlns:a="http://schemas.openxmlformats.org/drawingml/2006/main" xmlns:r="http://schemas.openxmlformats.org/officeDocument/2006/relationships" xmlns:p="http://schemas.openxmlformats.org/presentationml/2006/main">
   <p:cSld>
     <p:spTree>
       <p:nvGrpSpPr>
@@ -8743,14 +10538,15 @@
         </p:spPr>
         <p:txBody>
           <a:bodyPr anchor="ctr"/>
-          <a:p>
-            <a:pPr>
+          <a:lstStyle/>
+          <a:p>
+            <a:pPr algn="ctr">
               <a:lnSpc>
                 <a:spcPct val="100000"/>
               </a:lnSpc>
             </a:pPr>
             <a:r>
-              <a:rPr lang="en-US" sz="7200">
+              <a:rPr lang="en-US" sz="4000" dirty="0">
                 <a:solidFill>
                   <a:srgbClr val="000000"/>
                 </a:solidFill>
@@ -8758,17 +10554,20 @@
               </a:rPr>
               <a:t>Maintaining Visibility and Communications</a:t>
             </a:r>
-            <a:endParaRPr/>
+            <a:endParaRPr sz="4000" dirty="0"/>
           </a:p>
         </p:txBody>
       </p:sp>
     </p:spTree>
   </p:cSld>
+  <p:clrMapOvr>
+    <a:masterClrMapping/>
+  </p:clrMapOvr>
 </p:sld>
 </file>
 
 <file path=ppt/slides/slide4.xml><?xml version="1.0" encoding="utf-8"?>
-<p:sld xmlns:a="http://schemas.openxmlformats.org/drawingml/2006/main" xmlns:p="http://schemas.openxmlformats.org/presentationml/2006/main" xmlns:r="http://schemas.openxmlformats.org/officeDocument/2006/relationships">
+<p:sld xmlns:a="http://schemas.openxmlformats.org/drawingml/2006/main" xmlns:r="http://schemas.openxmlformats.org/officeDocument/2006/relationships" xmlns:p="http://schemas.openxmlformats.org/presentationml/2006/main">
   <p:cSld>
     <p:spTree>
       <p:nvGrpSpPr>
@@ -8801,6 +10600,7 @@
         </p:spPr>
         <p:txBody>
           <a:bodyPr anchor="ctr"/>
+          <a:lstStyle/>
           <a:p>
             <a:pPr>
               <a:lnSpc>
@@ -8822,12 +10622,12 @@
       </p:sp>
       <p:pic>
         <p:nvPicPr>
-          <p:cNvPr descr="" id="175" name="Picture 4"/>
+          <p:cNvPr id="175" name="Picture 4"/>
           <p:cNvPicPr/>
           <p:nvPr/>
         </p:nvPicPr>
         <p:blipFill>
-          <a:blip r:embed="rId1"/>
+          <a:blip r:embed="rId3"/>
           <a:stretch>
             <a:fillRect/>
           </a:stretch>
@@ -8847,12 +10647,12 @@
       </p:pic>
       <p:pic>
         <p:nvPicPr>
-          <p:cNvPr descr="" id="176" name="Picture 5"/>
+          <p:cNvPr id="176" name="Picture 5"/>
           <p:cNvPicPr/>
           <p:nvPr/>
         </p:nvPicPr>
         <p:blipFill>
-          <a:blip r:embed="rId2"/>
+          <a:blip r:embed="rId4"/>
           <a:stretch>
             <a:fillRect/>
           </a:stretch>
@@ -8882,200 +10682,23 @@
         </p:xfrm>
         <a:graphic>
           <a:graphicData uri="http://schemas.openxmlformats.org/drawingml/2006/chart">
-            <c:chart xmlns:c="http://schemas.openxmlformats.org/drawingml/2006/chart" xmlns:r="http://schemas.openxmlformats.org/officeDocument/2006/relationships" r:id="rId3"/>
+            <c:chart xmlns:c="http://schemas.openxmlformats.org/drawingml/2006/chart" xmlns:r="http://schemas.openxmlformats.org/officeDocument/2006/relationships" r:id="rId5"/>
           </a:graphicData>
         </a:graphic>
       </p:graphicFrame>
     </p:spTree>
   </p:cSld>
+  <p:clrMapOvr>
+    <a:masterClrMapping/>
+  </p:clrMapOvr>
   <p:transition spd="slow">
-    <p:fade thruBlk="true"/>
+    <p:fade thruBlk="1"/>
   </p:transition>
-  <p:timing>
-    <p:tnLst>
-      <p:par>
-        <p:cTn dur="indefinite" id="1" nodeType="tmRoot" restart="never">
-          <p:childTnLst>
-            <p:seq>
-              <p:cTn dur="indefinite" id="2" nodeType="mainSeq">
-                <p:childTnLst>
-                  <p:par>
-                    <p:cTn fill="hold" id="3">
-                      <p:stCondLst>
-                        <p:cond delay="indefinite"/>
-                      </p:stCondLst>
-                      <p:childTnLst>
-                        <p:par>
-                          <p:cTn fill="hold" id="4">
-                            <p:stCondLst>
-                              <p:cond delay="0"/>
-                            </p:stCondLst>
-                            <p:childTnLst>
-                              <p:par>
-                                <p:cTn fill="hold" id="5" nodeType="clickEffect" presetClass="entr" presetID="10">
-                                  <p:stCondLst>
-                                    <p:cond delay="0"/>
-                                  </p:stCondLst>
-                                  <p:childTnLst>
-                                    <p:set>
-                                      <p:cBhvr>
-                                        <p:cTn dur="1" fill="hold" id="6">
-                                          <p:stCondLst>
-                                            <p:cond delay="0"/>
-                                          </p:stCondLst>
-                                        </p:cTn>
-                                        <p:tgtEl>
-                                          <p:spTgt spid="175"/>
-                                        </p:tgtEl>
-                                        <p:attrNameLst>
-                                          <p:attrName>style.visibility</p:attrName>
-                                        </p:attrNameLst>
-                                      </p:cBhvr>
-                                      <p:to>
-                                        <p:strVal val="visible"/>
-                                      </p:to>
-                                    </p:set>
-                                    <p:animEffect filter="fade" transition="in">
-                                      <p:cBhvr additive="repl">
-                                        <p:cTn dur="3000" id="7"/>
-                                        <p:tgtEl>
-                                          <p:spTgt spid="175"/>
-                                        </p:tgtEl>
-                                      </p:cBhvr>
-                                    </p:animEffect>
-                                  </p:childTnLst>
-                                </p:cTn>
-                              </p:par>
-                            </p:childTnLst>
-                          </p:cTn>
-                        </p:par>
-                      </p:childTnLst>
-                    </p:cTn>
-                  </p:par>
-                  <p:par>
-                    <p:cTn fill="hold" id="8">
-                      <p:stCondLst>
-                        <p:cond delay="indefinite"/>
-                      </p:stCondLst>
-                      <p:childTnLst>
-                        <p:par>
-                          <p:cTn fill="hold" id="9">
-                            <p:stCondLst>
-                              <p:cond delay="0"/>
-                            </p:stCondLst>
-                            <p:childTnLst>
-                              <p:par>
-                                <p:cTn fill="hold" id="10" nodeType="clickEffect" presetClass="entr" presetID="10">
-                                  <p:stCondLst>
-                                    <p:cond delay="0"/>
-                                  </p:stCondLst>
-                                  <p:childTnLst>
-                                    <p:set>
-                                      <p:cBhvr>
-                                        <p:cTn dur="1" fill="hold" id="11">
-                                          <p:stCondLst>
-                                            <p:cond delay="0"/>
-                                          </p:stCondLst>
-                                        </p:cTn>
-                                        <p:tgtEl>
-                                          <p:spTgt spid="176"/>
-                                        </p:tgtEl>
-                                        <p:attrNameLst>
-                                          <p:attrName>style.visibility</p:attrName>
-                                        </p:attrNameLst>
-                                      </p:cBhvr>
-                                      <p:to>
-                                        <p:strVal val="visible"/>
-                                      </p:to>
-                                    </p:set>
-                                    <p:animEffect filter="fade" transition="in">
-                                      <p:cBhvr additive="repl">
-                                        <p:cTn dur="1000" id="12"/>
-                                        <p:tgtEl>
-                                          <p:spTgt spid="176"/>
-                                        </p:tgtEl>
-                                      </p:cBhvr>
-                                    </p:animEffect>
-                                  </p:childTnLst>
-                                </p:cTn>
-                              </p:par>
-                            </p:childTnLst>
-                          </p:cTn>
-                        </p:par>
-                        <p:par>
-                          <p:cTn fill="hold" id="13">
-                            <p:stCondLst>
-                              <p:cond delay="1000"/>
-                            </p:stCondLst>
-                            <p:childTnLst>
-                              <p:par>
-                                <p:cTn fill="hold" id="14" nodeType="afterEffect" presetClass="entr" presetID="10">
-                                  <p:stCondLst>
-                                    <p:cond delay="0"/>
-                                  </p:stCondLst>
-                                  <p:childTnLst>
-                                    <p:set>
-                                      <p:cBhvr>
-                                        <p:cTn dur="1" fill="hold" id="15">
-                                          <p:stCondLst>
-                                            <p:cond delay="0"/>
-                                          </p:stCondLst>
-                                        </p:cTn>
-                                        <p:tgtEl>
-                                          <p:spTgt spid="-1"/>
-                                        </p:tgtEl>
-                                        <p:attrNameLst>
-                                          <p:attrName>style.visibility</p:attrName>
-                                        </p:attrNameLst>
-                                      </p:cBhvr>
-                                      <p:to>
-                                        <p:strVal val="visible"/>
-                                      </p:to>
-                                    </p:set>
-                                    <p:animEffect filter="fade" transition="in">
-                                      <p:cBhvr additive="repl">
-                                        <p:cTn dur="1000" id="16"/>
-                                        <p:tgtEl>
-                                          <p:spTgt spid="-1"/>
-                                        </p:tgtEl>
-                                      </p:cBhvr>
-                                    </p:animEffect>
-                                  </p:childTnLst>
-                                </p:cTn>
-                              </p:par>
-                            </p:childTnLst>
-                          </p:cTn>
-                        </p:par>
-                      </p:childTnLst>
-                    </p:cTn>
-                  </p:par>
-                </p:childTnLst>
-              </p:cTn>
-              <p:prevCondLst>
-                <p:cond delay="0" evt="onPrev">
-                  <p:tgtEl>
-                    <p:sldTgt/>
-                  </p:tgtEl>
-                </p:cond>
-              </p:prevCondLst>
-              <p:nextCondLst>
-                <p:cond delay="0" evt="onNext">
-                  <p:tgtEl>
-                    <p:sldTgt/>
-                  </p:tgtEl>
-                </p:cond>
-              </p:nextCondLst>
-            </p:seq>
-          </p:childTnLst>
-        </p:cTn>
-      </p:par>
-    </p:tnLst>
-  </p:timing>
 </p:sld>
 </file>
 
 <file path=ppt/slides/slide5.xml><?xml version="1.0" encoding="utf-8"?>
-<p:sld xmlns:a="http://schemas.openxmlformats.org/drawingml/2006/main" xmlns:p="http://schemas.openxmlformats.org/presentationml/2006/main" xmlns:r="http://schemas.openxmlformats.org/officeDocument/2006/relationships">
+<p:sld xmlns:a="http://schemas.openxmlformats.org/drawingml/2006/main" xmlns:r="http://schemas.openxmlformats.org/officeDocument/2006/relationships" xmlns:p="http://schemas.openxmlformats.org/presentationml/2006/main">
   <p:cSld>
     <p:spTree>
       <p:nvGrpSpPr>
@@ -9108,6 +10731,7 @@
         </p:spPr>
         <p:txBody>
           <a:bodyPr anchor="ctr"/>
+          <a:lstStyle/>
           <a:p>
             <a:pPr algn="ctr">
               <a:lnSpc>
@@ -9129,12 +10753,12 @@
       </p:sp>
       <p:pic>
         <p:nvPicPr>
-          <p:cNvPr descr="" id="179" name="Picture 3"/>
+          <p:cNvPr id="179" name="Picture 3"/>
           <p:cNvPicPr/>
           <p:nvPr/>
         </p:nvPicPr>
         <p:blipFill>
-          <a:blip r:embed="rId1"/>
+          <a:blip r:embed="rId3"/>
           <a:stretch>
             <a:fillRect/>
           </a:stretch>
@@ -9154,38 +10778,41 @@
       </p:pic>
     </p:spTree>
   </p:cSld>
+  <p:clrMapOvr>
+    <a:masterClrMapping/>
+  </p:clrMapOvr>
   <p:transition spd="slow">
-    <p:fade thruBlk="true"/>
+    <p:fade thruBlk="1"/>
   </p:transition>
   <p:timing>
     <p:tnLst>
       <p:par>
-        <p:cTn dur="indefinite" id="17" nodeType="tmRoot" restart="never">
+        <p:cTn id="1" dur="indefinite" restart="never" nodeType="tmRoot">
           <p:childTnLst>
             <p:seq>
-              <p:cTn dur="indefinite" id="18" nodeType="mainSeq">
+              <p:cTn id="2" dur="indefinite" nodeType="mainSeq">
                 <p:childTnLst>
                   <p:par>
-                    <p:cTn fill="hold" id="19">
+                    <p:cTn id="3" fill="hold">
                       <p:stCondLst>
                         <p:cond delay="indefinite"/>
                       </p:stCondLst>
                       <p:childTnLst>
                         <p:par>
-                          <p:cTn fill="hold" id="20">
+                          <p:cTn id="4" fill="hold">
                             <p:stCondLst>
                               <p:cond delay="0"/>
                             </p:stCondLst>
                             <p:childTnLst>
                               <p:par>
-                                <p:cTn fill="hold" id="21" nodeType="clickEffect" presetClass="entr" presetID="1">
+                                <p:cTn id="5" presetID="1" presetClass="entr" fill="hold" nodeType="clickEffect">
                                   <p:stCondLst>
                                     <p:cond delay="0"/>
                                   </p:stCondLst>
                                   <p:childTnLst>
                                     <p:set>
                                       <p:cBhvr>
-                                        <p:cTn dur="1" fill="hold" id="22">
+                                        <p:cTn id="6" dur="1" fill="hold">
                                           <p:stCondLst>
                                             <p:cond delay="0"/>
                                           </p:stCondLst>
@@ -9213,14 +10840,14 @@
                 </p:childTnLst>
               </p:cTn>
               <p:prevCondLst>
-                <p:cond delay="0" evt="onPrev">
+                <p:cond evt="onPrev" delay="0">
                   <p:tgtEl>
                     <p:sldTgt/>
                   </p:tgtEl>
                 </p:cond>
               </p:prevCondLst>
               <p:nextCondLst>
-                <p:cond delay="0" evt="onNext">
+                <p:cond evt="onNext" delay="0">
                   <p:tgtEl>
                     <p:sldTgt/>
                   </p:tgtEl>
@@ -9236,7 +10863,7 @@
 </file>
 
 <file path=ppt/slides/slide6.xml><?xml version="1.0" encoding="utf-8"?>
-<p:sld xmlns:a="http://schemas.openxmlformats.org/drawingml/2006/main" xmlns:p="http://schemas.openxmlformats.org/presentationml/2006/main" xmlns:r="http://schemas.openxmlformats.org/officeDocument/2006/relationships">
+<p:sld xmlns:a="http://schemas.openxmlformats.org/drawingml/2006/main" xmlns:r="http://schemas.openxmlformats.org/officeDocument/2006/relationships" xmlns:p="http://schemas.openxmlformats.org/presentationml/2006/main">
   <p:cSld>
     <p:spTree>
       <p:nvGrpSpPr>
@@ -9269,6 +10896,7 @@
         </p:spPr>
         <p:txBody>
           <a:bodyPr anchor="ctr"/>
+          <a:lstStyle/>
           <a:p>
             <a:pPr algn="ctr">
               <a:lnSpc>
@@ -9290,12 +10918,12 @@
       </p:sp>
       <p:pic>
         <p:nvPicPr>
-          <p:cNvPr descr="" id="181" name="Picture 1"/>
+          <p:cNvPr id="181" name="Picture 1"/>
           <p:cNvPicPr/>
           <p:nvPr/>
         </p:nvPicPr>
         <p:blipFill>
-          <a:blip r:embed="rId1"/>
+          <a:blip r:embed="rId3"/>
           <a:stretch>
             <a:fillRect/>
           </a:stretch>
@@ -9326,17 +10954,17 @@
           </a:xfrm>
           <a:prstGeom prst="rightArrow">
             <a:avLst>
-              <a:gd fmla="val 47620" name="adj1"/>
-              <a:gd fmla="val 73810" name="adj2"/>
+              <a:gd name="adj1" fmla="val 47620"/>
+              <a:gd name="adj2" fmla="val 73810"/>
             </a:avLst>
           </a:prstGeom>
           <a:gradFill>
             <a:gsLst>
               <a:gs pos="0">
-                <a:srgbClr val="ffffff"/>
+                <a:srgbClr val="FFFFFF"/>
               </a:gs>
               <a:gs pos="100000">
-                <a:srgbClr val="f27b00"/>
+                <a:srgbClr val="F27B00"/>
               </a:gs>
             </a:gsLst>
             <a:lin ang="120000"/>
@@ -9349,7 +10977,8 @@
           </a:ln>
         </p:spPr>
         <p:txBody>
-          <a:bodyPr bIns="0" lIns="0" rIns="0" tIns="0"/>
+          <a:bodyPr lIns="0" tIns="0" rIns="0" bIns="0"/>
+          <a:lstStyle/>
           <a:p>
             <a:pPr>
               <a:lnSpc>
@@ -9383,17 +11012,17 @@
           </a:xfrm>
           <a:prstGeom prst="rightArrow">
             <a:avLst>
-              <a:gd fmla="val 47620" name="adj1"/>
-              <a:gd fmla="val 73810" name="adj2"/>
+              <a:gd name="adj1" fmla="val 47620"/>
+              <a:gd name="adj2" fmla="val 73810"/>
             </a:avLst>
           </a:prstGeom>
           <a:gradFill>
             <a:gsLst>
               <a:gs pos="0">
-                <a:srgbClr val="f27b00"/>
+                <a:srgbClr val="F27B00"/>
               </a:gs>
               <a:gs pos="100000">
-                <a:srgbClr val="ffffff"/>
+                <a:srgbClr val="FFFFFF"/>
               </a:gs>
             </a:gsLst>
             <a:lin ang="16320000"/>
@@ -9420,15 +11049,15 @@
           <a:prstGeom prst="line">
             <a:avLst/>
           </a:prstGeom>
-          <a:ln cap="rnd" w="63360">
+          <a:ln w="63360" cap="rnd">
             <a:solidFill>
-              <a:srgbClr val="f53f00"/>
+              <a:srgbClr val="F53F00"/>
             </a:solidFill>
             <a:custDash>
               <a:ds d="176000" sp="176000"/>
             </a:custDash>
             <a:miter/>
-            <a:tailEnd len="med" type="triangle" w="med"/>
+            <a:tailEnd type="triangle" w="med" len="med"/>
           </a:ln>
         </p:spPr>
       </p:sp>
@@ -9446,15 +11075,15 @@
           <a:prstGeom prst="line">
             <a:avLst/>
           </a:prstGeom>
-          <a:ln cap="rnd" w="63360">
+          <a:ln w="63360" cap="rnd">
             <a:solidFill>
-              <a:srgbClr val="4a99b7"/>
+              <a:srgbClr val="4A99B7"/>
             </a:solidFill>
             <a:custDash>
               <a:ds d="176000" sp="176000"/>
             </a:custDash>
             <a:miter/>
-            <a:tailEnd len="med" type="triangle" w="med"/>
+            <a:tailEnd type="triangle" w="med" len="med"/>
           </a:ln>
         </p:spPr>
       </p:sp>
@@ -9472,15 +11101,15 @@
           <a:prstGeom prst="line">
             <a:avLst/>
           </a:prstGeom>
-          <a:ln cap="rnd" w="63360">
+          <a:ln w="63360" cap="rnd">
             <a:solidFill>
-              <a:srgbClr val="46d062"/>
+              <a:srgbClr val="46D062"/>
             </a:solidFill>
             <a:custDash>
               <a:ds d="176000" sp="176000"/>
             </a:custDash>
             <a:miter/>
-            <a:tailEnd len="med" type="triangle" w="med"/>
+            <a:tailEnd type="triangle" w="med" len="med"/>
           </a:ln>
         </p:spPr>
       </p:sp>
@@ -9498,9 +11127,9 @@
           <a:prstGeom prst="line">
             <a:avLst/>
           </a:prstGeom>
-          <a:ln cap="rnd" w="63360">
+          <a:ln w="63360" cap="rnd">
             <a:solidFill>
-              <a:srgbClr val="d0cd59"/>
+              <a:srgbClr val="D0CD59"/>
             </a:solidFill>
             <a:custDash>
               <a:ds d="176000" sp="176000"/>
@@ -9526,7 +11155,7 @@
           <a:noFill/>
           <a:ln w="63360">
             <a:solidFill>
-              <a:srgbClr val="f53f00"/>
+              <a:srgbClr val="F53F00"/>
             </a:solidFill>
             <a:miter/>
           </a:ln>
@@ -9549,7 +11178,7 @@
           <a:noFill/>
           <a:ln w="63360">
             <a:solidFill>
-              <a:srgbClr val="f53f00"/>
+              <a:srgbClr val="F53F00"/>
             </a:solidFill>
             <a:miter/>
           </a:ln>
@@ -9568,17 +11197,17 @@
           </a:xfrm>
           <a:prstGeom prst="rightArrow">
             <a:avLst>
-              <a:gd fmla="val 47620" name="adj1"/>
-              <a:gd fmla="val 73810" name="adj2"/>
+              <a:gd name="adj1" fmla="val 47620"/>
+              <a:gd name="adj2" fmla="val 73810"/>
             </a:avLst>
           </a:prstGeom>
           <a:gradFill>
             <a:gsLst>
               <a:gs pos="0">
-                <a:srgbClr val="f27b00"/>
+                <a:srgbClr val="F27B00"/>
               </a:gs>
               <a:gs pos="100000">
-                <a:srgbClr val="ffffff"/>
+                <a:srgbClr val="FFFFFF"/>
               </a:gs>
             </a:gsLst>
             <a:lin ang="16320000"/>
@@ -9604,17 +11233,17 @@
           </a:xfrm>
           <a:prstGeom prst="rightArrow">
             <a:avLst>
-              <a:gd fmla="val 47620" name="adj1"/>
-              <a:gd fmla="val 73810" name="adj2"/>
+              <a:gd name="adj1" fmla="val 47620"/>
+              <a:gd name="adj2" fmla="val 73810"/>
             </a:avLst>
           </a:prstGeom>
           <a:gradFill>
             <a:gsLst>
               <a:gs pos="0">
-                <a:srgbClr val="ffffff"/>
+                <a:srgbClr val="FFFFFF"/>
               </a:gs>
               <a:gs pos="100000">
-                <a:srgbClr val="f27b00"/>
+                <a:srgbClr val="F27B00"/>
               </a:gs>
             </a:gsLst>
             <a:lin ang="120000"/>
@@ -9627,7 +11256,8 @@
           </a:ln>
         </p:spPr>
         <p:txBody>
-          <a:bodyPr bIns="0" lIns="0" rIns="0" tIns="0"/>
+          <a:bodyPr lIns="0" tIns="0" rIns="0" bIns="0"/>
+          <a:lstStyle/>
           <a:p>
             <a:pPr>
               <a:lnSpc>
@@ -9661,17 +11291,17 @@
           </a:xfrm>
           <a:prstGeom prst="rightArrow">
             <a:avLst>
-              <a:gd fmla="val 47620" name="adj1"/>
-              <a:gd fmla="val 73810" name="adj2"/>
+              <a:gd name="adj1" fmla="val 47620"/>
+              <a:gd name="adj2" fmla="val 73810"/>
             </a:avLst>
           </a:prstGeom>
           <a:gradFill>
             <a:gsLst>
               <a:gs pos="0">
-                <a:srgbClr val="f27b00"/>
+                <a:srgbClr val="F27B00"/>
               </a:gs>
               <a:gs pos="100000">
-                <a:srgbClr val="ffffff"/>
+                <a:srgbClr val="FFFFFF"/>
               </a:gs>
             </a:gsLst>
             <a:lin ang="16320000"/>
@@ -9697,17 +11327,17 @@
           </a:xfrm>
           <a:prstGeom prst="rightArrow">
             <a:avLst>
-              <a:gd fmla="val 47620" name="adj1"/>
-              <a:gd fmla="val 73810" name="adj2"/>
+              <a:gd name="adj1" fmla="val 47620"/>
+              <a:gd name="adj2" fmla="val 73810"/>
             </a:avLst>
           </a:prstGeom>
           <a:gradFill>
             <a:gsLst>
               <a:gs pos="0">
-                <a:srgbClr val="f27b00"/>
+                <a:srgbClr val="F27B00"/>
               </a:gs>
               <a:gs pos="100000">
-                <a:srgbClr val="ffffff"/>
+                <a:srgbClr val="FFFFFF"/>
               </a:gs>
             </a:gsLst>
             <a:lin ang="16320000"/>
@@ -9744,35 +11374,38 @@
       </p:sp>
     </p:spTree>
   </p:cSld>
+  <p:clrMapOvr>
+    <a:masterClrMapping/>
+  </p:clrMapOvr>
   <p:timing>
     <p:tnLst>
       <p:par>
-        <p:cTn dur="indefinite" id="23" nodeType="tmRoot" restart="never">
+        <p:cTn id="1" dur="indefinite" restart="never" nodeType="tmRoot">
           <p:childTnLst>
             <p:seq>
-              <p:cTn dur="indefinite" id="24" nodeType="mainSeq">
+              <p:cTn id="2" dur="indefinite" nodeType="mainSeq">
                 <p:childTnLst>
                   <p:par>
-                    <p:cTn fill="hold" id="25" nodeType="clickEffect">
+                    <p:cTn id="3" fill="hold" nodeType="clickEffect">
                       <p:stCondLst>
                         <p:cond delay="indefinite"/>
                       </p:stCondLst>
                       <p:childTnLst>
                         <p:par>
-                          <p:cTn fill="hold" id="26" nodeType="withEffect">
+                          <p:cTn id="4" fill="hold" nodeType="withEffect">
                             <p:stCondLst>
                               <p:cond delay="0"/>
                             </p:stCondLst>
                             <p:childTnLst>
                               <p:par>
-                                <p:cTn fill="hold" id="27" nodeType="clickEffect" presetClass="entr" presetID="22" presetSubtype="8">
+                                <p:cTn id="5" presetID="22" presetClass="entr" presetSubtype="8" fill="hold" nodeType="clickEffect">
                                   <p:stCondLst>
                                     <p:cond delay="0"/>
                                   </p:stCondLst>
                                   <p:childTnLst>
                                     <p:set>
                                       <p:cBhvr>
-                                        <p:cTn dur="1" fill="hold" id="28">
+                                        <p:cTn id="6" dur="1" fill="hold">
                                           <p:stCondLst>
                                             <p:cond delay="0"/>
                                           </p:stCondLst>
@@ -9788,9 +11421,9 @@
                                         <p:strVal val="visible"/>
                                       </p:to>
                                     </p:set>
-                                    <p:animEffect filter="wipe(left)" transition="in">
+                                    <p:animEffect transition="in" filter="wipe(left)">
                                       <p:cBhvr additive="repl">
-                                        <p:cTn dur="500" id="29"/>
+                                        <p:cTn id="7" dur="500"/>
                                         <p:tgtEl>
                                           <p:spTgt spid="182"/>
                                         </p:tgtEl>
@@ -9806,26 +11439,26 @@
                     </p:cTn>
                   </p:par>
                   <p:par>
-                    <p:cTn fill="hold" id="30" nodeType="clickEffect">
+                    <p:cTn id="8" fill="hold" nodeType="clickEffect">
                       <p:stCondLst>
                         <p:cond delay="indefinite"/>
                       </p:stCondLst>
                       <p:childTnLst>
                         <p:par>
-                          <p:cTn fill="hold" id="31" nodeType="withEffect">
+                          <p:cTn id="9" fill="hold" nodeType="withEffect">
                             <p:stCondLst>
                               <p:cond delay="0"/>
                             </p:stCondLst>
                             <p:childTnLst>
                               <p:par>
-                                <p:cTn fill="hold" id="32" nodeType="clickEffect" presetClass="entr" presetID="22" presetSubtype="1">
+                                <p:cTn id="10" presetID="22" presetClass="entr" presetSubtype="1" fill="hold" nodeType="clickEffect">
                                   <p:stCondLst>
                                     <p:cond delay="0"/>
                                   </p:stCondLst>
                                   <p:childTnLst>
                                     <p:set>
                                       <p:cBhvr>
-                                        <p:cTn dur="1" fill="hold" id="33">
+                                        <p:cTn id="11" dur="1" fill="hold">
                                           <p:stCondLst>
                                             <p:cond delay="0"/>
                                           </p:stCondLst>
@@ -9841,9 +11474,9 @@
                                         <p:strVal val="visible"/>
                                       </p:to>
                                     </p:set>
-                                    <p:animEffect filter="wipe(up)" transition="in">
+                                    <p:animEffect transition="in" filter="wipe(up)">
                                       <p:cBhvr additive="repl">
-                                        <p:cTn dur="500" id="34"/>
+                                        <p:cTn id="12" dur="500"/>
                                         <p:tgtEl>
                                           <p:spTgt spid="183"/>
                                         </p:tgtEl>
@@ -9859,26 +11492,26 @@
                     </p:cTn>
                   </p:par>
                   <p:par>
-                    <p:cTn fill="hold" id="35" nodeType="clickEffect">
+                    <p:cTn id="13" fill="hold" nodeType="clickEffect">
                       <p:stCondLst>
                         <p:cond delay="indefinite"/>
                       </p:stCondLst>
                       <p:childTnLst>
                         <p:par>
-                          <p:cTn fill="hold" id="36" nodeType="withEffect">
+                          <p:cTn id="14" fill="hold" nodeType="withEffect">
                             <p:stCondLst>
                               <p:cond delay="0"/>
                             </p:stCondLst>
                             <p:childTnLst>
                               <p:par>
-                                <p:cTn fill="hold" id="37" nodeType="clickEffect" presetClass="entr" presetID="22" presetSubtype="1">
+                                <p:cTn id="15" presetID="22" presetClass="entr" presetSubtype="1" fill="hold" nodeType="clickEffect">
                                   <p:stCondLst>
                                     <p:cond delay="0"/>
                                   </p:stCondLst>
                                   <p:childTnLst>
                                     <p:set>
                                       <p:cBhvr>
-                                        <p:cTn dur="1" fill="hold" id="38">
+                                        <p:cTn id="16" dur="1" fill="hold">
                                           <p:stCondLst>
                                             <p:cond delay="0"/>
                                           </p:stCondLst>
@@ -9894,9 +11527,9 @@
                                         <p:strVal val="visible"/>
                                       </p:to>
                                     </p:set>
-                                    <p:animEffect filter="wipe(up)" transition="in">
+                                    <p:animEffect transition="in" filter="wipe(up)">
                                       <p:cBhvr additive="repl">
-                                        <p:cTn dur="500" id="39"/>
+                                        <p:cTn id="17" dur="500"/>
                                         <p:tgtEl>
                                           <p:spTgt spid="190"/>
                                         </p:tgtEl>
@@ -9912,26 +11545,26 @@
                     </p:cTn>
                   </p:par>
                   <p:par>
-                    <p:cTn fill="hold" id="40" nodeType="clickEffect">
+                    <p:cTn id="18" fill="hold" nodeType="clickEffect">
                       <p:stCondLst>
                         <p:cond delay="indefinite"/>
                       </p:stCondLst>
                       <p:childTnLst>
                         <p:par>
-                          <p:cTn fill="hold" id="41" nodeType="withEffect">
+                          <p:cTn id="19" fill="hold" nodeType="withEffect">
                             <p:stCondLst>
                               <p:cond delay="0"/>
                             </p:stCondLst>
                             <p:childTnLst>
                               <p:par>
-                                <p:cTn fill="hold" id="42" nodeType="clickEffect" presetClass="entr" presetID="22" presetSubtype="8">
+                                <p:cTn id="20" presetID="22" presetClass="entr" presetSubtype="8" fill="hold" nodeType="clickEffect">
                                   <p:stCondLst>
                                     <p:cond delay="0"/>
                                   </p:stCondLst>
                                   <p:childTnLst>
                                     <p:set>
                                       <p:cBhvr>
-                                        <p:cTn dur="1" fill="hold" id="43">
+                                        <p:cTn id="21" dur="1" fill="hold">
                                           <p:stCondLst>
                                             <p:cond delay="0"/>
                                           </p:stCondLst>
@@ -9947,9 +11580,9 @@
                                         <p:strVal val="visible"/>
                                       </p:to>
                                     </p:set>
-                                    <p:animEffect filter="wipe(left)" transition="in">
+                                    <p:animEffect transition="in" filter="wipe(left)">
                                       <p:cBhvr additive="repl">
-                                        <p:cTn dur="500" id="44"/>
+                                        <p:cTn id="22" dur="500"/>
                                         <p:tgtEl>
                                           <p:spTgt spid="187"/>
                                         </p:tgtEl>
@@ -9965,26 +11598,26 @@
                     </p:cTn>
                   </p:par>
                   <p:par>
-                    <p:cTn fill="hold" id="45" nodeType="clickEffect">
+                    <p:cTn id="23" fill="hold" nodeType="clickEffect">
                       <p:stCondLst>
                         <p:cond delay="indefinite"/>
                       </p:stCondLst>
                       <p:childTnLst>
                         <p:par>
-                          <p:cTn fill="hold" id="46" nodeType="withEffect">
+                          <p:cTn id="24" fill="hold" nodeType="withEffect">
                             <p:stCondLst>
                               <p:cond delay="0"/>
                             </p:stCondLst>
                             <p:childTnLst>
                               <p:par>
-                                <p:cTn fill="hold" id="47" nodeType="clickEffect" presetClass="entr" presetID="22" presetSubtype="8">
+                                <p:cTn id="25" presetID="22" presetClass="entr" presetSubtype="8" fill="hold" nodeType="clickEffect">
                                   <p:stCondLst>
                                     <p:cond delay="0"/>
                                   </p:stCondLst>
                                   <p:childTnLst>
                                     <p:set>
                                       <p:cBhvr>
-                                        <p:cTn dur="1" fill="hold" id="48">
+                                        <p:cTn id="26" dur="1" fill="hold">
                                           <p:stCondLst>
                                             <p:cond delay="0"/>
                                           </p:stCondLst>
@@ -10000,9 +11633,9 @@
                                         <p:strVal val="visible"/>
                                       </p:to>
                                     </p:set>
-                                    <p:animEffect filter="wipe(left)" transition="in">
+                                    <p:animEffect transition="in" filter="wipe(left)">
                                       <p:cBhvr additive="repl">
-                                        <p:cTn dur="500" id="49"/>
+                                        <p:cTn id="27" dur="500"/>
                                         <p:tgtEl>
                                           <p:spTgt spid="191"/>
                                         </p:tgtEl>
@@ -10015,20 +11648,20 @@
                           </p:cTn>
                         </p:par>
                         <p:par>
-                          <p:cTn fill="hold" id="50" nodeType="afterEffect">
+                          <p:cTn id="28" fill="hold" nodeType="afterEffect">
                             <p:stCondLst>
                               <p:cond delay="500"/>
                             </p:stCondLst>
                             <p:childTnLst>
                               <p:par>
-                                <p:cTn fill="hold" id="51" nodeType="afterEffect" presetClass="exit" presetID="22" presetSubtype="4">
+                                <p:cTn id="29" presetID="22" presetClass="exit" presetSubtype="4" fill="hold" nodeType="afterEffect">
                                   <p:stCondLst>
                                     <p:cond delay="0"/>
                                   </p:stCondLst>
                                   <p:childTnLst>
-                                    <p:animEffect filter="wipe(down)" transition="out">
+                                    <p:animEffect transition="out" filter="wipe(down)">
                                       <p:cBhvr additive="repl">
-                                        <p:cTn dur="500" id="52"/>
+                                        <p:cTn id="30" dur="500"/>
                                         <p:tgtEl>
                                           <p:spTgt spid="182"/>
                                         </p:tgtEl>
@@ -10036,7 +11669,7 @@
                                     </p:animEffect>
                                     <p:set>
                                       <p:cBhvr>
-                                        <p:cTn dur="1" fill="hold" id="53">
+                                        <p:cTn id="31" dur="1" fill="hold">
                                           <p:stCondLst>
                                             <p:cond delay="499"/>
                                           </p:stCondLst>
@@ -10059,20 +11692,20 @@
                           </p:cTn>
                         </p:par>
                         <p:par>
-                          <p:cTn fill="hold" id="54" nodeType="afterEffect">
+                          <p:cTn id="32" fill="hold" nodeType="afterEffect">
                             <p:stCondLst>
                               <p:cond delay="1000"/>
                             </p:stCondLst>
                             <p:childTnLst>
                               <p:par>
-                                <p:cTn fill="hold" id="55" nodeType="afterEffect" presetClass="exit" presetID="22" presetSubtype="4">
+                                <p:cTn id="33" presetID="22" presetClass="exit" presetSubtype="4" fill="hold" nodeType="afterEffect">
                                   <p:stCondLst>
                                     <p:cond delay="0"/>
                                   </p:stCondLst>
                                   <p:childTnLst>
-                                    <p:animEffect filter="wipe(down)" transition="out">
+                                    <p:animEffect transition="out" filter="wipe(down)">
                                       <p:cBhvr additive="repl">
-                                        <p:cTn dur="500" id="56"/>
+                                        <p:cTn id="34" dur="500"/>
                                         <p:tgtEl>
                                           <p:spTgt spid="183"/>
                                         </p:tgtEl>
@@ -10080,7 +11713,7 @@
                                     </p:animEffect>
                                     <p:set>
                                       <p:cBhvr>
-                                        <p:cTn dur="1" fill="hold" id="57">
+                                        <p:cTn id="35" dur="1" fill="hold">
                                           <p:stCondLst>
                                             <p:cond delay="499"/>
                                           </p:stCondLst>
@@ -10103,20 +11736,20 @@
                           </p:cTn>
                         </p:par>
                         <p:par>
-                          <p:cTn fill="hold" id="58" nodeType="afterEffect">
+                          <p:cTn id="36" fill="hold" nodeType="afterEffect">
                             <p:stCondLst>
                               <p:cond delay="1500"/>
                             </p:stCondLst>
                             <p:childTnLst>
                               <p:par>
-                                <p:cTn fill="hold" id="59" nodeType="afterEffect" presetClass="exit" presetID="22" presetSubtype="4">
+                                <p:cTn id="37" presetID="22" presetClass="exit" presetSubtype="4" fill="hold" nodeType="afterEffect">
                                   <p:stCondLst>
                                     <p:cond delay="0"/>
                                   </p:stCondLst>
                                   <p:childTnLst>
-                                    <p:animEffect filter="wipe(down)" transition="out">
+                                    <p:animEffect transition="out" filter="wipe(down)">
                                       <p:cBhvr additive="repl">
-                                        <p:cTn dur="500" id="60"/>
+                                        <p:cTn id="38" dur="500"/>
                                         <p:tgtEl>
                                           <p:spTgt spid="190"/>
                                         </p:tgtEl>
@@ -10124,7 +11757,7 @@
                                     </p:animEffect>
                                     <p:set>
                                       <p:cBhvr>
-                                        <p:cTn dur="1" fill="hold" id="61">
+                                        <p:cTn id="39" dur="1" fill="hold">
                                           <p:stCondLst>
                                             <p:cond delay="499"/>
                                           </p:stCondLst>
@@ -10150,26 +11783,26 @@
                     </p:cTn>
                   </p:par>
                   <p:par>
-                    <p:cTn fill="hold" id="62" nodeType="clickEffect">
+                    <p:cTn id="40" fill="hold" nodeType="clickEffect">
                       <p:stCondLst>
                         <p:cond delay="indefinite"/>
                       </p:stCondLst>
                       <p:childTnLst>
                         <p:par>
-                          <p:cTn fill="hold" id="63" nodeType="withEffect">
+                          <p:cTn id="41" fill="hold" nodeType="withEffect">
                             <p:stCondLst>
                               <p:cond delay="0"/>
                             </p:stCondLst>
                             <p:childTnLst>
                               <p:par>
-                                <p:cTn fill="hold" id="64" nodeType="clickEffect" presetClass="entr" presetID="22" presetSubtype="1">
+                                <p:cTn id="42" presetID="22" presetClass="entr" presetSubtype="1" fill="hold" nodeType="clickEffect">
                                   <p:stCondLst>
                                     <p:cond delay="0"/>
                                   </p:stCondLst>
                                   <p:childTnLst>
                                     <p:set>
                                       <p:cBhvr>
-                                        <p:cTn dur="1" fill="hold" id="65">
+                                        <p:cTn id="43" dur="1" fill="hold">
                                           <p:stCondLst>
                                             <p:cond delay="0"/>
                                           </p:stCondLst>
@@ -10185,9 +11818,9 @@
                                         <p:strVal val="visible"/>
                                       </p:to>
                                     </p:set>
-                                    <p:animEffect filter="wipe(up)" transition="in">
+                                    <p:animEffect transition="in" filter="wipe(up)">
                                       <p:cBhvr additive="repl">
-                                        <p:cTn dur="500" id="66"/>
+                                        <p:cTn id="44" dur="500"/>
                                         <p:tgtEl>
                                           <p:spTgt spid="192"/>
                                         </p:tgtEl>
@@ -10200,20 +11833,20 @@
                           </p:cTn>
                         </p:par>
                         <p:par>
-                          <p:cTn fill="hold" id="67" nodeType="afterEffect">
+                          <p:cTn id="45" fill="hold" nodeType="afterEffect">
                             <p:stCondLst>
                               <p:cond delay="500"/>
                             </p:stCondLst>
                             <p:childTnLst>
                               <p:par>
-                                <p:cTn fill="hold" id="68" nodeType="afterEffect" presetClass="entr" presetID="22" presetSubtype="8">
+                                <p:cTn id="46" presetID="22" presetClass="entr" presetSubtype="8" fill="hold" nodeType="afterEffect">
                                   <p:stCondLst>
                                     <p:cond delay="0"/>
                                   </p:stCondLst>
                                   <p:childTnLst>
                                     <p:set>
                                       <p:cBhvr>
-                                        <p:cTn dur="1" fill="hold" id="69">
+                                        <p:cTn id="47" dur="1" fill="hold">
                                           <p:stCondLst>
                                             <p:cond delay="0"/>
                                           </p:stCondLst>
@@ -10229,9 +11862,9 @@
                                         <p:strVal val="visible"/>
                                       </p:to>
                                     </p:set>
-                                    <p:animEffect filter="wipe(left)" transition="in">
+                                    <p:animEffect transition="in" filter="wipe(left)">
                                       <p:cBhvr additive="repl">
-                                        <p:cTn dur="500" id="70"/>
+                                        <p:cTn id="48" dur="500"/>
                                         <p:tgtEl>
                                           <p:spTgt spid="184"/>
                                         </p:tgtEl>
@@ -10247,26 +11880,26 @@
                     </p:cTn>
                   </p:par>
                   <p:par>
-                    <p:cTn fill="hold" id="71" nodeType="clickEffect">
+                    <p:cTn id="49" fill="hold" nodeType="clickEffect">
                       <p:stCondLst>
                         <p:cond delay="indefinite"/>
                       </p:stCondLst>
                       <p:childTnLst>
                         <p:par>
-                          <p:cTn fill="hold" id="72" nodeType="withEffect">
+                          <p:cTn id="50" fill="hold" nodeType="withEffect">
                             <p:stCondLst>
                               <p:cond delay="0"/>
                             </p:stCondLst>
                             <p:childTnLst>
                               <p:par>
-                                <p:cTn fill="hold" id="73" nodeType="clickEffect" presetClass="entr" presetID="22" presetSubtype="1">
+                                <p:cTn id="51" presetID="22" presetClass="entr" presetSubtype="1" fill="hold" nodeType="clickEffect">
                                   <p:stCondLst>
                                     <p:cond delay="0"/>
                                   </p:stCondLst>
                                   <p:childTnLst>
                                     <p:set>
                                       <p:cBhvr>
-                                        <p:cTn dur="1" fill="hold" id="74">
+                                        <p:cTn id="52" dur="1" fill="hold">
                                           <p:stCondLst>
                                             <p:cond delay="0"/>
                                           </p:stCondLst>
@@ -10282,9 +11915,9 @@
                                         <p:strVal val="visible"/>
                                       </p:to>
                                     </p:set>
-                                    <p:animEffect filter="wipe(up)" transition="in">
+                                    <p:animEffect transition="in" filter="wipe(up)">
                                       <p:cBhvr additive="repl">
-                                        <p:cTn dur="500" id="75"/>
+                                        <p:cTn id="53" dur="500"/>
                                         <p:tgtEl>
                                           <p:spTgt spid="193"/>
                                         </p:tgtEl>
@@ -10297,20 +11930,20 @@
                           </p:cTn>
                         </p:par>
                         <p:par>
-                          <p:cTn fill="hold" id="76" nodeType="afterEffect">
+                          <p:cTn id="54" fill="hold" nodeType="afterEffect">
                             <p:stCondLst>
                               <p:cond delay="500"/>
                             </p:stCondLst>
                             <p:childTnLst>
                               <p:par>
-                                <p:cTn fill="hold" id="77" nodeType="afterEffect" presetClass="entr" presetID="22" presetSubtype="8">
+                                <p:cTn id="55" presetID="22" presetClass="entr" presetSubtype="8" fill="hold" nodeType="afterEffect">
                                   <p:stCondLst>
                                     <p:cond delay="0"/>
                                   </p:stCondLst>
                                   <p:childTnLst>
                                     <p:set>
                                       <p:cBhvr>
-                                        <p:cTn dur="1" fill="hold" id="78">
+                                        <p:cTn id="56" dur="1" fill="hold">
                                           <p:stCondLst>
                                             <p:cond delay="0"/>
                                           </p:stCondLst>
@@ -10326,9 +11959,9 @@
                                         <p:strVal val="visible"/>
                                       </p:to>
                                     </p:set>
-                                    <p:animEffect filter="wipe(left)" transition="in">
+                                    <p:animEffect transition="in" filter="wipe(left)">
                                       <p:cBhvr additive="repl">
-                                        <p:cTn dur="500" id="79"/>
+                                        <p:cTn id="57" dur="500"/>
                                         <p:tgtEl>
                                           <p:spTgt spid="185"/>
                                         </p:tgtEl>
@@ -10341,20 +11974,20 @@
                           </p:cTn>
                         </p:par>
                         <p:par>
-                          <p:cTn fill="hold" id="80" nodeType="afterEffect">
+                          <p:cTn id="58" fill="hold" nodeType="afterEffect">
                             <p:stCondLst>
                               <p:cond delay="1000"/>
                             </p:stCondLst>
                             <p:childTnLst>
                               <p:par>
-                                <p:cTn fill="hold" id="81" nodeType="afterEffect" presetClass="entr" presetID="22" presetSubtype="4">
+                                <p:cTn id="59" presetID="22" presetClass="entr" presetSubtype="4" fill="hold" nodeType="afterEffect">
                                   <p:stCondLst>
                                     <p:cond delay="0"/>
                                   </p:stCondLst>
                                   <p:childTnLst>
                                     <p:set>
                                       <p:cBhvr>
-                                        <p:cTn dur="1" fill="hold" id="82">
+                                        <p:cTn id="60" dur="1" fill="hold">
                                           <p:stCondLst>
                                             <p:cond delay="0"/>
                                           </p:stCondLst>
@@ -10370,9 +12003,9 @@
                                         <p:strVal val="visible"/>
                                       </p:to>
                                     </p:set>
-                                    <p:animEffect filter="wipe(down)" transition="out">
+                                    <p:animEffect transition="out" filter="wipe(down)">
                                       <p:cBhvr additive="repl">
-                                        <p:cTn dur="500" id="83"/>
+                                        <p:cTn id="61" dur="500"/>
                                         <p:tgtEl>
                                           <p:spTgt spid="188"/>
                                         </p:tgtEl>
@@ -10388,26 +12021,26 @@
                     </p:cTn>
                   </p:par>
                   <p:par>
-                    <p:cTn fill="hold" id="84" nodeType="clickEffect">
+                    <p:cTn id="62" fill="hold" nodeType="clickEffect">
                       <p:stCondLst>
                         <p:cond delay="indefinite"/>
                       </p:stCondLst>
                       <p:childTnLst>
                         <p:par>
-                          <p:cTn fill="hold" id="85" nodeType="withEffect">
+                          <p:cTn id="63" fill="hold" nodeType="withEffect">
                             <p:stCondLst>
                               <p:cond delay="0"/>
                             </p:stCondLst>
                             <p:childTnLst>
                               <p:par>
-                                <p:cTn fill="hold" id="86" nodeType="clickEffect" presetClass="entr" presetID="22" presetSubtype="8">
+                                <p:cTn id="64" presetID="22" presetClass="entr" presetSubtype="8" fill="hold" nodeType="clickEffect">
                                   <p:stCondLst>
                                     <p:cond delay="0"/>
                                   </p:stCondLst>
                                   <p:childTnLst>
                                     <p:set>
                                       <p:cBhvr>
-                                        <p:cTn dur="1" fill="hold" id="87">
+                                        <p:cTn id="65" dur="1" fill="hold">
                                           <p:stCondLst>
                                             <p:cond delay="0"/>
                                           </p:stCondLst>
@@ -10423,9 +12056,9 @@
                                         <p:strVal val="visible"/>
                                       </p:to>
                                     </p:set>
-                                    <p:animEffect filter="wipe(left)" transition="in">
+                                    <p:animEffect transition="in" filter="wipe(left)">
                                       <p:cBhvr additive="repl">
-                                        <p:cTn dur="500" id="88"/>
+                                        <p:cTn id="66" dur="500"/>
                                         <p:tgtEl>
                                           <p:spTgt spid="186"/>
                                         </p:tgtEl>
@@ -10438,20 +12071,20 @@
                           </p:cTn>
                         </p:par>
                         <p:par>
-                          <p:cTn fill="hold" id="89" nodeType="afterEffect">
+                          <p:cTn id="67" fill="hold" nodeType="afterEffect">
                             <p:stCondLst>
                               <p:cond delay="500"/>
                             </p:stCondLst>
                             <p:childTnLst>
                               <p:par>
-                                <p:cTn fill="hold" id="90" nodeType="afterEffect" presetClass="exit" presetID="22" presetSubtype="4">
+                                <p:cTn id="68" presetID="22" presetClass="exit" presetSubtype="4" fill="hold" nodeType="afterEffect">
                                   <p:stCondLst>
                                     <p:cond delay="0"/>
                                   </p:stCondLst>
                                   <p:childTnLst>
-                                    <p:animEffect filter="wipe(down)" transition="out">
+                                    <p:animEffect transition="out" filter="wipe(down)">
                                       <p:cBhvr additive="repl">
-                                        <p:cTn dur="500" id="91"/>
+                                        <p:cTn id="69" dur="500"/>
                                         <p:tgtEl>
                                           <p:spTgt spid="188"/>
                                         </p:tgtEl>
@@ -10459,7 +12092,7 @@
                                     </p:animEffect>
                                     <p:set>
                                       <p:cBhvr>
-                                        <p:cTn dur="1" fill="hold" id="92">
+                                        <p:cTn id="70" dur="1" fill="hold">
                                           <p:stCondLst>
                                             <p:cond delay="499"/>
                                           </p:stCondLst>
@@ -10482,20 +12115,20 @@
                           </p:cTn>
                         </p:par>
                         <p:par>
-                          <p:cTn fill="hold" id="93" nodeType="afterEffect">
+                          <p:cTn id="71" fill="hold" nodeType="afterEffect">
                             <p:stCondLst>
                               <p:cond delay="1000"/>
                             </p:stCondLst>
                             <p:childTnLst>
                               <p:par>
-                                <p:cTn fill="hold" id="94" nodeType="afterEffect" presetClass="entr" presetID="22" presetSubtype="4">
+                                <p:cTn id="72" presetID="22" presetClass="entr" presetSubtype="4" fill="hold" nodeType="afterEffect">
                                   <p:stCondLst>
                                     <p:cond delay="0"/>
                                   </p:stCondLst>
                                   <p:childTnLst>
                                     <p:set>
                                       <p:cBhvr>
-                                        <p:cTn dur="1" fill="hold" id="95">
+                                        <p:cTn id="73" dur="1" fill="hold">
                                           <p:stCondLst>
                                             <p:cond delay="0"/>
                                           </p:stCondLst>
@@ -10511,9 +12144,9 @@
                                         <p:strVal val="visible"/>
                                       </p:to>
                                     </p:set>
-                                    <p:animEffect filter="wipe(down)" transition="out">
+                                    <p:animEffect transition="out" filter="wipe(down)">
                                       <p:cBhvr additive="repl">
-                                        <p:cTn dur="500" id="96"/>
+                                        <p:cTn id="74" dur="500"/>
                                         <p:tgtEl>
                                           <p:spTgt spid="189"/>
                                         </p:tgtEl>
@@ -10526,20 +12159,20 @@
                           </p:cTn>
                         </p:par>
                         <p:par>
-                          <p:cTn fill="hold" id="97" nodeType="afterEffect">
+                          <p:cTn id="75" fill="hold" nodeType="afterEffect">
                             <p:stCondLst>
                               <p:cond delay="1500"/>
                             </p:stCondLst>
                             <p:childTnLst>
                               <p:par>
-                                <p:cTn fill="hold" id="98" nodeType="afterEffect" presetClass="entr" presetID="22" presetSubtype="4">
+                                <p:cTn id="76" presetID="22" presetClass="entr" presetSubtype="4" fill="hold" nodeType="afterEffect">
                                   <p:stCondLst>
                                     <p:cond delay="0"/>
                                   </p:stCondLst>
                                   <p:childTnLst>
                                     <p:set>
                                       <p:cBhvr>
-                                        <p:cTn dur="1" fill="hold" id="99">
+                                        <p:cTn id="77" dur="1" fill="hold">
                                           <p:stCondLst>
                                             <p:cond delay="0"/>
                                           </p:stCondLst>
@@ -10555,9 +12188,9 @@
                                         <p:strVal val="visible"/>
                                       </p:to>
                                     </p:set>
-                                    <p:animEffect filter="wipe(down)" transition="out">
+                                    <p:animEffect transition="out" filter="wipe(down)">
                                       <p:cBhvr additive="repl">
-                                        <p:cTn dur="500" id="100"/>
+                                        <p:cTn id="78" dur="500"/>
                                         <p:tgtEl>
                                           <p:spTgt spid="194"/>
                                         </p:tgtEl>
@@ -10575,14 +12208,14 @@
                 </p:childTnLst>
               </p:cTn>
               <p:prevCondLst>
-                <p:cond delay="0" evt="onPrev">
+                <p:cond evt="onPrev" delay="0">
                   <p:tgtEl>
                     <p:sldTgt/>
                   </p:tgtEl>
                 </p:cond>
               </p:prevCondLst>
               <p:nextCondLst>
-                <p:cond delay="0" evt="onNext">
+                <p:cond evt="onNext" delay="0">
                   <p:tgtEl>
                     <p:sldTgt/>
                   </p:tgtEl>
@@ -10598,7 +12231,7 @@
 </file>
 
 <file path=ppt/slides/slide7.xml><?xml version="1.0" encoding="utf-8"?>
-<p:sld xmlns:a="http://schemas.openxmlformats.org/drawingml/2006/main" xmlns:p="http://schemas.openxmlformats.org/presentationml/2006/main" xmlns:r="http://schemas.openxmlformats.org/officeDocument/2006/relationships">
+<p:sld xmlns:a="http://schemas.openxmlformats.org/drawingml/2006/main" xmlns:r="http://schemas.openxmlformats.org/officeDocument/2006/relationships" xmlns:p="http://schemas.openxmlformats.org/presentationml/2006/main">
   <p:cSld>
     <p:spTree>
       <p:nvGrpSpPr>
@@ -10631,6 +12264,7 @@
         </p:spPr>
         <p:txBody>
           <a:bodyPr anchor="ctr"/>
+          <a:lstStyle/>
           <a:p>
             <a:pPr algn="ctr">
               <a:lnSpc>
@@ -10667,6 +12301,7 @@
         </p:spPr>
         <p:txBody>
           <a:bodyPr/>
+          <a:lstStyle/>
           <a:p>
             <a:pPr algn="ctr"/>
             <a:endParaRPr/>
@@ -10675,8 +12310,11 @@
       </p:sp>
     </p:spTree>
   </p:cSld>
+  <p:clrMapOvr>
+    <a:masterClrMapping/>
+  </p:clrMapOvr>
   <p:transition spd="slow">
-    <p:fade thruBlk="true"/>
+    <p:fade thruBlk="1"/>
   </p:transition>
 </p:sld>
 </file>
@@ -10901,6 +12539,8 @@
       </a:bgFillStyleLst>
     </a:fmtScheme>
   </a:themeElements>
+  <a:objectDefaults/>
+  <a:extraClrSchemeLst/>
 </a:theme>
 </file>
 
@@ -11124,6 +12764,8 @@
       </a:bgFillStyleLst>
     </a:fmtScheme>
   </a:themeElements>
+  <a:objectDefaults/>
+  <a:extraClrSchemeLst/>
 </a:theme>
 </file>
 
@@ -11347,6 +12989,8 @@
       </a:bgFillStyleLst>
     </a:fmtScheme>
   </a:themeElements>
+  <a:objectDefaults/>
+  <a:extraClrSchemeLst/>
 </a:theme>
 </file>
 
@@ -11570,6 +13214,8 @@
       </a:bgFillStyleLst>
     </a:fmtScheme>
   </a:themeElements>
+  <a:objectDefaults/>
+  <a:extraClrSchemeLst/>
 </a:theme>
 </file>
 
@@ -11793,5 +13439,7 @@
       </a:bgFillStyleLst>
     </a:fmtScheme>
   </a:themeElements>
+  <a:objectDefaults/>
+  <a:extraClrSchemeLst/>
 </a:theme>
 </file>